--- a/MT_PFC_Memoria técnica Presentación_PFC Gustavo Rodríguez_v1_0.pptx
+++ b/MT_PFC_Memoria técnica Presentación_PFC Gustavo Rodríguez_v1_0.pptx
@@ -4,6 +4,9 @@
   <p:sldMasterIdLst>
     <p:sldMasterId id="2147483672" r:id="rId1"/>
   </p:sldMasterIdLst>
+  <p:notesMasterIdLst>
+    <p:notesMasterId r:id="rId32"/>
+  </p:notesMasterIdLst>
   <p:sldIdLst>
     <p:sldId id="264" r:id="rId2"/>
     <p:sldId id="265" r:id="rId3"/>
@@ -5852,6 +5855,13 @@
         </dgm:presLayoutVars>
       </dgm:prSet>
       <dgm:spPr/>
+      <dgm:t>
+        <a:bodyPr/>
+        <a:lstStyle/>
+        <a:p>
+          <a:endParaRPr lang="es-ES"/>
+        </a:p>
+      </dgm:t>
     </dgm:pt>
     <dgm:pt modelId="{1E181ADB-2B72-430E-AB59-9153D718C942}" type="pres">
       <dgm:prSet presAssocID="{1A7F2A5B-40DD-4448-A0AA-925AA24EB1B3}" presName="composite" presStyleCnt="0"/>
@@ -5865,6 +5875,13 @@
         </dgm:presLayoutVars>
       </dgm:prSet>
       <dgm:spPr/>
+      <dgm:t>
+        <a:bodyPr/>
+        <a:lstStyle/>
+        <a:p>
+          <a:endParaRPr lang="es-ES"/>
+        </a:p>
+      </dgm:t>
     </dgm:pt>
     <dgm:pt modelId="{285379F5-8B10-4F1C-AECC-BF5251F82DA4}" type="pres">
       <dgm:prSet presAssocID="{1A7F2A5B-40DD-4448-A0AA-925AA24EB1B3}" presName="descendantText" presStyleLbl="alignAcc1" presStyleIdx="0" presStyleCnt="4">
@@ -5897,6 +5914,13 @@
         </dgm:presLayoutVars>
       </dgm:prSet>
       <dgm:spPr/>
+      <dgm:t>
+        <a:bodyPr/>
+        <a:lstStyle/>
+        <a:p>
+          <a:endParaRPr lang="es-ES"/>
+        </a:p>
+      </dgm:t>
     </dgm:pt>
     <dgm:pt modelId="{30594C5F-7ACB-47DC-9AB1-024EAD6D437B}" type="pres">
       <dgm:prSet presAssocID="{C8774E0F-76CC-48B9-B24C-B584C410823E}" presName="descendantText" presStyleLbl="alignAcc1" presStyleIdx="1" presStyleCnt="4">
@@ -5968,6 +5992,13 @@
         </dgm:presLayoutVars>
       </dgm:prSet>
       <dgm:spPr/>
+      <dgm:t>
+        <a:bodyPr/>
+        <a:lstStyle/>
+        <a:p>
+          <a:endParaRPr lang="es-ES"/>
+        </a:p>
+      </dgm:t>
     </dgm:pt>
     <dgm:pt modelId="{F77CC10C-4F91-4CCF-AE16-1F584F4391BE}" type="pres">
       <dgm:prSet presAssocID="{FF3D8CD0-E6E6-4C64-A729-8C328DC1DD2E}" presName="descendantText" presStyleLbl="alignAcc1" presStyleIdx="3" presStyleCnt="4">
@@ -5976,26 +6007,33 @@
         </dgm:presLayoutVars>
       </dgm:prSet>
       <dgm:spPr/>
+      <dgm:t>
+        <a:bodyPr/>
+        <a:lstStyle/>
+        <a:p>
+          <a:endParaRPr lang="es-ES"/>
+        </a:p>
+      </dgm:t>
     </dgm:pt>
   </dgm:ptLst>
   <dgm:cxnLst>
+    <dgm:cxn modelId="{566ABDF0-C674-4F18-B7E8-66FD11B360FD}" srcId="{C8774E0F-76CC-48B9-B24C-B584C410823E}" destId="{3CFF6766-73B0-40CA-B3E6-05D82A295A80}" srcOrd="0" destOrd="0" parTransId="{1045EE7C-F024-4823-997F-0D2AC08E084A}" sibTransId="{DBBC7230-4D62-4218-8129-924FD2FF538F}"/>
+    <dgm:cxn modelId="{78A2A339-1C3C-4ADA-985D-B91698E3A227}" type="presOf" srcId="{36B41BC7-9BB0-4ECF-82B8-1AF8EDF2941D}" destId="{E73F7E1C-9765-46D0-9892-8F94DABA0C32}" srcOrd="0" destOrd="0" presId="urn:microsoft.com/office/officeart/2005/8/layout/chevron2"/>
+    <dgm:cxn modelId="{F4E240A6-2A0C-443A-891C-340CA7FCA1FB}" srcId="{0FBE3DD9-C255-447C-BFB8-9F9C5FDC7A63}" destId="{1A7F2A5B-40DD-4448-A0AA-925AA24EB1B3}" srcOrd="0" destOrd="0" parTransId="{C6699A47-0182-4251-8735-621B24B7DC29}" sibTransId="{97895264-71BC-4534-96EC-7CD7CB0F2A09}"/>
+    <dgm:cxn modelId="{FDB1B1C1-E9AA-48DE-ABBB-E7713707E037}" type="presOf" srcId="{C8774E0F-76CC-48B9-B24C-B584C410823E}" destId="{398ADA81-A139-4BD0-B147-98907AE13259}" srcOrd="0" destOrd="0" presId="urn:microsoft.com/office/officeart/2005/8/layout/chevron2"/>
+    <dgm:cxn modelId="{E2507967-8A16-46E1-B46C-FF2A128BF3C2}" srcId="{36B41BC7-9BB0-4ECF-82B8-1AF8EDF2941D}" destId="{41F6A066-262A-449D-AF73-C4C6B0B8FFA8}" srcOrd="0" destOrd="0" parTransId="{BC09F497-D07D-4DC4-A5D2-00154E0AE350}" sibTransId="{C5E22C5E-1CF0-4356-BD39-B47FBF08341E}"/>
+    <dgm:cxn modelId="{1ED49F21-EF00-42A8-BBCC-67AD15227E82}" srcId="{0FBE3DD9-C255-447C-BFB8-9F9C5FDC7A63}" destId="{36B41BC7-9BB0-4ECF-82B8-1AF8EDF2941D}" srcOrd="2" destOrd="0" parTransId="{4537DEFB-CD6B-455D-AB55-01D5713F5DD0}" sibTransId="{FE276A66-F8D9-48FF-A621-F304166F1F77}"/>
+    <dgm:cxn modelId="{63E09B1B-E06F-4D4E-9ED3-AAA8B2C8FCFC}" srcId="{FF3D8CD0-E6E6-4C64-A729-8C328DC1DD2E}" destId="{D92CDEB4-A259-4B8D-A569-E629DD2C1818}" srcOrd="0" destOrd="0" parTransId="{D32DFC5F-72B9-439B-BAF1-505F21F2E8DF}" sibTransId="{6C2999ED-F698-47F3-A70C-4A5406E19D37}"/>
+    <dgm:cxn modelId="{912C41EE-A719-4B78-9754-07DD13FAC258}" type="presOf" srcId="{3CFF6766-73B0-40CA-B3E6-05D82A295A80}" destId="{30594C5F-7ACB-47DC-9AB1-024EAD6D437B}" srcOrd="0" destOrd="0" presId="urn:microsoft.com/office/officeart/2005/8/layout/chevron2"/>
+    <dgm:cxn modelId="{F3F8D33A-119C-42C0-B831-D3EDB24B9461}" type="presOf" srcId="{1A7F2A5B-40DD-4448-A0AA-925AA24EB1B3}" destId="{669D80FD-8672-403F-8558-05B11BF1870C}" srcOrd="0" destOrd="0" presId="urn:microsoft.com/office/officeart/2005/8/layout/chevron2"/>
     <dgm:cxn modelId="{EBA8D9AE-7595-4150-A66F-479F1E3940F8}" type="presOf" srcId="{5F984DCE-C21E-4D14-8BC1-DC6C3395EC60}" destId="{285379F5-8B10-4F1C-AECC-BF5251F82DA4}" srcOrd="0" destOrd="0" presId="urn:microsoft.com/office/officeart/2005/8/layout/chevron2"/>
-    <dgm:cxn modelId="{F4E240A6-2A0C-443A-891C-340CA7FCA1FB}" srcId="{0FBE3DD9-C255-447C-BFB8-9F9C5FDC7A63}" destId="{1A7F2A5B-40DD-4448-A0AA-925AA24EB1B3}" srcOrd="0" destOrd="0" parTransId="{C6699A47-0182-4251-8735-621B24B7DC29}" sibTransId="{97895264-71BC-4534-96EC-7CD7CB0F2A09}"/>
-    <dgm:cxn modelId="{912C41EE-A719-4B78-9754-07DD13FAC258}" type="presOf" srcId="{3CFF6766-73B0-40CA-B3E6-05D82A295A80}" destId="{30594C5F-7ACB-47DC-9AB1-024EAD6D437B}" srcOrd="0" destOrd="0" presId="urn:microsoft.com/office/officeart/2005/8/layout/chevron2"/>
-    <dgm:cxn modelId="{78A2A339-1C3C-4ADA-985D-B91698E3A227}" type="presOf" srcId="{36B41BC7-9BB0-4ECF-82B8-1AF8EDF2941D}" destId="{E73F7E1C-9765-46D0-9892-8F94DABA0C32}" srcOrd="0" destOrd="0" presId="urn:microsoft.com/office/officeart/2005/8/layout/chevron2"/>
-    <dgm:cxn modelId="{1ED49F21-EF00-42A8-BBCC-67AD15227E82}" srcId="{0FBE3DD9-C255-447C-BFB8-9F9C5FDC7A63}" destId="{36B41BC7-9BB0-4ECF-82B8-1AF8EDF2941D}" srcOrd="2" destOrd="0" parTransId="{4537DEFB-CD6B-455D-AB55-01D5713F5DD0}" sibTransId="{FE276A66-F8D9-48FF-A621-F304166F1F77}"/>
+    <dgm:cxn modelId="{F7894E57-A05C-4D4C-A6B4-CCF1F42D9542}" type="presOf" srcId="{FF3D8CD0-E6E6-4C64-A729-8C328DC1DD2E}" destId="{A1CD007B-69D5-4489-BADA-41F97F4109DA}" srcOrd="0" destOrd="0" presId="urn:microsoft.com/office/officeart/2005/8/layout/chevron2"/>
+    <dgm:cxn modelId="{542407E2-97B3-45D7-9D14-E5FCB6E252D2}" srcId="{0FBE3DD9-C255-447C-BFB8-9F9C5FDC7A63}" destId="{FF3D8CD0-E6E6-4C64-A729-8C328DC1DD2E}" srcOrd="3" destOrd="0" parTransId="{F5533196-A3A4-453B-9518-1EA4205CF6E4}" sibTransId="{7B10D240-0A41-4C29-9458-286E3CBA0B44}"/>
+    <dgm:cxn modelId="{C2A6B12B-F183-49B9-982B-9B06A25D3291}" type="presOf" srcId="{41F6A066-262A-449D-AF73-C4C6B0B8FFA8}" destId="{4F4F87E5-3036-4CC6-8AB7-D78B4F830A27}" srcOrd="0" destOrd="0" presId="urn:microsoft.com/office/officeart/2005/8/layout/chevron2"/>
     <dgm:cxn modelId="{685EDF94-91A9-4BDC-B9DD-07E64244A99D}" srcId="{1A7F2A5B-40DD-4448-A0AA-925AA24EB1B3}" destId="{5F984DCE-C21E-4D14-8BC1-DC6C3395EC60}" srcOrd="0" destOrd="0" parTransId="{F3F30DAC-F049-42E5-8EC0-98175E561703}" sibTransId="{E2A7F040-E1C1-477A-9632-439FF401565B}"/>
-    <dgm:cxn modelId="{542407E2-97B3-45D7-9D14-E5FCB6E252D2}" srcId="{0FBE3DD9-C255-447C-BFB8-9F9C5FDC7A63}" destId="{FF3D8CD0-E6E6-4C64-A729-8C328DC1DD2E}" srcOrd="3" destOrd="0" parTransId="{F5533196-A3A4-453B-9518-1EA4205CF6E4}" sibTransId="{7B10D240-0A41-4C29-9458-286E3CBA0B44}"/>
-    <dgm:cxn modelId="{E2507967-8A16-46E1-B46C-FF2A128BF3C2}" srcId="{36B41BC7-9BB0-4ECF-82B8-1AF8EDF2941D}" destId="{41F6A066-262A-449D-AF73-C4C6B0B8FFA8}" srcOrd="0" destOrd="0" parTransId="{BC09F497-D07D-4DC4-A5D2-00154E0AE350}" sibTransId="{C5E22C5E-1CF0-4356-BD39-B47FBF08341E}"/>
+    <dgm:cxn modelId="{E3F06F23-7DDA-4829-ACE7-64F81232450C}" type="presOf" srcId="{D92CDEB4-A259-4B8D-A569-E629DD2C1818}" destId="{F77CC10C-4F91-4CCF-AE16-1F584F4391BE}" srcOrd="0" destOrd="0" presId="urn:microsoft.com/office/officeart/2005/8/layout/chevron2"/>
     <dgm:cxn modelId="{91761325-C5DC-499F-AFA3-A30C01BE9167}" srcId="{0FBE3DD9-C255-447C-BFB8-9F9C5FDC7A63}" destId="{C8774E0F-76CC-48B9-B24C-B584C410823E}" srcOrd="1" destOrd="0" parTransId="{F31FDBA3-9413-48E6-94AE-A224016494EB}" sibTransId="{EB6EB267-F05D-4531-A083-D89DD7B33CEF}"/>
-    <dgm:cxn modelId="{F7894E57-A05C-4D4C-A6B4-CCF1F42D9542}" type="presOf" srcId="{FF3D8CD0-E6E6-4C64-A729-8C328DC1DD2E}" destId="{A1CD007B-69D5-4489-BADA-41F97F4109DA}" srcOrd="0" destOrd="0" presId="urn:microsoft.com/office/officeart/2005/8/layout/chevron2"/>
-    <dgm:cxn modelId="{FDB1B1C1-E9AA-48DE-ABBB-E7713707E037}" type="presOf" srcId="{C8774E0F-76CC-48B9-B24C-B584C410823E}" destId="{398ADA81-A139-4BD0-B147-98907AE13259}" srcOrd="0" destOrd="0" presId="urn:microsoft.com/office/officeart/2005/8/layout/chevron2"/>
-    <dgm:cxn modelId="{566ABDF0-C674-4F18-B7E8-66FD11B360FD}" srcId="{C8774E0F-76CC-48B9-B24C-B584C410823E}" destId="{3CFF6766-73B0-40CA-B3E6-05D82A295A80}" srcOrd="0" destOrd="0" parTransId="{1045EE7C-F024-4823-997F-0D2AC08E084A}" sibTransId="{DBBC7230-4D62-4218-8129-924FD2FF538F}"/>
-    <dgm:cxn modelId="{F3F8D33A-119C-42C0-B831-D3EDB24B9461}" type="presOf" srcId="{1A7F2A5B-40DD-4448-A0AA-925AA24EB1B3}" destId="{669D80FD-8672-403F-8558-05B11BF1870C}" srcOrd="0" destOrd="0" presId="urn:microsoft.com/office/officeart/2005/8/layout/chevron2"/>
-    <dgm:cxn modelId="{C2A6B12B-F183-49B9-982B-9B06A25D3291}" type="presOf" srcId="{41F6A066-262A-449D-AF73-C4C6B0B8FFA8}" destId="{4F4F87E5-3036-4CC6-8AB7-D78B4F830A27}" srcOrd="0" destOrd="0" presId="urn:microsoft.com/office/officeart/2005/8/layout/chevron2"/>
-    <dgm:cxn modelId="{63E09B1B-E06F-4D4E-9ED3-AAA8B2C8FCFC}" srcId="{FF3D8CD0-E6E6-4C64-A729-8C328DC1DD2E}" destId="{D92CDEB4-A259-4B8D-A569-E629DD2C1818}" srcOrd="0" destOrd="0" parTransId="{D32DFC5F-72B9-439B-BAF1-505F21F2E8DF}" sibTransId="{6C2999ED-F698-47F3-A70C-4A5406E19D37}"/>
     <dgm:cxn modelId="{D4239C22-DF66-4D73-A80B-654A930BF9A9}" type="presOf" srcId="{0FBE3DD9-C255-447C-BFB8-9F9C5FDC7A63}" destId="{69242D95-EF2C-4ABB-BB76-8EA02FB7E78D}" srcOrd="0" destOrd="0" presId="urn:microsoft.com/office/officeart/2005/8/layout/chevron2"/>
-    <dgm:cxn modelId="{E3F06F23-7DDA-4829-ACE7-64F81232450C}" type="presOf" srcId="{D92CDEB4-A259-4B8D-A569-E629DD2C1818}" destId="{F77CC10C-4F91-4CCF-AE16-1F584F4391BE}" srcOrd="0" destOrd="0" presId="urn:microsoft.com/office/officeart/2005/8/layout/chevron2"/>
     <dgm:cxn modelId="{E793A86A-0F6D-4431-9A66-C3E2822489AC}" type="presParOf" srcId="{69242D95-EF2C-4ABB-BB76-8EA02FB7E78D}" destId="{1E181ADB-2B72-430E-AB59-9153D718C942}" srcOrd="0" destOrd="0" presId="urn:microsoft.com/office/officeart/2005/8/layout/chevron2"/>
     <dgm:cxn modelId="{11D0BF55-53DC-43D6-9857-4CB72D264617}" type="presParOf" srcId="{1E181ADB-2B72-430E-AB59-9153D718C942}" destId="{669D80FD-8672-403F-8558-05B11BF1870C}" srcOrd="0" destOrd="0" presId="urn:microsoft.com/office/officeart/2005/8/layout/chevron2"/>
     <dgm:cxn modelId="{7D633372-32FA-4761-AA67-CF8FC1565F7D}" type="presParOf" srcId="{1E181ADB-2B72-430E-AB59-9153D718C942}" destId="{285379F5-8B10-4F1C-AECC-BF5251F82DA4}" srcOrd="1" destOrd="0" presId="urn:microsoft.com/office/officeart/2005/8/layout/chevron2"/>
@@ -6016,7 +6054,7 @@
   <dgm:whole/>
   <dgm:extLst>
     <a:ext uri="http://schemas.microsoft.com/office/drawing/2008/diagram">
-      <dsp:dataModelExt xmlns:dsp="http://schemas.microsoft.com/office/drawing/2008/diagram" xmlns="" relId="rId6" minVer="http://schemas.openxmlformats.org/drawingml/2006/diagram"/>
+      <dsp:dataModelExt xmlns:dsp="http://schemas.microsoft.com/office/drawing/2008/diagram" xmlns="" relId="rId7" minVer="http://schemas.openxmlformats.org/drawingml/2006/diagram"/>
     </a:ext>
   </dgm:extLst>
 </dgm:dataModel>
@@ -6940,8 +6978,8 @@
     <dgm:cxn modelId="{B98965B5-E813-49B5-AE9D-A6CAD7E375B9}" type="presOf" srcId="{73C79019-F892-4AF4-8F7B-8B8EA63A9B32}" destId="{8364336F-1D7A-4E7E-B322-0B68D23563E7}" srcOrd="0" destOrd="0" presId="urn:microsoft.com/office/officeart/2005/8/layout/process4"/>
     <dgm:cxn modelId="{139ADD1D-C01A-45BC-8F1E-AEA4F9DBC2E7}" srcId="{17213AE0-3885-4BE5-B09F-E00583C05DF9}" destId="{50492303-0312-42B0-9E24-EFD94FE0B637}" srcOrd="1" destOrd="0" parTransId="{232EB9EC-BEAF-4878-ADAC-AAA0D5FC6D4C}" sibTransId="{3DFDDFC3-CFF9-42CF-81F1-8243BB39482F}"/>
     <dgm:cxn modelId="{28ECCCC5-C4E8-4BF5-AED9-A6F4BC17CDE7}" type="presOf" srcId="{4E94B24F-CC96-49B5-AEBC-0C69E2E4E2E5}" destId="{E06BD468-4C8C-4362-B7DC-51D1197C578D}" srcOrd="0" destOrd="0" presId="urn:microsoft.com/office/officeart/2005/8/layout/process4"/>
+    <dgm:cxn modelId="{734155E5-F307-4939-8DCE-74D76827BB37}" type="presOf" srcId="{58E04C8C-4186-4C5B-B2FA-85BAF8FADA96}" destId="{D13E4CE4-2229-4320-925E-DC841675E947}" srcOrd="0" destOrd="0" presId="urn:microsoft.com/office/officeart/2005/8/layout/process4"/>
     <dgm:cxn modelId="{E1A82A05-B064-4BF5-BA80-E7EA25601104}" srcId="{3E86D66D-846C-4EF8-B7CE-B28AB420F804}" destId="{4E94B24F-CC96-49B5-AEBC-0C69E2E4E2E5}" srcOrd="2" destOrd="0" parTransId="{7E82DC03-40B1-4C34-89F1-BC36C9653CE4}" sibTransId="{DA9ED343-A869-4CCF-A2D3-25F0EFCD5715}"/>
-    <dgm:cxn modelId="{734155E5-F307-4939-8DCE-74D76827BB37}" type="presOf" srcId="{58E04C8C-4186-4C5B-B2FA-85BAF8FADA96}" destId="{D13E4CE4-2229-4320-925E-DC841675E947}" srcOrd="0" destOrd="0" presId="urn:microsoft.com/office/officeart/2005/8/layout/process4"/>
     <dgm:cxn modelId="{26FCDF3E-4AED-49BF-A9BB-29E7F9FC531D}" type="presParOf" srcId="{172B9531-7EF7-401E-A401-33C18343228C}" destId="{F6E26C3F-29CD-4372-981B-4DD7D48D2018}" srcOrd="0" destOrd="0" presId="urn:microsoft.com/office/officeart/2005/8/layout/process4"/>
     <dgm:cxn modelId="{F64AF99E-C1A3-4D84-80D1-95EA5786AC25}" type="presParOf" srcId="{F6E26C3F-29CD-4372-981B-4DD7D48D2018}" destId="{499EB977-8627-48C1-9515-C12F2AFA7B44}" srcOrd="0" destOrd="0" presId="urn:microsoft.com/office/officeart/2005/8/layout/process4"/>
     <dgm:cxn modelId="{D9835E62-9DC4-4FB1-AB5A-32E15BDD2FB6}" type="presParOf" srcId="{F6E26C3F-29CD-4372-981B-4DD7D48D2018}" destId="{BD780F2B-C837-416D-9849-FF0278AA79F8}" srcOrd="1" destOrd="0" presId="urn:microsoft.com/office/officeart/2005/8/layout/process4"/>
@@ -6977,7 +7015,7 @@
   <dgm:whole/>
   <dgm:extLst>
     <a:ext uri="http://schemas.microsoft.com/office/drawing/2008/diagram">
-      <dsp:dataModelExt xmlns:dsp="http://schemas.microsoft.com/office/drawing/2008/diagram" xmlns="" relId="rId6" minVer="http://schemas.openxmlformats.org/drawingml/2006/diagram"/>
+      <dsp:dataModelExt xmlns:dsp="http://schemas.microsoft.com/office/drawing/2008/diagram" xmlns="" relId="rId7" minVer="http://schemas.openxmlformats.org/drawingml/2006/diagram"/>
     </a:ext>
   </dgm:extLst>
 </dgm:dataModel>
@@ -7256,7 +7294,7 @@
   <dgm:whole/>
   <dgm:extLst>
     <a:ext uri="http://schemas.microsoft.com/office/drawing/2008/diagram">
-      <dsp:dataModelExt xmlns:dsp="http://schemas.microsoft.com/office/drawing/2008/diagram" xmlns="" relId="rId6" minVer="http://schemas.openxmlformats.org/drawingml/2006/diagram"/>
+      <dsp:dataModelExt xmlns:dsp="http://schemas.microsoft.com/office/drawing/2008/diagram" xmlns="" relId="rId7" minVer="http://schemas.openxmlformats.org/drawingml/2006/diagram"/>
     </a:ext>
   </dgm:extLst>
 </dgm:dataModel>
@@ -8002,6 +8040,13 @@
         </dgm:presLayoutVars>
       </dgm:prSet>
       <dgm:spPr/>
+      <dgm:t>
+        <a:bodyPr/>
+        <a:lstStyle/>
+        <a:p>
+          <a:endParaRPr lang="es-ES"/>
+        </a:p>
+      </dgm:t>
     </dgm:pt>
     <dgm:pt modelId="{F62C3FBE-F8D3-4B62-AD18-39CAD3A352C5}" type="pres">
       <dgm:prSet presAssocID="{A5BA9B4B-DBC7-4937-AEE4-D8047F982121}" presName="children" presStyleCnt="0"/>
@@ -8044,6 +8089,13 @@
     <dgm:pt modelId="{CE8D649A-12E7-4EF7-B78D-6C7A4E391C01}" type="pres">
       <dgm:prSet presAssocID="{A5BA9B4B-DBC7-4937-AEE4-D8047F982121}" presName="child2" presStyleLbl="bgAcc1" presStyleIdx="1" presStyleCnt="4"/>
       <dgm:spPr/>
+      <dgm:t>
+        <a:bodyPr/>
+        <a:lstStyle/>
+        <a:p>
+          <a:endParaRPr lang="es-ES"/>
+        </a:p>
+      </dgm:t>
     </dgm:pt>
     <dgm:pt modelId="{1B2EC2A6-64AC-4D20-8FEC-6823295E7DB7}" type="pres">
       <dgm:prSet presAssocID="{A5BA9B4B-DBC7-4937-AEE4-D8047F982121}" presName="child2Text" presStyleLbl="bgAcc1" presStyleIdx="1" presStyleCnt="4">
@@ -8052,6 +8104,13 @@
         </dgm:presLayoutVars>
       </dgm:prSet>
       <dgm:spPr/>
+      <dgm:t>
+        <a:bodyPr/>
+        <a:lstStyle/>
+        <a:p>
+          <a:endParaRPr lang="es-ES"/>
+        </a:p>
+      </dgm:t>
     </dgm:pt>
     <dgm:pt modelId="{9FCFF21D-C3A1-4579-B9BD-6D5087D73F1D}" type="pres">
       <dgm:prSet presAssocID="{A5BA9B4B-DBC7-4937-AEE4-D8047F982121}" presName="child3group" presStyleCnt="0"/>
@@ -8060,6 +8119,13 @@
     <dgm:pt modelId="{4FE9C84A-128B-45A2-994E-DF20DB8969CD}" type="pres">
       <dgm:prSet presAssocID="{A5BA9B4B-DBC7-4937-AEE4-D8047F982121}" presName="child3" presStyleLbl="bgAcc1" presStyleIdx="2" presStyleCnt="4"/>
       <dgm:spPr/>
+      <dgm:t>
+        <a:bodyPr/>
+        <a:lstStyle/>
+        <a:p>
+          <a:endParaRPr lang="es-ES"/>
+        </a:p>
+      </dgm:t>
     </dgm:pt>
     <dgm:pt modelId="{4CF8D632-8583-47CF-93F8-9B5F5A8BF062}" type="pres">
       <dgm:prSet presAssocID="{A5BA9B4B-DBC7-4937-AEE4-D8047F982121}" presName="child3Text" presStyleLbl="bgAcc1" presStyleIdx="2" presStyleCnt="4">
@@ -8068,6 +8134,13 @@
         </dgm:presLayoutVars>
       </dgm:prSet>
       <dgm:spPr/>
+      <dgm:t>
+        <a:bodyPr/>
+        <a:lstStyle/>
+        <a:p>
+          <a:endParaRPr lang="es-ES"/>
+        </a:p>
+      </dgm:t>
     </dgm:pt>
     <dgm:pt modelId="{D33C2C17-67E7-4473-92C3-780944D80488}" type="pres">
       <dgm:prSet presAssocID="{A5BA9B4B-DBC7-4937-AEE4-D8047F982121}" presName="child4group" presStyleCnt="0"/>
@@ -8076,6 +8149,13 @@
     <dgm:pt modelId="{7BD27812-6C6A-45D7-B4F9-21A4D4ED8253}" type="pres">
       <dgm:prSet presAssocID="{A5BA9B4B-DBC7-4937-AEE4-D8047F982121}" presName="child4" presStyleLbl="bgAcc1" presStyleIdx="3" presStyleCnt="4"/>
       <dgm:spPr/>
+      <dgm:t>
+        <a:bodyPr/>
+        <a:lstStyle/>
+        <a:p>
+          <a:endParaRPr lang="es-ES"/>
+        </a:p>
+      </dgm:t>
     </dgm:pt>
     <dgm:pt modelId="{D4D18A5C-CF88-483D-81C4-A11101BDBE33}" type="pres">
       <dgm:prSet presAssocID="{A5BA9B4B-DBC7-4937-AEE4-D8047F982121}" presName="child4Text" presStyleLbl="bgAcc1" presStyleIdx="3" presStyleCnt="4">
@@ -8084,6 +8164,13 @@
         </dgm:presLayoutVars>
       </dgm:prSet>
       <dgm:spPr/>
+      <dgm:t>
+        <a:bodyPr/>
+        <a:lstStyle/>
+        <a:p>
+          <a:endParaRPr lang="es-ES"/>
+        </a:p>
+      </dgm:t>
     </dgm:pt>
     <dgm:pt modelId="{DBD96D0F-9C14-4F53-BD1A-E3816F657029}" type="pres">
       <dgm:prSet presAssocID="{A5BA9B4B-DBC7-4937-AEE4-D8047F982121}" presName="childPlaceholder" presStyleCnt="0"/>
@@ -8101,6 +8188,13 @@
         </dgm:presLayoutVars>
       </dgm:prSet>
       <dgm:spPr/>
+      <dgm:t>
+        <a:bodyPr/>
+        <a:lstStyle/>
+        <a:p>
+          <a:endParaRPr lang="es-ES"/>
+        </a:p>
+      </dgm:t>
     </dgm:pt>
     <dgm:pt modelId="{988C664F-1C55-4D5D-B37B-929C2C93778A}" type="pres">
       <dgm:prSet presAssocID="{A5BA9B4B-DBC7-4937-AEE4-D8047F982121}" presName="quadrant2" presStyleLbl="node1" presStyleIdx="1" presStyleCnt="4">
@@ -8110,6 +8204,13 @@
         </dgm:presLayoutVars>
       </dgm:prSet>
       <dgm:spPr/>
+      <dgm:t>
+        <a:bodyPr/>
+        <a:lstStyle/>
+        <a:p>
+          <a:endParaRPr lang="es-ES"/>
+        </a:p>
+      </dgm:t>
     </dgm:pt>
     <dgm:pt modelId="{16250E04-1A9C-4EE2-A6F7-8DE89EA80765}" type="pres">
       <dgm:prSet presAssocID="{A5BA9B4B-DBC7-4937-AEE4-D8047F982121}" presName="quadrant3" presStyleLbl="node1" presStyleIdx="2" presStyleCnt="4">
@@ -8119,6 +8220,13 @@
         </dgm:presLayoutVars>
       </dgm:prSet>
       <dgm:spPr/>
+      <dgm:t>
+        <a:bodyPr/>
+        <a:lstStyle/>
+        <a:p>
+          <a:endParaRPr lang="es-ES"/>
+        </a:p>
+      </dgm:t>
     </dgm:pt>
     <dgm:pt modelId="{C6990A06-C058-45A5-A8ED-63A32222F01A}" type="pres">
       <dgm:prSet presAssocID="{A5BA9B4B-DBC7-4937-AEE4-D8047F982121}" presName="quadrant4" presStyleLbl="node1" presStyleIdx="3" presStyleCnt="4">
@@ -8174,9 +8282,9 @@
     <dgm:cxn modelId="{5F36F5E9-1795-430C-A319-9A48062C593C}" srcId="{B6603879-B13F-4133-B251-6D4F495CDDA3}" destId="{DC65191A-7830-41D6-8AFA-76F9F2A9798C}" srcOrd="1" destOrd="0" parTransId="{156A76DB-0F1A-4587-825E-190BB1ABB0DD}" sibTransId="{BD012AB4-A9D2-44DE-8EED-B7B06B0D20A6}"/>
     <dgm:cxn modelId="{C7EDF4AD-F560-4A2A-BDA4-CAE3B13949EF}" type="presOf" srcId="{42B1DACE-E647-470C-BD39-AA42949A456F}" destId="{4CF8D632-8583-47CF-93F8-9B5F5A8BF062}" srcOrd="1" destOrd="1" presId="urn:microsoft.com/office/officeart/2005/8/layout/cycle4"/>
     <dgm:cxn modelId="{EE4B3712-B882-4009-AA75-DADE95C03E8B}" srcId="{B6603879-B13F-4133-B251-6D4F495CDDA3}" destId="{4881C19E-9790-4DEE-9343-113CC7E1551E}" srcOrd="0" destOrd="0" parTransId="{33F7008B-FAFB-4E6A-9F35-9F8DA7389391}" sibTransId="{F0D93CB1-2B9E-4B59-A083-374571E7850B}"/>
-    <dgm:cxn modelId="{07F73329-C06A-4B85-A52F-EB05A649E07D}" type="presOf" srcId="{95B46086-5AC5-4F63-AC6B-427C9CAF044C}" destId="{202AF23A-0C3E-4C5C-BC54-D78DDE5C021A}" srcOrd="0" destOrd="1" presId="urn:microsoft.com/office/officeart/2005/8/layout/cycle4"/>
     <dgm:cxn modelId="{7D4A5E76-C805-4800-9F9A-ACDF30AEBB23}" type="presOf" srcId="{DC65191A-7830-41D6-8AFA-76F9F2A9798C}" destId="{D4D18A5C-CF88-483D-81C4-A11101BDBE33}" srcOrd="1" destOrd="1" presId="urn:microsoft.com/office/officeart/2005/8/layout/cycle4"/>
     <dgm:cxn modelId="{057CD097-956E-49E8-A020-3BF0755D86F0}" type="presOf" srcId="{5D0D32E1-A714-4884-A4AE-7AE7DAA2E9A9}" destId="{13A545F6-4ADB-44D3-9141-9A034DF95FA5}" srcOrd="1" destOrd="0" presId="urn:microsoft.com/office/officeart/2005/8/layout/cycle4"/>
+    <dgm:cxn modelId="{07F73329-C06A-4B85-A52F-EB05A649E07D}" type="presOf" srcId="{95B46086-5AC5-4F63-AC6B-427C9CAF044C}" destId="{202AF23A-0C3E-4C5C-BC54-D78DDE5C021A}" srcOrd="0" destOrd="1" presId="urn:microsoft.com/office/officeart/2005/8/layout/cycle4"/>
     <dgm:cxn modelId="{96D46BF8-F6C7-4848-837D-1B4C61AEC2C0}" type="presOf" srcId="{4881C19E-9790-4DEE-9343-113CC7E1551E}" destId="{7BD27812-6C6A-45D7-B4F9-21A4D4ED8253}" srcOrd="0" destOrd="0" presId="urn:microsoft.com/office/officeart/2005/8/layout/cycle4"/>
     <dgm:cxn modelId="{51459B8C-347F-40F2-9CBB-2B4AA283C334}" type="presOf" srcId="{4881C19E-9790-4DEE-9343-113CC7E1551E}" destId="{D4D18A5C-CF88-483D-81C4-A11101BDBE33}" srcOrd="1" destOrd="0" presId="urn:microsoft.com/office/officeart/2005/8/layout/cycle4"/>
     <dgm:cxn modelId="{B635E871-4F2E-4BBF-88EA-BE2951B0CD0C}" type="presOf" srcId="{42B1DACE-E647-470C-BD39-AA42949A456F}" destId="{4FE9C84A-128B-45A2-994E-DF20DB8969CD}" srcOrd="0" destOrd="1" presId="urn:microsoft.com/office/officeart/2005/8/layout/cycle4"/>
@@ -8210,7 +8318,7 @@
   <dgm:whole/>
   <dgm:extLst>
     <a:ext uri="http://schemas.microsoft.com/office/drawing/2008/diagram">
-      <dsp:dataModelExt xmlns:dsp="http://schemas.microsoft.com/office/drawing/2008/diagram" xmlns="" relId="rId6" minVer="http://schemas.openxmlformats.org/drawingml/2006/diagram"/>
+      <dsp:dataModelExt xmlns:dsp="http://schemas.microsoft.com/office/drawing/2008/diagram" xmlns="" relId="rId7" minVer="http://schemas.openxmlformats.org/drawingml/2006/diagram"/>
     </a:ext>
   </dgm:extLst>
 </dgm:dataModel>
@@ -8517,8 +8625,8 @@
     <dgm:cxn modelId="{E7B284CD-805B-4338-B140-4AC878230407}" type="presOf" srcId="{11A02014-B27C-441E-BBC5-6040C635EC65}" destId="{0E96F4F2-B0CB-40E7-99A1-2F0B7CF9BC55}" srcOrd="0" destOrd="0" presId="urn:microsoft.com/office/officeart/2005/8/layout/gear1"/>
     <dgm:cxn modelId="{6DD6A120-338B-4634-BDAF-4D8C013B9099}" type="presOf" srcId="{17AE950D-8400-4790-9471-FEBB5600CC8C}" destId="{3D29AD1F-F355-4012-9F15-C00C9B19F469}" srcOrd="1" destOrd="0" presId="urn:microsoft.com/office/officeart/2005/8/layout/gear1"/>
     <dgm:cxn modelId="{68C867AB-FB15-498C-9329-A721D88830EC}" type="presOf" srcId="{17AE950D-8400-4790-9471-FEBB5600CC8C}" destId="{3CDC4122-1A1B-4C86-B2DB-D6839FD37425}" srcOrd="0" destOrd="0" presId="urn:microsoft.com/office/officeart/2005/8/layout/gear1"/>
+    <dgm:cxn modelId="{F5A08CEC-F4B3-413A-B9FC-A6152122FDA1}" type="presOf" srcId="{3FE05096-5376-478D-B59B-09D2867D8E15}" destId="{17682E80-8ED1-466E-B9B4-E41FE5CF4393}" srcOrd="0" destOrd="0" presId="urn:microsoft.com/office/officeart/2005/8/layout/gear1"/>
     <dgm:cxn modelId="{2B858907-76CF-4041-9FD9-295B3C460563}" type="presOf" srcId="{FE334A24-785C-4472-A2C2-DC83624B52EC}" destId="{C92953BC-475C-4E1D-B37F-0010BFCE01D2}" srcOrd="0" destOrd="0" presId="urn:microsoft.com/office/officeart/2005/8/layout/gear1"/>
-    <dgm:cxn modelId="{F5A08CEC-F4B3-413A-B9FC-A6152122FDA1}" type="presOf" srcId="{3FE05096-5376-478D-B59B-09D2867D8E15}" destId="{17682E80-8ED1-466E-B9B4-E41FE5CF4393}" srcOrd="0" destOrd="0" presId="urn:microsoft.com/office/officeart/2005/8/layout/gear1"/>
     <dgm:cxn modelId="{F0033A6E-131F-48B4-BD64-96C35FF0235D}" type="presOf" srcId="{3FE05096-5376-478D-B59B-09D2867D8E15}" destId="{6C6A59F1-29C0-455A-B1F1-6053730E1164}" srcOrd="1" destOrd="0" presId="urn:microsoft.com/office/officeart/2005/8/layout/gear1"/>
     <dgm:cxn modelId="{A8457E5B-FC33-4750-9AD0-81BC33E9976B}" type="presOf" srcId="{E79D7BFF-AFDC-428E-AB47-E0609A0F6195}" destId="{68508C2F-4234-4FC9-8E37-CA754BDE36B0}" srcOrd="2" destOrd="0" presId="urn:microsoft.com/office/officeart/2005/8/layout/gear1"/>
     <dgm:cxn modelId="{1617D8A9-87A9-41FD-9A82-DB10A60AC09F}" type="presParOf" srcId="{0E96F4F2-B0CB-40E7-99A1-2F0B7CF9BC55}" destId="{17682E80-8ED1-466E-B9B4-E41FE5CF4393}" srcOrd="0" destOrd="0" presId="urn:microsoft.com/office/officeart/2005/8/layout/gear1"/>
@@ -8539,7 +8647,7 @@
   <dgm:whole/>
   <dgm:extLst>
     <a:ext uri="http://schemas.microsoft.com/office/drawing/2008/diagram">
-      <dsp:dataModelExt xmlns:dsp="http://schemas.microsoft.com/office/drawing/2008/diagram" xmlns="" relId="rId6" minVer="http://schemas.openxmlformats.org/drawingml/2006/diagram"/>
+      <dsp:dataModelExt xmlns:dsp="http://schemas.microsoft.com/office/drawing/2008/diagram" xmlns="" relId="rId7" minVer="http://schemas.openxmlformats.org/drawingml/2006/diagram"/>
     </a:ext>
   </dgm:extLst>
 </dgm:dataModel>
@@ -8752,8 +8860,8 @@
     <dgm:cxn modelId="{F3245C45-85E6-413A-AA6D-827B7DCFE310}" type="presOf" srcId="{EB267BF7-7AC4-4FF3-A9BF-92EF350EBA65}" destId="{2B22F7EF-ECD6-4C1E-8808-64EE356A958B}" srcOrd="0" destOrd="0" presId="urn:microsoft.com/office/officeart/2005/8/layout/arrow2"/>
     <dgm:cxn modelId="{0F32FAB2-B246-4E58-A13C-5EF34A573806}" srcId="{DB7E75B7-731A-4C2C-BCDB-FAA519DABED2}" destId="{504A7F5D-58C0-4D8D-B580-866601683A0B}" srcOrd="2" destOrd="0" parTransId="{56150BAB-31C8-447F-BD36-BE99DBA13C7B}" sibTransId="{1ACC8882-ECCE-4DE5-82C5-2731DDEA0CC0}"/>
     <dgm:cxn modelId="{76CFDD34-FBCF-490A-B250-AFF68BA69389}" type="presOf" srcId="{DB7E75B7-731A-4C2C-BCDB-FAA519DABED2}" destId="{1F3AFD43-1282-4623-B960-556132AF1327}" srcOrd="0" destOrd="0" presId="urn:microsoft.com/office/officeart/2005/8/layout/arrow2"/>
+    <dgm:cxn modelId="{78BF9512-2650-4226-A234-0A3B0C8A15D4}" type="presOf" srcId="{2C0D90CB-EADD-467B-BEB0-3FC7555962D4}" destId="{A9BCE08B-E745-4E66-B683-B84FE690D03B}" srcOrd="0" destOrd="0" presId="urn:microsoft.com/office/officeart/2005/8/layout/arrow2"/>
     <dgm:cxn modelId="{541E98C7-181D-4285-AA7D-446918B9A275}" srcId="{DB7E75B7-731A-4C2C-BCDB-FAA519DABED2}" destId="{2C0D90CB-EADD-467B-BEB0-3FC7555962D4}" srcOrd="1" destOrd="0" parTransId="{964047FF-81E0-419A-AC68-8E802DB1A2FF}" sibTransId="{08CD26D7-EB48-4AF6-92CE-F3CC01BFF789}"/>
-    <dgm:cxn modelId="{78BF9512-2650-4226-A234-0A3B0C8A15D4}" type="presOf" srcId="{2C0D90CB-EADD-467B-BEB0-3FC7555962D4}" destId="{A9BCE08B-E745-4E66-B683-B84FE690D03B}" srcOrd="0" destOrd="0" presId="urn:microsoft.com/office/officeart/2005/8/layout/arrow2"/>
     <dgm:cxn modelId="{0A9E3679-4F00-4AE4-B0D7-3CBA89E01F5B}" type="presOf" srcId="{504A7F5D-58C0-4D8D-B580-866601683A0B}" destId="{01AC8F2E-D9B2-40CA-9F4E-FC5C8F69C564}" srcOrd="0" destOrd="0" presId="urn:microsoft.com/office/officeart/2005/8/layout/arrow2"/>
     <dgm:cxn modelId="{18691BC8-4DAA-4FDD-92DC-F7FB18A949A2}" type="presParOf" srcId="{1F3AFD43-1282-4623-B960-556132AF1327}" destId="{0889ED66-B1C0-4D2A-ACFA-0809DEA53F5F}" srcOrd="0" destOrd="0" presId="urn:microsoft.com/office/officeart/2005/8/layout/arrow2"/>
     <dgm:cxn modelId="{0B547BC1-FE22-4085-A4B0-DAEEE38A2FFD}" type="presParOf" srcId="{1F3AFD43-1282-4623-B960-556132AF1327}" destId="{5C93E87D-20D5-4961-A27F-7CC9A59706C9}" srcOrd="1" destOrd="0" presId="urn:microsoft.com/office/officeart/2005/8/layout/arrow2"/>
@@ -8768,7 +8876,7 @@
   <dgm:whole/>
   <dgm:extLst>
     <a:ext uri="http://schemas.microsoft.com/office/drawing/2008/diagram">
-      <dsp:dataModelExt xmlns:dsp="http://schemas.microsoft.com/office/drawing/2008/diagram" xmlns="" relId="rId6" minVer="http://schemas.openxmlformats.org/drawingml/2006/diagram"/>
+      <dsp:dataModelExt xmlns:dsp="http://schemas.microsoft.com/office/drawing/2008/diagram" xmlns="" relId="rId7" minVer="http://schemas.openxmlformats.org/drawingml/2006/diagram"/>
     </a:ext>
   </dgm:extLst>
 </dgm:dataModel>
@@ -9316,6 +9424,13 @@
         </dgm:presLayoutVars>
       </dgm:prSet>
       <dgm:spPr/>
+      <dgm:t>
+        <a:bodyPr/>
+        <a:lstStyle/>
+        <a:p>
+          <a:endParaRPr lang="es-ES"/>
+        </a:p>
+      </dgm:t>
     </dgm:pt>
     <dgm:pt modelId="{04CF8EC7-EA8C-44EF-AA1D-236480FB4F78}" type="pres">
       <dgm:prSet presAssocID="{46602533-C743-42E0-AB5E-E63BD9AB192B}" presName="cycle" presStyleCnt="0"/>
@@ -9343,6 +9458,13 @@
     <dgm:pt modelId="{FD77E12E-BF50-447B-8A63-5E835F53E564}" type="pres">
       <dgm:prSet presAssocID="{E7D68B6B-6D91-4267-B0AF-C855B9155222}" presName="Name25" presStyleLbl="parChTrans1D1" presStyleIdx="0" presStyleCnt="3"/>
       <dgm:spPr/>
+      <dgm:t>
+        <a:bodyPr/>
+        <a:lstStyle/>
+        <a:p>
+          <a:endParaRPr lang="es-ES"/>
+        </a:p>
+      </dgm:t>
     </dgm:pt>
     <dgm:pt modelId="{19070AE0-8E93-4C57-9944-91BC9115378D}" type="pres">
       <dgm:prSet presAssocID="{A599755D-EA6F-4BA4-8F58-089DD2EF6D02}" presName="node" presStyleCnt="0"/>
@@ -9356,6 +9478,13 @@
         </dgm:presLayoutVars>
       </dgm:prSet>
       <dgm:spPr/>
+      <dgm:t>
+        <a:bodyPr/>
+        <a:lstStyle/>
+        <a:p>
+          <a:endParaRPr lang="es-ES"/>
+        </a:p>
+      </dgm:t>
     </dgm:pt>
     <dgm:pt modelId="{ECF6EE0B-C15D-4901-841F-D3C04D740F1B}" type="pres">
       <dgm:prSet presAssocID="{A599755D-EA6F-4BA4-8F58-089DD2EF6D02}" presName="childNode" presStyleLbl="revTx" presStyleIdx="0" presStyleCnt="3">
@@ -9375,6 +9504,13 @@
     <dgm:pt modelId="{C5787E98-7FB3-47AA-8F39-A61D8904E709}" type="pres">
       <dgm:prSet presAssocID="{0806BCD3-6F50-4072-8296-585A7F21D0E0}" presName="Name25" presStyleLbl="parChTrans1D1" presStyleIdx="1" presStyleCnt="3"/>
       <dgm:spPr/>
+      <dgm:t>
+        <a:bodyPr/>
+        <a:lstStyle/>
+        <a:p>
+          <a:endParaRPr lang="es-ES"/>
+        </a:p>
+      </dgm:t>
     </dgm:pt>
     <dgm:pt modelId="{2557A5CF-DDE7-46E8-8AE6-DEB0D635CE11}" type="pres">
       <dgm:prSet presAssocID="{BA4CCB98-64F9-49CC-B0B6-CF06CAD9C0BD}" presName="node" presStyleCnt="0"/>
@@ -9414,6 +9550,13 @@
     <dgm:pt modelId="{E02C9332-0612-4FC4-95C5-4EA344F209B8}" type="pres">
       <dgm:prSet presAssocID="{E5BA4D3B-F6F6-4F65-898E-E69F50F65357}" presName="Name25" presStyleLbl="parChTrans1D1" presStyleIdx="2" presStyleCnt="3"/>
       <dgm:spPr/>
+      <dgm:t>
+        <a:bodyPr/>
+        <a:lstStyle/>
+        <a:p>
+          <a:endParaRPr lang="es-ES"/>
+        </a:p>
+      </dgm:t>
     </dgm:pt>
     <dgm:pt modelId="{56AC7D64-A322-43C9-831B-36553C922AEA}" type="pres">
       <dgm:prSet presAssocID="{56938012-3D05-4DAC-A349-D069BF8549FE}" presName="node" presStyleCnt="0"/>
@@ -9452,38 +9595,38 @@
     </dgm:pt>
   </dgm:ptLst>
   <dgm:cxnLst>
-    <dgm:cxn modelId="{DD948D88-4097-4B40-8922-6A22613F6BBB}" type="presOf" srcId="{A599755D-EA6F-4BA4-8F58-089DD2EF6D02}" destId="{C0ED6E46-A219-4F51-BFB9-22BBA4707F4E}" srcOrd="0" destOrd="0" presId="urn:microsoft.com/office/officeart/2005/8/layout/radial2"/>
-    <dgm:cxn modelId="{D9F41AE7-73E9-4672-84DE-7706113A9C3B}" srcId="{46602533-C743-42E0-AB5E-E63BD9AB192B}" destId="{A599755D-EA6F-4BA4-8F58-089DD2EF6D02}" srcOrd="0" destOrd="0" parTransId="{E7D68B6B-6D91-4267-B0AF-C855B9155222}" sibTransId="{5B6B3BB7-DBEF-4A6C-97D6-B5521D91417B}"/>
+    <dgm:cxn modelId="{AE6233F3-A9FA-41E9-AD2F-CA5AC9040CA2}" type="presOf" srcId="{E5BA4D3B-F6F6-4F65-898E-E69F50F65357}" destId="{E02C9332-0612-4FC4-95C5-4EA344F209B8}" srcOrd="0" destOrd="0" presId="urn:microsoft.com/office/officeart/2005/8/layout/radial2"/>
+    <dgm:cxn modelId="{657877C3-2D01-48D9-981B-263A6EB5FD2D}" srcId="{BA4CCB98-64F9-49CC-B0B6-CF06CAD9C0BD}" destId="{AB302BD7-2428-456E-84D7-66DA22EC0FE2}" srcOrd="4" destOrd="0" parTransId="{26DDB715-DFF2-4C68-B356-0949FD5626C1}" sibTransId="{5592B65C-9A1F-4DD2-9F95-3DFF43CF68FF}"/>
+    <dgm:cxn modelId="{1A4877C0-663B-4150-9969-1214F30EA65D}" srcId="{A599755D-EA6F-4BA4-8F58-089DD2EF6D02}" destId="{E29E0053-1A80-4472-BADE-85DDEE59335B}" srcOrd="2" destOrd="0" parTransId="{162C47AA-BBA9-4D18-B525-A949ABEE0682}" sibTransId="{ED1524AB-1AFD-425D-A41B-EFE4A63518F7}"/>
+    <dgm:cxn modelId="{F4D189B2-1360-4E09-930A-6512F44957AF}" type="presOf" srcId="{E29E0053-1A80-4472-BADE-85DDEE59335B}" destId="{ECF6EE0B-C15D-4901-841F-D3C04D740F1B}" srcOrd="0" destOrd="2" presId="urn:microsoft.com/office/officeart/2005/8/layout/radial2"/>
+    <dgm:cxn modelId="{C65FE27A-C319-466E-BD20-08CE58FB1CA0}" type="presOf" srcId="{4E22DEBB-057F-4787-8BA4-76318F052DA2}" destId="{5C565C0D-C1E7-44C8-B1E0-60CDDE314ED3}" srcOrd="0" destOrd="2" presId="urn:microsoft.com/office/officeart/2005/8/layout/radial2"/>
     <dgm:cxn modelId="{B52A37CC-0569-4B03-BCD2-7F65FF74D1AF}" srcId="{A599755D-EA6F-4BA4-8F58-089DD2EF6D02}" destId="{686CCF02-2826-4953-BD9F-77907535D12C}" srcOrd="1" destOrd="0" parTransId="{18A81205-D6C2-43E5-8EC6-52BBE7965296}" sibTransId="{0B06158F-F2FD-465D-8FE4-12E556E6EF01}"/>
-    <dgm:cxn modelId="{DDD8CF9B-0101-4F83-BE63-98F9990808FA}" srcId="{BA4CCB98-64F9-49CC-B0B6-CF06CAD9C0BD}" destId="{9CBC4F76-640C-4EA0-9636-5FAB3D47A0B8}" srcOrd="1" destOrd="0" parTransId="{114C5049-C574-452E-8CAE-E15D23FED1DE}" sibTransId="{0772E131-4C74-43F2-AABD-D1CAE3538F6D}"/>
-    <dgm:cxn modelId="{74865C1A-653C-4D28-AB39-0E0CDCB31E96}" srcId="{BA4CCB98-64F9-49CC-B0B6-CF06CAD9C0BD}" destId="{DFF4004C-701F-4AB7-92B8-0D25EE88D305}" srcOrd="3" destOrd="0" parTransId="{4BC0493F-4C64-477B-A247-858396A622FC}" sibTransId="{334A2492-A42D-4A60-AF58-F1ED02E19A2B}"/>
-    <dgm:cxn modelId="{5E4F77BE-CD50-49C4-8636-0714713F81FD}" type="presOf" srcId="{DFF4004C-701F-4AB7-92B8-0D25EE88D305}" destId="{5C565C0D-C1E7-44C8-B1E0-60CDDE314ED3}" srcOrd="0" destOrd="3" presId="urn:microsoft.com/office/officeart/2005/8/layout/radial2"/>
-    <dgm:cxn modelId="{15C0938B-22B6-4AC0-A2B1-DD202C3958CB}" srcId="{A599755D-EA6F-4BA4-8F58-089DD2EF6D02}" destId="{86886D21-43AC-4FC6-873B-338AB8B804F7}" srcOrd="0" destOrd="0" parTransId="{94910EEF-03B5-41BF-9CC4-A2E5B8F79EA1}" sibTransId="{A8D4FABC-8257-4D9F-B73A-253418D1C2C4}"/>
-    <dgm:cxn modelId="{5A07524A-EA0F-40C1-B6C6-D588956F84F5}" type="presOf" srcId="{86886D21-43AC-4FC6-873B-338AB8B804F7}" destId="{ECF6EE0B-C15D-4901-841F-D3C04D740F1B}" srcOrd="0" destOrd="0" presId="urn:microsoft.com/office/officeart/2005/8/layout/radial2"/>
-    <dgm:cxn modelId="{A7933A4F-82E1-4175-B7D2-C76FAF31BB45}" type="presOf" srcId="{AB302BD7-2428-456E-84D7-66DA22EC0FE2}" destId="{5C565C0D-C1E7-44C8-B1E0-60CDDE314ED3}" srcOrd="0" destOrd="4" presId="urn:microsoft.com/office/officeart/2005/8/layout/radial2"/>
-    <dgm:cxn modelId="{5125CC50-677F-449E-A9DF-ECE74AFE795D}" srcId="{56938012-3D05-4DAC-A349-D069BF8549FE}" destId="{CE0016C2-AB2C-435E-82EA-47A1479C198B}" srcOrd="0" destOrd="0" parTransId="{7FE26FB0-0256-4445-885E-E49A5E49FB43}" sibTransId="{06C21348-F7D3-4A13-AD7D-CD2BE8662830}"/>
-    <dgm:cxn modelId="{DCCA5116-B9F8-4284-B161-657CDD94AFFE}" srcId="{46602533-C743-42E0-AB5E-E63BD9AB192B}" destId="{56938012-3D05-4DAC-A349-D069BF8549FE}" srcOrd="2" destOrd="0" parTransId="{E5BA4D3B-F6F6-4F65-898E-E69F50F65357}" sibTransId="{35B8E80A-E1FA-41B2-9992-2AF13BDF75A5}"/>
-    <dgm:cxn modelId="{664EA119-AB98-4839-BCCA-C260D67E3D87}" type="presOf" srcId="{46602533-C743-42E0-AB5E-E63BD9AB192B}" destId="{CEA1F7C4-1FA2-4170-BC2F-DA097A3E2E83}" srcOrd="0" destOrd="0" presId="urn:microsoft.com/office/officeart/2005/8/layout/radial2"/>
-    <dgm:cxn modelId="{F4D189B2-1360-4E09-930A-6512F44957AF}" type="presOf" srcId="{E29E0053-1A80-4472-BADE-85DDEE59335B}" destId="{ECF6EE0B-C15D-4901-841F-D3C04D740F1B}" srcOrd="0" destOrd="2" presId="urn:microsoft.com/office/officeart/2005/8/layout/radial2"/>
     <dgm:cxn modelId="{ECBEDBE3-2028-4F8A-A7E4-4F46C4AAE6FD}" srcId="{56938012-3D05-4DAC-A349-D069BF8549FE}" destId="{9A10271B-848C-4857-B116-32F802E2BADE}" srcOrd="2" destOrd="0" parTransId="{1C28D35D-3E7F-46E7-9E6B-23F1BE23F386}" sibTransId="{6CC007BC-3578-4CC1-994F-F7696D03D73F}"/>
-    <dgm:cxn modelId="{AE6233F3-A9FA-41E9-AD2F-CA5AC9040CA2}" type="presOf" srcId="{E5BA4D3B-F6F6-4F65-898E-E69F50F65357}" destId="{E02C9332-0612-4FC4-95C5-4EA344F209B8}" srcOrd="0" destOrd="0" presId="urn:microsoft.com/office/officeart/2005/8/layout/radial2"/>
-    <dgm:cxn modelId="{0574DCB0-5075-4188-808A-80BEE97B08C5}" type="presOf" srcId="{CE0016C2-AB2C-435E-82EA-47A1479C198B}" destId="{C8484711-DEB8-4EB7-9730-8178A15B3566}" srcOrd="0" destOrd="0" presId="urn:microsoft.com/office/officeart/2005/8/layout/radial2"/>
-    <dgm:cxn modelId="{30CB66CA-37A0-47A8-A923-EFFD4C10F5D6}" type="presOf" srcId="{DAE05993-0D99-4ED8-B1F2-3AA5919EEFA0}" destId="{C8484711-DEB8-4EB7-9730-8178A15B3566}" srcOrd="0" destOrd="1" presId="urn:microsoft.com/office/officeart/2005/8/layout/radial2"/>
-    <dgm:cxn modelId="{5358FCF3-7129-47DE-95F5-DBE35EC4214C}" type="presOf" srcId="{686CCF02-2826-4953-BD9F-77907535D12C}" destId="{ECF6EE0B-C15D-4901-841F-D3C04D740F1B}" srcOrd="0" destOrd="1" presId="urn:microsoft.com/office/officeart/2005/8/layout/radial2"/>
-    <dgm:cxn modelId="{657877C3-2D01-48D9-981B-263A6EB5FD2D}" srcId="{BA4CCB98-64F9-49CC-B0B6-CF06CAD9C0BD}" destId="{AB302BD7-2428-456E-84D7-66DA22EC0FE2}" srcOrd="4" destOrd="0" parTransId="{26DDB715-DFF2-4C68-B356-0949FD5626C1}" sibTransId="{5592B65C-9A1F-4DD2-9F95-3DFF43CF68FF}"/>
-    <dgm:cxn modelId="{CD9E1B1A-7F45-435C-8D98-7DBE19E0A284}" type="presOf" srcId="{9A10271B-848C-4857-B116-32F802E2BADE}" destId="{C8484711-DEB8-4EB7-9730-8178A15B3566}" srcOrd="0" destOrd="2" presId="urn:microsoft.com/office/officeart/2005/8/layout/radial2"/>
-    <dgm:cxn modelId="{C65FE27A-C319-466E-BD20-08CE58FB1CA0}" type="presOf" srcId="{4E22DEBB-057F-4787-8BA4-76318F052DA2}" destId="{5C565C0D-C1E7-44C8-B1E0-60CDDE314ED3}" srcOrd="0" destOrd="2" presId="urn:microsoft.com/office/officeart/2005/8/layout/radial2"/>
-    <dgm:cxn modelId="{0F86367F-9023-4474-8E9E-94FD020A8F2F}" type="presOf" srcId="{56938012-3D05-4DAC-A349-D069BF8549FE}" destId="{0E7D1A44-D25E-41B3-9BA1-2AE9F67C8AB9}" srcOrd="0" destOrd="0" presId="urn:microsoft.com/office/officeart/2005/8/layout/radial2"/>
-    <dgm:cxn modelId="{85747060-37EA-4E5B-8641-BDFA6DAE7F66}" srcId="{BA4CCB98-64F9-49CC-B0B6-CF06CAD9C0BD}" destId="{4E22DEBB-057F-4787-8BA4-76318F052DA2}" srcOrd="2" destOrd="0" parTransId="{67FE35A0-351D-4E9E-8D1E-C24531E556DD}" sibTransId="{C1E810B2-77CF-4990-81DB-D6182EC9FA3D}"/>
-    <dgm:cxn modelId="{FE859519-75C5-4C1F-AE5E-C3F328B1547F}" type="presOf" srcId="{BA4CCB98-64F9-49CC-B0B6-CF06CAD9C0BD}" destId="{574DFBE3-9427-4589-8E62-5695E7E60460}" srcOrd="0" destOrd="0" presId="urn:microsoft.com/office/officeart/2005/8/layout/radial2"/>
-    <dgm:cxn modelId="{EC2B1314-65FD-4ADA-B616-5FB4CB1FFF1C}" type="presOf" srcId="{9CBC4F76-640C-4EA0-9636-5FAB3D47A0B8}" destId="{5C565C0D-C1E7-44C8-B1E0-60CDDE314ED3}" srcOrd="0" destOrd="1" presId="urn:microsoft.com/office/officeart/2005/8/layout/radial2"/>
-    <dgm:cxn modelId="{7B61CC6B-949A-434C-9322-9701811FCD87}" srcId="{46602533-C743-42E0-AB5E-E63BD9AB192B}" destId="{BA4CCB98-64F9-49CC-B0B6-CF06CAD9C0BD}" srcOrd="1" destOrd="0" parTransId="{0806BCD3-6F50-4072-8296-585A7F21D0E0}" sibTransId="{8EEA0129-DE48-44A3-B745-BA947814D49F}"/>
-    <dgm:cxn modelId="{1A4877C0-663B-4150-9969-1214F30EA65D}" srcId="{A599755D-EA6F-4BA4-8F58-089DD2EF6D02}" destId="{E29E0053-1A80-4472-BADE-85DDEE59335B}" srcOrd="2" destOrd="0" parTransId="{162C47AA-BBA9-4D18-B525-A949ABEE0682}" sibTransId="{ED1524AB-1AFD-425D-A41B-EFE4A63518F7}"/>
-    <dgm:cxn modelId="{A7E554A8-C427-4B39-B992-E9BC0A87156B}" type="presOf" srcId="{0806BCD3-6F50-4072-8296-585A7F21D0E0}" destId="{C5787E98-7FB3-47AA-8F39-A61D8904E709}" srcOrd="0" destOrd="0" presId="urn:microsoft.com/office/officeart/2005/8/layout/radial2"/>
-    <dgm:cxn modelId="{BE5419DB-A910-4D4E-802C-27A0631C99D2}" srcId="{56938012-3D05-4DAC-A349-D069BF8549FE}" destId="{DAE05993-0D99-4ED8-B1F2-3AA5919EEFA0}" srcOrd="1" destOrd="0" parTransId="{1A042B16-A9F7-4FD0-9540-5CDD13F23A7C}" sibTransId="{D33DB524-6EE3-4C1A-B852-A631CD6FF3FC}"/>
     <dgm:cxn modelId="{5F55C182-C34E-4251-9CD0-1FA9FF118220}" type="presOf" srcId="{E7D68B6B-6D91-4267-B0AF-C855B9155222}" destId="{FD77E12E-BF50-447B-8A63-5E835F53E564}" srcOrd="0" destOrd="0" presId="urn:microsoft.com/office/officeart/2005/8/layout/radial2"/>
     <dgm:cxn modelId="{50039711-10FC-4682-A326-7F480AAC9A0A}" type="presOf" srcId="{D0755D61-C168-413D-B7F4-BF51807CEBFE}" destId="{5C565C0D-C1E7-44C8-B1E0-60CDDE314ED3}" srcOrd="0" destOrd="0" presId="urn:microsoft.com/office/officeart/2005/8/layout/radial2"/>
+    <dgm:cxn modelId="{EC2B1314-65FD-4ADA-B616-5FB4CB1FFF1C}" type="presOf" srcId="{9CBC4F76-640C-4EA0-9636-5FAB3D47A0B8}" destId="{5C565C0D-C1E7-44C8-B1E0-60CDDE314ED3}" srcOrd="0" destOrd="1" presId="urn:microsoft.com/office/officeart/2005/8/layout/radial2"/>
+    <dgm:cxn modelId="{FE859519-75C5-4C1F-AE5E-C3F328B1547F}" type="presOf" srcId="{BA4CCB98-64F9-49CC-B0B6-CF06CAD9C0BD}" destId="{574DFBE3-9427-4589-8E62-5695E7E60460}" srcOrd="0" destOrd="0" presId="urn:microsoft.com/office/officeart/2005/8/layout/radial2"/>
+    <dgm:cxn modelId="{DDD8CF9B-0101-4F83-BE63-98F9990808FA}" srcId="{BA4CCB98-64F9-49CC-B0B6-CF06CAD9C0BD}" destId="{9CBC4F76-640C-4EA0-9636-5FAB3D47A0B8}" srcOrd="1" destOrd="0" parTransId="{114C5049-C574-452E-8CAE-E15D23FED1DE}" sibTransId="{0772E131-4C74-43F2-AABD-D1CAE3538F6D}"/>
+    <dgm:cxn modelId="{664EA119-AB98-4839-BCCA-C260D67E3D87}" type="presOf" srcId="{46602533-C743-42E0-AB5E-E63BD9AB192B}" destId="{CEA1F7C4-1FA2-4170-BC2F-DA097A3E2E83}" srcOrd="0" destOrd="0" presId="urn:microsoft.com/office/officeart/2005/8/layout/radial2"/>
+    <dgm:cxn modelId="{15C0938B-22B6-4AC0-A2B1-DD202C3958CB}" srcId="{A599755D-EA6F-4BA4-8F58-089DD2EF6D02}" destId="{86886D21-43AC-4FC6-873B-338AB8B804F7}" srcOrd="0" destOrd="0" parTransId="{94910EEF-03B5-41BF-9CC4-A2E5B8F79EA1}" sibTransId="{A8D4FABC-8257-4D9F-B73A-253418D1C2C4}"/>
+    <dgm:cxn modelId="{5358FCF3-7129-47DE-95F5-DBE35EC4214C}" type="presOf" srcId="{686CCF02-2826-4953-BD9F-77907535D12C}" destId="{ECF6EE0B-C15D-4901-841F-D3C04D740F1B}" srcOrd="0" destOrd="1" presId="urn:microsoft.com/office/officeart/2005/8/layout/radial2"/>
+    <dgm:cxn modelId="{CD9E1B1A-7F45-435C-8D98-7DBE19E0A284}" type="presOf" srcId="{9A10271B-848C-4857-B116-32F802E2BADE}" destId="{C8484711-DEB8-4EB7-9730-8178A15B3566}" srcOrd="0" destOrd="2" presId="urn:microsoft.com/office/officeart/2005/8/layout/radial2"/>
+    <dgm:cxn modelId="{BE5419DB-A910-4D4E-802C-27A0631C99D2}" srcId="{56938012-3D05-4DAC-A349-D069BF8549FE}" destId="{DAE05993-0D99-4ED8-B1F2-3AA5919EEFA0}" srcOrd="1" destOrd="0" parTransId="{1A042B16-A9F7-4FD0-9540-5CDD13F23A7C}" sibTransId="{D33DB524-6EE3-4C1A-B852-A631CD6FF3FC}"/>
+    <dgm:cxn modelId="{5125CC50-677F-449E-A9DF-ECE74AFE795D}" srcId="{56938012-3D05-4DAC-A349-D069BF8549FE}" destId="{CE0016C2-AB2C-435E-82EA-47A1479C198B}" srcOrd="0" destOrd="0" parTransId="{7FE26FB0-0256-4445-885E-E49A5E49FB43}" sibTransId="{06C21348-F7D3-4A13-AD7D-CD2BE8662830}"/>
+    <dgm:cxn modelId="{7B61CC6B-949A-434C-9322-9701811FCD87}" srcId="{46602533-C743-42E0-AB5E-E63BD9AB192B}" destId="{BA4CCB98-64F9-49CC-B0B6-CF06CAD9C0BD}" srcOrd="1" destOrd="0" parTransId="{0806BCD3-6F50-4072-8296-585A7F21D0E0}" sibTransId="{8EEA0129-DE48-44A3-B745-BA947814D49F}"/>
+    <dgm:cxn modelId="{DD948D88-4097-4B40-8922-6A22613F6BBB}" type="presOf" srcId="{A599755D-EA6F-4BA4-8F58-089DD2EF6D02}" destId="{C0ED6E46-A219-4F51-BFB9-22BBA4707F4E}" srcOrd="0" destOrd="0" presId="urn:microsoft.com/office/officeart/2005/8/layout/radial2"/>
+    <dgm:cxn modelId="{A7933A4F-82E1-4175-B7D2-C76FAF31BB45}" type="presOf" srcId="{AB302BD7-2428-456E-84D7-66DA22EC0FE2}" destId="{5C565C0D-C1E7-44C8-B1E0-60CDDE314ED3}" srcOrd="0" destOrd="4" presId="urn:microsoft.com/office/officeart/2005/8/layout/radial2"/>
+    <dgm:cxn modelId="{D9F41AE7-73E9-4672-84DE-7706113A9C3B}" srcId="{46602533-C743-42E0-AB5E-E63BD9AB192B}" destId="{A599755D-EA6F-4BA4-8F58-089DD2EF6D02}" srcOrd="0" destOrd="0" parTransId="{E7D68B6B-6D91-4267-B0AF-C855B9155222}" sibTransId="{5B6B3BB7-DBEF-4A6C-97D6-B5521D91417B}"/>
     <dgm:cxn modelId="{99A097EF-C3A5-4D86-9FFA-CD023C3A7A39}" srcId="{BA4CCB98-64F9-49CC-B0B6-CF06CAD9C0BD}" destId="{D0755D61-C168-413D-B7F4-BF51807CEBFE}" srcOrd="0" destOrd="0" parTransId="{B533F08F-80CB-4054-B42A-4101CD54B3C7}" sibTransId="{7E5B59DE-D4F9-4DD9-8B5B-23409FDCB8D7}"/>
+    <dgm:cxn modelId="{30CB66CA-37A0-47A8-A923-EFFD4C10F5D6}" type="presOf" srcId="{DAE05993-0D99-4ED8-B1F2-3AA5919EEFA0}" destId="{C8484711-DEB8-4EB7-9730-8178A15B3566}" srcOrd="0" destOrd="1" presId="urn:microsoft.com/office/officeart/2005/8/layout/radial2"/>
+    <dgm:cxn modelId="{DCCA5116-B9F8-4284-B161-657CDD94AFFE}" srcId="{46602533-C743-42E0-AB5E-E63BD9AB192B}" destId="{56938012-3D05-4DAC-A349-D069BF8549FE}" srcOrd="2" destOrd="0" parTransId="{E5BA4D3B-F6F6-4F65-898E-E69F50F65357}" sibTransId="{35B8E80A-E1FA-41B2-9992-2AF13BDF75A5}"/>
+    <dgm:cxn modelId="{0F86367F-9023-4474-8E9E-94FD020A8F2F}" type="presOf" srcId="{56938012-3D05-4DAC-A349-D069BF8549FE}" destId="{0E7D1A44-D25E-41B3-9BA1-2AE9F67C8AB9}" srcOrd="0" destOrd="0" presId="urn:microsoft.com/office/officeart/2005/8/layout/radial2"/>
+    <dgm:cxn modelId="{5A07524A-EA0F-40C1-B6C6-D588956F84F5}" type="presOf" srcId="{86886D21-43AC-4FC6-873B-338AB8B804F7}" destId="{ECF6EE0B-C15D-4901-841F-D3C04D740F1B}" srcOrd="0" destOrd="0" presId="urn:microsoft.com/office/officeart/2005/8/layout/radial2"/>
+    <dgm:cxn modelId="{5E4F77BE-CD50-49C4-8636-0714713F81FD}" type="presOf" srcId="{DFF4004C-701F-4AB7-92B8-0D25EE88D305}" destId="{5C565C0D-C1E7-44C8-B1E0-60CDDE314ED3}" srcOrd="0" destOrd="3" presId="urn:microsoft.com/office/officeart/2005/8/layout/radial2"/>
+    <dgm:cxn modelId="{74865C1A-653C-4D28-AB39-0E0CDCB31E96}" srcId="{BA4CCB98-64F9-49CC-B0B6-CF06CAD9C0BD}" destId="{DFF4004C-701F-4AB7-92B8-0D25EE88D305}" srcOrd="3" destOrd="0" parTransId="{4BC0493F-4C64-477B-A247-858396A622FC}" sibTransId="{334A2492-A42D-4A60-AF58-F1ED02E19A2B}"/>
+    <dgm:cxn modelId="{A7E554A8-C427-4B39-B992-E9BC0A87156B}" type="presOf" srcId="{0806BCD3-6F50-4072-8296-585A7F21D0E0}" destId="{C5787E98-7FB3-47AA-8F39-A61D8904E709}" srcOrd="0" destOrd="0" presId="urn:microsoft.com/office/officeart/2005/8/layout/radial2"/>
+    <dgm:cxn modelId="{85747060-37EA-4E5B-8641-BDFA6DAE7F66}" srcId="{BA4CCB98-64F9-49CC-B0B6-CF06CAD9C0BD}" destId="{4E22DEBB-057F-4787-8BA4-76318F052DA2}" srcOrd="2" destOrd="0" parTransId="{67FE35A0-351D-4E9E-8D1E-C24531E556DD}" sibTransId="{C1E810B2-77CF-4990-81DB-D6182EC9FA3D}"/>
+    <dgm:cxn modelId="{0574DCB0-5075-4188-808A-80BEE97B08C5}" type="presOf" srcId="{CE0016C2-AB2C-435E-82EA-47A1479C198B}" destId="{C8484711-DEB8-4EB7-9730-8178A15B3566}" srcOrd="0" destOrd="0" presId="urn:microsoft.com/office/officeart/2005/8/layout/radial2"/>
     <dgm:cxn modelId="{41131E57-FA4A-438D-9E93-B7056829ABEB}" type="presParOf" srcId="{CEA1F7C4-1FA2-4170-BC2F-DA097A3E2E83}" destId="{04CF8EC7-EA8C-44EF-AA1D-236480FB4F78}" srcOrd="0" destOrd="0" presId="urn:microsoft.com/office/officeart/2005/8/layout/radial2"/>
     <dgm:cxn modelId="{13463EF6-5882-48AC-BB27-942DFCD651C8}" type="presParOf" srcId="{04CF8EC7-EA8C-44EF-AA1D-236480FB4F78}" destId="{346642AB-3DA2-450E-BA9D-DF84941E1773}" srcOrd="0" destOrd="0" presId="urn:microsoft.com/office/officeart/2005/8/layout/radial2"/>
     <dgm:cxn modelId="{96405426-9CA3-415C-902F-D03DBFDFF351}" type="presParOf" srcId="{346642AB-3DA2-450E-BA9D-DF84941E1773}" destId="{523A36C4-101B-4D83-86C5-D112DBD787EA}" srcOrd="0" destOrd="0" presId="urn:microsoft.com/office/officeart/2005/8/layout/radial2"/>
@@ -9505,7 +9648,7 @@
   <dgm:whole/>
   <dgm:extLst>
     <a:ext uri="http://schemas.microsoft.com/office/drawing/2008/diagram">
-      <dsp:dataModelExt xmlns:dsp="http://schemas.microsoft.com/office/drawing/2008/diagram" xmlns="" relId="rId6" minVer="http://schemas.openxmlformats.org/drawingml/2006/diagram"/>
+      <dsp:dataModelExt xmlns:dsp="http://schemas.microsoft.com/office/drawing/2008/diagram" xmlns="" relId="rId7" minVer="http://schemas.openxmlformats.org/drawingml/2006/diagram"/>
     </a:ext>
   </dgm:extLst>
 </dgm:dataModel>
@@ -26018,6 +26161,4122 @@
 </dgm:styleDef>
 </file>
 
+<file path=ppt/notesMasters/notesMaster1.xml><?xml version="1.0" encoding="utf-8"?>
+<p:notesMaster xmlns:a="http://schemas.openxmlformats.org/drawingml/2006/main" xmlns:r="http://schemas.openxmlformats.org/officeDocument/2006/relationships" xmlns:p="http://schemas.openxmlformats.org/presentationml/2006/main">
+  <p:cSld>
+    <p:bg>
+      <p:bgRef idx="1001">
+        <a:schemeClr val="bg1"/>
+      </p:bgRef>
+    </p:bg>
+    <p:spTree>
+      <p:nvGrpSpPr>
+        <p:cNvPr id="1" name=""/>
+        <p:cNvGrpSpPr/>
+        <p:nvPr/>
+      </p:nvGrpSpPr>
+      <p:grpSpPr>
+        <a:xfrm>
+          <a:off x="0" y="0"/>
+          <a:ext cx="0" cy="0"/>
+          <a:chOff x="0" y="0"/>
+          <a:chExt cx="0" cy="0"/>
+        </a:xfrm>
+      </p:grpSpPr>
+      <p:sp>
+        <p:nvSpPr>
+          <p:cNvPr id="2" name="1 Marcador de encabezado"/>
+          <p:cNvSpPr>
+            <a:spLocks noGrp="1"/>
+          </p:cNvSpPr>
+          <p:nvPr>
+            <p:ph type="hdr" sz="quarter"/>
+          </p:nvPr>
+        </p:nvSpPr>
+        <p:spPr>
+          <a:xfrm>
+            <a:off x="0" y="0"/>
+            <a:ext cx="2971800" cy="457200"/>
+          </a:xfrm>
+          <a:prstGeom prst="rect">
+            <a:avLst/>
+          </a:prstGeom>
+        </p:spPr>
+        <p:txBody>
+          <a:bodyPr vert="horz" lIns="91440" tIns="45720" rIns="91440" bIns="45720" rtlCol="0"/>
+          <a:lstStyle>
+            <a:lvl1pPr algn="l">
+              <a:defRPr sz="1200"/>
+            </a:lvl1pPr>
+          </a:lstStyle>
+          <a:p>
+            <a:endParaRPr lang="es-ES"/>
+          </a:p>
+        </p:txBody>
+      </p:sp>
+      <p:sp>
+        <p:nvSpPr>
+          <p:cNvPr id="3" name="2 Marcador de fecha"/>
+          <p:cNvSpPr>
+            <a:spLocks noGrp="1"/>
+          </p:cNvSpPr>
+          <p:nvPr>
+            <p:ph type="dt" idx="1"/>
+          </p:nvPr>
+        </p:nvSpPr>
+        <p:spPr>
+          <a:xfrm>
+            <a:off x="3884613" y="0"/>
+            <a:ext cx="2971800" cy="457200"/>
+          </a:xfrm>
+          <a:prstGeom prst="rect">
+            <a:avLst/>
+          </a:prstGeom>
+        </p:spPr>
+        <p:txBody>
+          <a:bodyPr vert="horz" lIns="91440" tIns="45720" rIns="91440" bIns="45720" rtlCol="0"/>
+          <a:lstStyle>
+            <a:lvl1pPr algn="r">
+              <a:defRPr sz="1200"/>
+            </a:lvl1pPr>
+          </a:lstStyle>
+          <a:p>
+            <a:fld id="{FD6EB397-05EB-4423-9EA2-0CABD6D670DE}" type="datetimeFigureOut">
+              <a:rPr lang="es-ES" smtClean="0"/>
+              <a:t>18/05/2015</a:t>
+            </a:fld>
+            <a:endParaRPr lang="es-ES"/>
+          </a:p>
+        </p:txBody>
+      </p:sp>
+      <p:sp>
+        <p:nvSpPr>
+          <p:cNvPr id="4" name="3 Marcador de imagen de diapositiva"/>
+          <p:cNvSpPr>
+            <a:spLocks noGrp="1" noRot="1" noChangeAspect="1"/>
+          </p:cNvSpPr>
+          <p:nvPr>
+            <p:ph type="sldImg" idx="2"/>
+          </p:nvPr>
+        </p:nvSpPr>
+        <p:spPr>
+          <a:xfrm>
+            <a:off x="1143000" y="685800"/>
+            <a:ext cx="4572000" cy="3429000"/>
+          </a:xfrm>
+          <a:prstGeom prst="rect">
+            <a:avLst/>
+          </a:prstGeom>
+          <a:noFill/>
+          <a:ln w="12700">
+            <a:solidFill>
+              <a:prstClr val="black"/>
+            </a:solidFill>
+          </a:ln>
+        </p:spPr>
+        <p:txBody>
+          <a:bodyPr vert="horz" lIns="91440" tIns="45720" rIns="91440" bIns="45720" rtlCol="0" anchor="ctr"/>
+          <a:lstStyle/>
+          <a:p>
+            <a:endParaRPr lang="es-ES"/>
+          </a:p>
+        </p:txBody>
+      </p:sp>
+      <p:sp>
+        <p:nvSpPr>
+          <p:cNvPr id="5" name="4 Marcador de notas"/>
+          <p:cNvSpPr>
+            <a:spLocks noGrp="1"/>
+          </p:cNvSpPr>
+          <p:nvPr>
+            <p:ph type="body" sz="quarter" idx="3"/>
+          </p:nvPr>
+        </p:nvSpPr>
+        <p:spPr>
+          <a:xfrm>
+            <a:off x="685800" y="4343400"/>
+            <a:ext cx="5486400" cy="4114800"/>
+          </a:xfrm>
+          <a:prstGeom prst="rect">
+            <a:avLst/>
+          </a:prstGeom>
+        </p:spPr>
+        <p:txBody>
+          <a:bodyPr vert="horz" lIns="91440" tIns="45720" rIns="91440" bIns="45720" rtlCol="0">
+            <a:normAutofit/>
+          </a:bodyPr>
+          <a:lstStyle/>
+          <a:p>
+            <a:pPr lvl="0"/>
+            <a:r>
+              <a:rPr lang="es-ES" smtClean="0"/>
+              <a:t>Haga clic para modificar el estilo de texto del patrón</a:t>
+            </a:r>
+          </a:p>
+          <a:p>
+            <a:pPr lvl="1"/>
+            <a:r>
+              <a:rPr lang="es-ES" smtClean="0"/>
+              <a:t>Segundo nivel</a:t>
+            </a:r>
+          </a:p>
+          <a:p>
+            <a:pPr lvl="2"/>
+            <a:r>
+              <a:rPr lang="es-ES" smtClean="0"/>
+              <a:t>Tercer nivel</a:t>
+            </a:r>
+          </a:p>
+          <a:p>
+            <a:pPr lvl="3"/>
+            <a:r>
+              <a:rPr lang="es-ES" smtClean="0"/>
+              <a:t>Cuarto nivel</a:t>
+            </a:r>
+          </a:p>
+          <a:p>
+            <a:pPr lvl="4"/>
+            <a:r>
+              <a:rPr lang="es-ES" smtClean="0"/>
+              <a:t>Quinto nivel</a:t>
+            </a:r>
+            <a:endParaRPr lang="es-ES"/>
+          </a:p>
+        </p:txBody>
+      </p:sp>
+      <p:sp>
+        <p:nvSpPr>
+          <p:cNvPr id="6" name="5 Marcador de pie de página"/>
+          <p:cNvSpPr>
+            <a:spLocks noGrp="1"/>
+          </p:cNvSpPr>
+          <p:nvPr>
+            <p:ph type="ftr" sz="quarter" idx="4"/>
+          </p:nvPr>
+        </p:nvSpPr>
+        <p:spPr>
+          <a:xfrm>
+            <a:off x="0" y="8685213"/>
+            <a:ext cx="2971800" cy="457200"/>
+          </a:xfrm>
+          <a:prstGeom prst="rect">
+            <a:avLst/>
+          </a:prstGeom>
+        </p:spPr>
+        <p:txBody>
+          <a:bodyPr vert="horz" lIns="91440" tIns="45720" rIns="91440" bIns="45720" rtlCol="0" anchor="b"/>
+          <a:lstStyle>
+            <a:lvl1pPr algn="l">
+              <a:defRPr sz="1200"/>
+            </a:lvl1pPr>
+          </a:lstStyle>
+          <a:p>
+            <a:endParaRPr lang="es-ES"/>
+          </a:p>
+        </p:txBody>
+      </p:sp>
+      <p:sp>
+        <p:nvSpPr>
+          <p:cNvPr id="7" name="6 Marcador de número de diapositiva"/>
+          <p:cNvSpPr>
+            <a:spLocks noGrp="1"/>
+          </p:cNvSpPr>
+          <p:nvPr>
+            <p:ph type="sldNum" sz="quarter" idx="5"/>
+          </p:nvPr>
+        </p:nvSpPr>
+        <p:spPr>
+          <a:xfrm>
+            <a:off x="3884613" y="8685213"/>
+            <a:ext cx="2971800" cy="457200"/>
+          </a:xfrm>
+          <a:prstGeom prst="rect">
+            <a:avLst/>
+          </a:prstGeom>
+        </p:spPr>
+        <p:txBody>
+          <a:bodyPr vert="horz" lIns="91440" tIns="45720" rIns="91440" bIns="45720" rtlCol="0" anchor="b"/>
+          <a:lstStyle>
+            <a:lvl1pPr algn="r">
+              <a:defRPr sz="1200"/>
+            </a:lvl1pPr>
+          </a:lstStyle>
+          <a:p>
+            <a:fld id="{63A1F4E7-7A1C-4C54-AFBE-FD7BAC1842B2}" type="slidenum">
+              <a:rPr lang="es-ES" smtClean="0"/>
+              <a:t>‹Nº›</a:t>
+            </a:fld>
+            <a:endParaRPr lang="es-ES"/>
+          </a:p>
+        </p:txBody>
+      </p:sp>
+    </p:spTree>
+  </p:cSld>
+  <p:clrMap bg1="lt1" tx1="dk1" bg2="lt2" tx2="dk2" accent1="accent1" accent2="accent2" accent3="accent3" accent4="accent4" accent5="accent5" accent6="accent6" hlink="hlink" folHlink="folHlink"/>
+  <p:notesStyle>
+    <a:lvl1pPr marL="0" algn="l" defTabSz="914400" rtl="0" eaLnBrk="1" latinLnBrk="0" hangingPunct="1">
+      <a:defRPr sz="1200" kern="1200">
+        <a:solidFill>
+          <a:schemeClr val="tx1"/>
+        </a:solidFill>
+        <a:latin typeface="+mn-lt"/>
+        <a:ea typeface="+mn-ea"/>
+        <a:cs typeface="+mn-cs"/>
+      </a:defRPr>
+    </a:lvl1pPr>
+    <a:lvl2pPr marL="457200" algn="l" defTabSz="914400" rtl="0" eaLnBrk="1" latinLnBrk="0" hangingPunct="1">
+      <a:defRPr sz="1200" kern="1200">
+        <a:solidFill>
+          <a:schemeClr val="tx1"/>
+        </a:solidFill>
+        <a:latin typeface="+mn-lt"/>
+        <a:ea typeface="+mn-ea"/>
+        <a:cs typeface="+mn-cs"/>
+      </a:defRPr>
+    </a:lvl2pPr>
+    <a:lvl3pPr marL="914400" algn="l" defTabSz="914400" rtl="0" eaLnBrk="1" latinLnBrk="0" hangingPunct="1">
+      <a:defRPr sz="1200" kern="1200">
+        <a:solidFill>
+          <a:schemeClr val="tx1"/>
+        </a:solidFill>
+        <a:latin typeface="+mn-lt"/>
+        <a:ea typeface="+mn-ea"/>
+        <a:cs typeface="+mn-cs"/>
+      </a:defRPr>
+    </a:lvl3pPr>
+    <a:lvl4pPr marL="1371600" algn="l" defTabSz="914400" rtl="0" eaLnBrk="1" latinLnBrk="0" hangingPunct="1">
+      <a:defRPr sz="1200" kern="1200">
+        <a:solidFill>
+          <a:schemeClr val="tx1"/>
+        </a:solidFill>
+        <a:latin typeface="+mn-lt"/>
+        <a:ea typeface="+mn-ea"/>
+        <a:cs typeface="+mn-cs"/>
+      </a:defRPr>
+    </a:lvl4pPr>
+    <a:lvl5pPr marL="1828800" algn="l" defTabSz="914400" rtl="0" eaLnBrk="1" latinLnBrk="0" hangingPunct="1">
+      <a:defRPr sz="1200" kern="1200">
+        <a:solidFill>
+          <a:schemeClr val="tx1"/>
+        </a:solidFill>
+        <a:latin typeface="+mn-lt"/>
+        <a:ea typeface="+mn-ea"/>
+        <a:cs typeface="+mn-cs"/>
+      </a:defRPr>
+    </a:lvl5pPr>
+    <a:lvl6pPr marL="2286000" algn="l" defTabSz="914400" rtl="0" eaLnBrk="1" latinLnBrk="0" hangingPunct="1">
+      <a:defRPr sz="1200" kern="1200">
+        <a:solidFill>
+          <a:schemeClr val="tx1"/>
+        </a:solidFill>
+        <a:latin typeface="+mn-lt"/>
+        <a:ea typeface="+mn-ea"/>
+        <a:cs typeface="+mn-cs"/>
+      </a:defRPr>
+    </a:lvl6pPr>
+    <a:lvl7pPr marL="2743200" algn="l" defTabSz="914400" rtl="0" eaLnBrk="1" latinLnBrk="0" hangingPunct="1">
+      <a:defRPr sz="1200" kern="1200">
+        <a:solidFill>
+          <a:schemeClr val="tx1"/>
+        </a:solidFill>
+        <a:latin typeface="+mn-lt"/>
+        <a:ea typeface="+mn-ea"/>
+        <a:cs typeface="+mn-cs"/>
+      </a:defRPr>
+    </a:lvl7pPr>
+    <a:lvl8pPr marL="3200400" algn="l" defTabSz="914400" rtl="0" eaLnBrk="1" latinLnBrk="0" hangingPunct="1">
+      <a:defRPr sz="1200" kern="1200">
+        <a:solidFill>
+          <a:schemeClr val="tx1"/>
+        </a:solidFill>
+        <a:latin typeface="+mn-lt"/>
+        <a:ea typeface="+mn-ea"/>
+        <a:cs typeface="+mn-cs"/>
+      </a:defRPr>
+    </a:lvl8pPr>
+    <a:lvl9pPr marL="3657600" algn="l" defTabSz="914400" rtl="0" eaLnBrk="1" latinLnBrk="0" hangingPunct="1">
+      <a:defRPr sz="1200" kern="1200">
+        <a:solidFill>
+          <a:schemeClr val="tx1"/>
+        </a:solidFill>
+        <a:latin typeface="+mn-lt"/>
+        <a:ea typeface="+mn-ea"/>
+        <a:cs typeface="+mn-cs"/>
+      </a:defRPr>
+    </a:lvl9pPr>
+  </p:notesStyle>
+</p:notesMaster>
+</file>
+
+<file path=ppt/notesSlides/notesSlide1.xml><?xml version="1.0" encoding="utf-8"?>
+<p:notes xmlns:a="http://schemas.openxmlformats.org/drawingml/2006/main" xmlns:r="http://schemas.openxmlformats.org/officeDocument/2006/relationships" xmlns:p="http://schemas.openxmlformats.org/presentationml/2006/main">
+  <p:cSld>
+    <p:spTree>
+      <p:nvGrpSpPr>
+        <p:cNvPr id="1" name=""/>
+        <p:cNvGrpSpPr/>
+        <p:nvPr/>
+      </p:nvGrpSpPr>
+      <p:grpSpPr>
+        <a:xfrm>
+          <a:off x="0" y="0"/>
+          <a:ext cx="0" cy="0"/>
+          <a:chOff x="0" y="0"/>
+          <a:chExt cx="0" cy="0"/>
+        </a:xfrm>
+      </p:grpSpPr>
+      <p:sp>
+        <p:nvSpPr>
+          <p:cNvPr id="2" name="1 Marcador de imagen de diapositiva"/>
+          <p:cNvSpPr>
+            <a:spLocks noGrp="1" noRot="1" noChangeAspect="1"/>
+          </p:cNvSpPr>
+          <p:nvPr>
+            <p:ph type="sldImg"/>
+          </p:nvPr>
+        </p:nvSpPr>
+        <p:spPr/>
+      </p:sp>
+      <p:sp>
+        <p:nvSpPr>
+          <p:cNvPr id="3" name="2 Marcador de notas"/>
+          <p:cNvSpPr>
+            <a:spLocks noGrp="1"/>
+          </p:cNvSpPr>
+          <p:nvPr>
+            <p:ph type="body" idx="1"/>
+          </p:nvPr>
+        </p:nvSpPr>
+        <p:spPr/>
+        <p:txBody>
+          <a:bodyPr>
+            <a:normAutofit/>
+          </a:bodyPr>
+          <a:lstStyle/>
+          <a:p>
+            <a:pPr>
+              <a:buFont typeface="Arial" pitchFamily="34" charset="0"/>
+              <a:buChar char="•"/>
+            </a:pPr>
+            <a:r>
+              <a:rPr lang="es-ES" dirty="0" smtClean="0"/>
+              <a:t>Presentarse</a:t>
+            </a:r>
+          </a:p>
+          <a:p>
+            <a:pPr>
+              <a:buFont typeface="Arial" pitchFamily="34" charset="0"/>
+              <a:buChar char="•"/>
+            </a:pPr>
+            <a:r>
+              <a:rPr lang="es-ES" dirty="0" smtClean="0"/>
+              <a:t>Agradecer a presentes y director</a:t>
+            </a:r>
+          </a:p>
+          <a:p>
+            <a:pPr>
+              <a:buFont typeface="Arial" pitchFamily="34" charset="0"/>
+              <a:buChar char="•"/>
+            </a:pPr>
+            <a:r>
+              <a:rPr lang="es-ES" dirty="0" smtClean="0"/>
+              <a:t>Presentación y demo</a:t>
+            </a:r>
+          </a:p>
+        </p:txBody>
+      </p:sp>
+      <p:sp>
+        <p:nvSpPr>
+          <p:cNvPr id="4" name="3 Marcador de número de diapositiva"/>
+          <p:cNvSpPr>
+            <a:spLocks noGrp="1"/>
+          </p:cNvSpPr>
+          <p:nvPr>
+            <p:ph type="sldNum" sz="quarter" idx="10"/>
+          </p:nvPr>
+        </p:nvSpPr>
+        <p:spPr/>
+        <p:txBody>
+          <a:bodyPr/>
+          <a:lstStyle/>
+          <a:p>
+            <a:fld id="{63A1F4E7-7A1C-4C54-AFBE-FD7BAC1842B2}" type="slidenum">
+              <a:rPr lang="es-ES" smtClean="0"/>
+              <a:t>1</a:t>
+            </a:fld>
+            <a:endParaRPr lang="es-ES"/>
+          </a:p>
+        </p:txBody>
+      </p:sp>
+    </p:spTree>
+  </p:cSld>
+  <p:clrMapOvr>
+    <a:masterClrMapping/>
+  </p:clrMapOvr>
+</p:notes>
+</file>
+
+<file path=ppt/notesSlides/notesSlide10.xml><?xml version="1.0" encoding="utf-8"?>
+<p:notes xmlns:a="http://schemas.openxmlformats.org/drawingml/2006/main" xmlns:r="http://schemas.openxmlformats.org/officeDocument/2006/relationships" xmlns:p="http://schemas.openxmlformats.org/presentationml/2006/main">
+  <p:cSld>
+    <p:spTree>
+      <p:nvGrpSpPr>
+        <p:cNvPr id="1" name=""/>
+        <p:cNvGrpSpPr/>
+        <p:nvPr/>
+      </p:nvGrpSpPr>
+      <p:grpSpPr>
+        <a:xfrm>
+          <a:off x="0" y="0"/>
+          <a:ext cx="0" cy="0"/>
+          <a:chOff x="0" y="0"/>
+          <a:chExt cx="0" cy="0"/>
+        </a:xfrm>
+      </p:grpSpPr>
+      <p:sp>
+        <p:nvSpPr>
+          <p:cNvPr id="2" name="1 Marcador de imagen de diapositiva"/>
+          <p:cNvSpPr>
+            <a:spLocks noGrp="1" noRot="1" noChangeAspect="1"/>
+          </p:cNvSpPr>
+          <p:nvPr>
+            <p:ph type="sldImg"/>
+          </p:nvPr>
+        </p:nvSpPr>
+        <p:spPr/>
+      </p:sp>
+      <p:sp>
+        <p:nvSpPr>
+          <p:cNvPr id="3" name="2 Marcador de notas"/>
+          <p:cNvSpPr>
+            <a:spLocks noGrp="1"/>
+          </p:cNvSpPr>
+          <p:nvPr>
+            <p:ph type="body" idx="1"/>
+          </p:nvPr>
+        </p:nvSpPr>
+        <p:spPr/>
+        <p:txBody>
+          <a:bodyPr>
+            <a:normAutofit/>
+          </a:bodyPr>
+          <a:lstStyle/>
+          <a:p>
+            <a:pPr>
+              <a:buFont typeface="Arial" pitchFamily="34" charset="0"/>
+              <a:buChar char="•"/>
+            </a:pPr>
+            <a:r>
+              <a:rPr lang="es-ES" sz="1200" b="0" kern="1200" dirty="0" smtClean="0">
+                <a:solidFill>
+                  <a:schemeClr val="tx1"/>
+                </a:solidFill>
+                <a:latin typeface="+mn-lt"/>
+                <a:ea typeface="+mn-ea"/>
+                <a:cs typeface="+mn-cs"/>
+              </a:rPr>
+              <a:t>Se toman las observaciones derivadas como base para esta actividad de publicación de comentarios, para que no sean tan</a:t>
+            </a:r>
+            <a:r>
+              <a:rPr lang="es-ES" sz="1200" b="0" kern="1200" baseline="0" dirty="0" smtClean="0">
+                <a:solidFill>
+                  <a:schemeClr val="tx1"/>
+                </a:solidFill>
+                <a:latin typeface="+mn-lt"/>
+                <a:ea typeface="+mn-ea"/>
+                <a:cs typeface="+mn-cs"/>
+              </a:rPr>
+              <a:t> masivos</a:t>
+            </a:r>
+          </a:p>
+          <a:p>
+            <a:pPr marL="0" marR="0" indent="0" algn="l" defTabSz="914400" rtl="0" eaLnBrk="1" fontAlgn="auto" latinLnBrk="0" hangingPunct="1">
+              <a:lnSpc>
+                <a:spcPct val="100000"/>
+              </a:lnSpc>
+              <a:spcBef>
+                <a:spcPts val="0"/>
+              </a:spcBef>
+              <a:spcAft>
+                <a:spcPts val="0"/>
+              </a:spcAft>
+              <a:buClrTx/>
+              <a:buSzTx/>
+              <a:buFont typeface="Arial" pitchFamily="34" charset="0"/>
+              <a:buChar char="•"/>
+              <a:tabLst/>
+              <a:defRPr/>
+            </a:pPr>
+            <a:r>
+              <a:rPr lang="es-ES" sz="1200" b="0" kern="1200" dirty="0" smtClean="0">
+                <a:solidFill>
+                  <a:schemeClr val="tx1"/>
+                </a:solidFill>
+                <a:latin typeface="+mn-lt"/>
+                <a:ea typeface="+mn-ea"/>
+                <a:cs typeface="+mn-cs"/>
+              </a:rPr>
+              <a:t>Los comentarios agruparán todas las observaciones derivadas de cada observación, esto es, referirán la mínima, media y máxima de una determinada variable en el período de tiempo en el que se basa el cálculo.</a:t>
+            </a:r>
+          </a:p>
+          <a:p>
+            <a:pPr>
+              <a:buFont typeface="Arial" pitchFamily="34" charset="0"/>
+              <a:buChar char="•"/>
+            </a:pPr>
+            <a:r>
+              <a:rPr lang="es-ES" sz="1200" b="0" kern="1200" dirty="0" smtClean="0">
+                <a:solidFill>
+                  <a:schemeClr val="tx1"/>
+                </a:solidFill>
+                <a:latin typeface="+mn-lt"/>
+                <a:ea typeface="+mn-ea"/>
+                <a:cs typeface="+mn-cs"/>
+              </a:rPr>
+              <a:t>En realidad se trata de un proceso que estaría encuadrado dentro de las actividades de generación y difusión de productos, que si bien generalmente son de tipo estándar, en este caso serían concretamente comentarios en </a:t>
+            </a:r>
+            <a:r>
+              <a:rPr lang="es-ES" sz="1200" b="0" kern="1200" dirty="0" err="1" smtClean="0">
+                <a:solidFill>
+                  <a:schemeClr val="tx1"/>
+                </a:solidFill>
+                <a:latin typeface="+mn-lt"/>
+                <a:ea typeface="+mn-ea"/>
+                <a:cs typeface="+mn-cs"/>
+              </a:rPr>
+              <a:t>Twitter</a:t>
+            </a:r>
+            <a:endParaRPr lang="es-ES" b="0" dirty="0"/>
+          </a:p>
+        </p:txBody>
+      </p:sp>
+      <p:sp>
+        <p:nvSpPr>
+          <p:cNvPr id="4" name="3 Marcador de número de diapositiva"/>
+          <p:cNvSpPr>
+            <a:spLocks noGrp="1"/>
+          </p:cNvSpPr>
+          <p:nvPr>
+            <p:ph type="sldNum" sz="quarter" idx="10"/>
+          </p:nvPr>
+        </p:nvSpPr>
+        <p:spPr/>
+        <p:txBody>
+          <a:bodyPr/>
+          <a:lstStyle/>
+          <a:p>
+            <a:fld id="{63A1F4E7-7A1C-4C54-AFBE-FD7BAC1842B2}" type="slidenum">
+              <a:rPr lang="es-ES" smtClean="0"/>
+              <a:t>10</a:t>
+            </a:fld>
+            <a:endParaRPr lang="es-ES"/>
+          </a:p>
+        </p:txBody>
+      </p:sp>
+    </p:spTree>
+  </p:cSld>
+  <p:clrMapOvr>
+    <a:masterClrMapping/>
+  </p:clrMapOvr>
+</p:notes>
+</file>
+
+<file path=ppt/notesSlides/notesSlide11.xml><?xml version="1.0" encoding="utf-8"?>
+<p:notes xmlns:a="http://schemas.openxmlformats.org/drawingml/2006/main" xmlns:r="http://schemas.openxmlformats.org/officeDocument/2006/relationships" xmlns:p="http://schemas.openxmlformats.org/presentationml/2006/main">
+  <p:cSld>
+    <p:spTree>
+      <p:nvGrpSpPr>
+        <p:cNvPr id="1" name=""/>
+        <p:cNvGrpSpPr/>
+        <p:nvPr/>
+      </p:nvGrpSpPr>
+      <p:grpSpPr>
+        <a:xfrm>
+          <a:off x="0" y="0"/>
+          <a:ext cx="0" cy="0"/>
+          <a:chOff x="0" y="0"/>
+          <a:chExt cx="0" cy="0"/>
+        </a:xfrm>
+      </p:grpSpPr>
+      <p:sp>
+        <p:nvSpPr>
+          <p:cNvPr id="2" name="1 Marcador de imagen de diapositiva"/>
+          <p:cNvSpPr>
+            <a:spLocks noGrp="1" noRot="1" noChangeAspect="1"/>
+          </p:cNvSpPr>
+          <p:nvPr>
+            <p:ph type="sldImg"/>
+          </p:nvPr>
+        </p:nvSpPr>
+        <p:spPr/>
+      </p:sp>
+      <p:sp>
+        <p:nvSpPr>
+          <p:cNvPr id="3" name="2 Marcador de notas"/>
+          <p:cNvSpPr>
+            <a:spLocks noGrp="1"/>
+          </p:cNvSpPr>
+          <p:nvPr>
+            <p:ph type="body" idx="1"/>
+          </p:nvPr>
+        </p:nvSpPr>
+        <p:spPr/>
+        <p:txBody>
+          <a:bodyPr>
+            <a:normAutofit/>
+          </a:bodyPr>
+          <a:lstStyle/>
+          <a:p>
+            <a:endParaRPr lang="es-ES"/>
+          </a:p>
+        </p:txBody>
+      </p:sp>
+      <p:sp>
+        <p:nvSpPr>
+          <p:cNvPr id="4" name="3 Marcador de número de diapositiva"/>
+          <p:cNvSpPr>
+            <a:spLocks noGrp="1"/>
+          </p:cNvSpPr>
+          <p:nvPr>
+            <p:ph type="sldNum" sz="quarter" idx="10"/>
+          </p:nvPr>
+        </p:nvSpPr>
+        <p:spPr/>
+        <p:txBody>
+          <a:bodyPr/>
+          <a:lstStyle/>
+          <a:p>
+            <a:fld id="{63A1F4E7-7A1C-4C54-AFBE-FD7BAC1842B2}" type="slidenum">
+              <a:rPr lang="es-ES" smtClean="0"/>
+              <a:t>11</a:t>
+            </a:fld>
+            <a:endParaRPr lang="es-ES"/>
+          </a:p>
+        </p:txBody>
+      </p:sp>
+    </p:spTree>
+  </p:cSld>
+  <p:clrMapOvr>
+    <a:masterClrMapping/>
+  </p:clrMapOvr>
+</p:notes>
+</file>
+
+<file path=ppt/notesSlides/notesSlide12.xml><?xml version="1.0" encoding="utf-8"?>
+<p:notes xmlns:a="http://schemas.openxmlformats.org/drawingml/2006/main" xmlns:r="http://schemas.openxmlformats.org/officeDocument/2006/relationships" xmlns:p="http://schemas.openxmlformats.org/presentationml/2006/main">
+  <p:cSld>
+    <p:spTree>
+      <p:nvGrpSpPr>
+        <p:cNvPr id="1" name=""/>
+        <p:cNvGrpSpPr/>
+        <p:nvPr/>
+      </p:nvGrpSpPr>
+      <p:grpSpPr>
+        <a:xfrm>
+          <a:off x="0" y="0"/>
+          <a:ext cx="0" cy="0"/>
+          <a:chOff x="0" y="0"/>
+          <a:chExt cx="0" cy="0"/>
+        </a:xfrm>
+      </p:grpSpPr>
+      <p:sp>
+        <p:nvSpPr>
+          <p:cNvPr id="2" name="1 Marcador de imagen de diapositiva"/>
+          <p:cNvSpPr>
+            <a:spLocks noGrp="1" noRot="1" noChangeAspect="1"/>
+          </p:cNvSpPr>
+          <p:nvPr>
+            <p:ph type="sldImg"/>
+          </p:nvPr>
+        </p:nvSpPr>
+        <p:spPr/>
+      </p:sp>
+      <p:sp>
+        <p:nvSpPr>
+          <p:cNvPr id="3" name="2 Marcador de notas"/>
+          <p:cNvSpPr>
+            <a:spLocks noGrp="1"/>
+          </p:cNvSpPr>
+          <p:nvPr>
+            <p:ph type="body" idx="1"/>
+          </p:nvPr>
+        </p:nvSpPr>
+        <p:spPr/>
+        <p:txBody>
+          <a:bodyPr>
+            <a:normAutofit/>
+          </a:bodyPr>
+          <a:lstStyle/>
+          <a:p>
+            <a:pPr>
+              <a:buFont typeface="Arial" pitchFamily="34" charset="0"/>
+              <a:buChar char="•"/>
+            </a:pPr>
+            <a:r>
+              <a:rPr lang="es-ES" dirty="0" smtClean="0"/>
+              <a:t>A partir del alcance, una descomposición formal en requisitos</a:t>
+            </a:r>
+            <a:r>
+              <a:rPr lang="es-ES" baseline="0" dirty="0" smtClean="0"/>
+              <a:t> funcionales y no funcionales, numerados y </a:t>
+            </a:r>
+            <a:r>
+              <a:rPr lang="es-ES" baseline="0" dirty="0" err="1" smtClean="0"/>
+              <a:t>traceables</a:t>
+            </a:r>
+            <a:endParaRPr lang="es-ES" baseline="0" dirty="0" smtClean="0"/>
+          </a:p>
+          <a:p>
+            <a:pPr>
+              <a:buFont typeface="Arial" pitchFamily="34" charset="0"/>
+              <a:buChar char="•"/>
+            </a:pPr>
+            <a:r>
+              <a:rPr lang="es-ES" baseline="0" dirty="0" smtClean="0"/>
+              <a:t>Unos casos de uso que describen el comportamiento del Sistema.</a:t>
+            </a:r>
+          </a:p>
+          <a:p>
+            <a:pPr>
+              <a:buFont typeface="Arial" pitchFamily="34" charset="0"/>
+              <a:buChar char="•"/>
+            </a:pPr>
+            <a:r>
+              <a:rPr lang="es-ES" baseline="0" dirty="0" smtClean="0"/>
+              <a:t>Aquí los </a:t>
+            </a:r>
+            <a:r>
+              <a:rPr lang="es-ES" baseline="0" dirty="0" err="1" smtClean="0"/>
+              <a:t>CUs</a:t>
+            </a:r>
+            <a:r>
+              <a:rPr lang="es-ES" baseline="0" dirty="0" smtClean="0"/>
+              <a:t> más destacados de visualización de información y de temporización de tareas (donde el actor es un Temporizador)</a:t>
+            </a:r>
+          </a:p>
+          <a:p>
+            <a:pPr>
+              <a:buFont typeface="Arial" pitchFamily="34" charset="0"/>
+              <a:buChar char="•"/>
+            </a:pPr>
+            <a:endParaRPr lang="es-ES" dirty="0"/>
+          </a:p>
+        </p:txBody>
+      </p:sp>
+      <p:sp>
+        <p:nvSpPr>
+          <p:cNvPr id="4" name="3 Marcador de número de diapositiva"/>
+          <p:cNvSpPr>
+            <a:spLocks noGrp="1"/>
+          </p:cNvSpPr>
+          <p:nvPr>
+            <p:ph type="sldNum" sz="quarter" idx="10"/>
+          </p:nvPr>
+        </p:nvSpPr>
+        <p:spPr/>
+        <p:txBody>
+          <a:bodyPr/>
+          <a:lstStyle/>
+          <a:p>
+            <a:fld id="{63A1F4E7-7A1C-4C54-AFBE-FD7BAC1842B2}" type="slidenum">
+              <a:rPr lang="es-ES" smtClean="0"/>
+              <a:t>12</a:t>
+            </a:fld>
+            <a:endParaRPr lang="es-ES"/>
+          </a:p>
+        </p:txBody>
+      </p:sp>
+    </p:spTree>
+  </p:cSld>
+  <p:clrMapOvr>
+    <a:masterClrMapping/>
+  </p:clrMapOvr>
+</p:notes>
+</file>
+
+<file path=ppt/notesSlides/notesSlide13.xml><?xml version="1.0" encoding="utf-8"?>
+<p:notes xmlns:a="http://schemas.openxmlformats.org/drawingml/2006/main" xmlns:r="http://schemas.openxmlformats.org/officeDocument/2006/relationships" xmlns:p="http://schemas.openxmlformats.org/presentationml/2006/main">
+  <p:cSld>
+    <p:spTree>
+      <p:nvGrpSpPr>
+        <p:cNvPr id="1" name=""/>
+        <p:cNvGrpSpPr/>
+        <p:nvPr/>
+      </p:nvGrpSpPr>
+      <p:grpSpPr>
+        <a:xfrm>
+          <a:off x="0" y="0"/>
+          <a:ext cx="0" cy="0"/>
+          <a:chOff x="0" y="0"/>
+          <a:chExt cx="0" cy="0"/>
+        </a:xfrm>
+      </p:grpSpPr>
+      <p:sp>
+        <p:nvSpPr>
+          <p:cNvPr id="2" name="1 Marcador de imagen de diapositiva"/>
+          <p:cNvSpPr>
+            <a:spLocks noGrp="1" noRot="1" noChangeAspect="1"/>
+          </p:cNvSpPr>
+          <p:nvPr>
+            <p:ph type="sldImg"/>
+          </p:nvPr>
+        </p:nvSpPr>
+        <p:spPr/>
+      </p:sp>
+      <p:sp>
+        <p:nvSpPr>
+          <p:cNvPr id="3" name="2 Marcador de notas"/>
+          <p:cNvSpPr>
+            <a:spLocks noGrp="1"/>
+          </p:cNvSpPr>
+          <p:nvPr>
+            <p:ph type="body" idx="1"/>
+          </p:nvPr>
+        </p:nvSpPr>
+        <p:spPr/>
+        <p:txBody>
+          <a:bodyPr>
+            <a:normAutofit/>
+          </a:bodyPr>
+          <a:lstStyle/>
+          <a:p>
+            <a:pPr>
+              <a:buFont typeface="Arial" pitchFamily="34" charset="0"/>
+              <a:buChar char="•"/>
+            </a:pPr>
+            <a:r>
+              <a:rPr lang="es-ES" dirty="0" smtClean="0"/>
+              <a:t>Los requisitos formales se agrupan</a:t>
+            </a:r>
+            <a:r>
+              <a:rPr lang="es-ES" baseline="0" dirty="0" smtClean="0"/>
+              <a:t> en una serie de subsistemas de </a:t>
+            </a:r>
+            <a:r>
+              <a:rPr lang="es-ES" baseline="0" dirty="0" err="1" smtClean="0"/>
+              <a:t>análsiis</a:t>
+            </a:r>
+            <a:endParaRPr lang="es-ES" baseline="0" dirty="0" smtClean="0"/>
+          </a:p>
+          <a:p>
+            <a:pPr>
+              <a:buFont typeface="Arial" pitchFamily="34" charset="0"/>
+              <a:buChar char="•"/>
+            </a:pPr>
+            <a:r>
+              <a:rPr lang="es-ES" baseline="0" dirty="0" smtClean="0"/>
+              <a:t>Cada subsistema se descompone en funciones</a:t>
+            </a:r>
+          </a:p>
+          <a:p>
+            <a:pPr>
+              <a:buFont typeface="Arial" pitchFamily="34" charset="0"/>
+              <a:buChar char="•"/>
+            </a:pPr>
+            <a:r>
+              <a:rPr lang="es-ES" baseline="0" dirty="0" smtClean="0"/>
+              <a:t>Las funciones, sumadas al diseño y tecnología, sirven como entrada para construir las tareas a planificar</a:t>
+            </a:r>
+            <a:endParaRPr lang="es-ES" dirty="0"/>
+          </a:p>
+        </p:txBody>
+      </p:sp>
+      <p:sp>
+        <p:nvSpPr>
+          <p:cNvPr id="4" name="3 Marcador de número de diapositiva"/>
+          <p:cNvSpPr>
+            <a:spLocks noGrp="1"/>
+          </p:cNvSpPr>
+          <p:nvPr>
+            <p:ph type="sldNum" sz="quarter" idx="10"/>
+          </p:nvPr>
+        </p:nvSpPr>
+        <p:spPr/>
+        <p:txBody>
+          <a:bodyPr/>
+          <a:lstStyle/>
+          <a:p>
+            <a:fld id="{63A1F4E7-7A1C-4C54-AFBE-FD7BAC1842B2}" type="slidenum">
+              <a:rPr lang="es-ES" smtClean="0"/>
+              <a:t>13</a:t>
+            </a:fld>
+            <a:endParaRPr lang="es-ES"/>
+          </a:p>
+        </p:txBody>
+      </p:sp>
+    </p:spTree>
+  </p:cSld>
+  <p:clrMapOvr>
+    <a:masterClrMapping/>
+  </p:clrMapOvr>
+</p:notes>
+</file>
+
+<file path=ppt/notesSlides/notesSlide14.xml><?xml version="1.0" encoding="utf-8"?>
+<p:notes xmlns:a="http://schemas.openxmlformats.org/drawingml/2006/main" xmlns:r="http://schemas.openxmlformats.org/officeDocument/2006/relationships" xmlns:p="http://schemas.openxmlformats.org/presentationml/2006/main">
+  <p:cSld>
+    <p:spTree>
+      <p:nvGrpSpPr>
+        <p:cNvPr id="1" name=""/>
+        <p:cNvGrpSpPr/>
+        <p:nvPr/>
+      </p:nvGrpSpPr>
+      <p:grpSpPr>
+        <a:xfrm>
+          <a:off x="0" y="0"/>
+          <a:ext cx="0" cy="0"/>
+          <a:chOff x="0" y="0"/>
+          <a:chExt cx="0" cy="0"/>
+        </a:xfrm>
+      </p:grpSpPr>
+      <p:sp>
+        <p:nvSpPr>
+          <p:cNvPr id="2" name="1 Marcador de imagen de diapositiva"/>
+          <p:cNvSpPr>
+            <a:spLocks noGrp="1" noRot="1" noChangeAspect="1"/>
+          </p:cNvSpPr>
+          <p:nvPr>
+            <p:ph type="sldImg"/>
+          </p:nvPr>
+        </p:nvSpPr>
+        <p:spPr/>
+      </p:sp>
+      <p:sp>
+        <p:nvSpPr>
+          <p:cNvPr id="3" name="2 Marcador de notas"/>
+          <p:cNvSpPr>
+            <a:spLocks noGrp="1"/>
+          </p:cNvSpPr>
+          <p:nvPr>
+            <p:ph type="body" idx="1"/>
+          </p:nvPr>
+        </p:nvSpPr>
+        <p:spPr/>
+        <p:txBody>
+          <a:bodyPr>
+            <a:normAutofit/>
+          </a:bodyPr>
+          <a:lstStyle/>
+          <a:p>
+            <a:r>
+              <a:rPr lang="es-ES" dirty="0" smtClean="0"/>
+              <a:t>Visión</a:t>
+            </a:r>
+            <a:r>
+              <a:rPr lang="es-ES" baseline="0" dirty="0" smtClean="0"/>
+              <a:t> global del diseño:</a:t>
+            </a:r>
+          </a:p>
+          <a:p>
+            <a:pPr>
+              <a:buFont typeface="Arial" pitchFamily="34" charset="0"/>
+              <a:buChar char="•"/>
+            </a:pPr>
+            <a:r>
+              <a:rPr lang="es-ES" baseline="0" dirty="0" smtClean="0"/>
+              <a:t>GWT para interfaz de usuario con colaboración con un servidor J2EE</a:t>
+            </a:r>
+          </a:p>
+          <a:p>
+            <a:pPr>
+              <a:buFont typeface="Arial" pitchFamily="34" charset="0"/>
+              <a:buChar char="•"/>
+            </a:pPr>
+            <a:r>
+              <a:rPr lang="es-ES" baseline="0" dirty="0" smtClean="0"/>
+              <a:t>Permite ver el Sistema como cliente-servidor, aunque en realidad sea una aplicación web</a:t>
+            </a:r>
+          </a:p>
+          <a:p>
+            <a:pPr>
+              <a:buFont typeface="Arial" pitchFamily="34" charset="0"/>
+              <a:buChar char="•"/>
+            </a:pPr>
+            <a:r>
+              <a:rPr lang="es-ES" baseline="0" dirty="0" smtClean="0"/>
+              <a:t>GWT construye a partir de código Java el HTML y JS que se ejecuta en el navegador</a:t>
+            </a:r>
+          </a:p>
+          <a:p>
+            <a:pPr>
+              <a:buFont typeface="Arial" pitchFamily="34" charset="0"/>
+              <a:buChar char="•"/>
+            </a:pPr>
+            <a:r>
+              <a:rPr lang="es-ES" baseline="0" dirty="0" smtClean="0"/>
+              <a:t>El servidor está basado en las 3 capas: datos, persistencia, servicios</a:t>
+            </a:r>
+          </a:p>
+          <a:p>
+            <a:pPr>
+              <a:buFont typeface="Arial" pitchFamily="34" charset="0"/>
+              <a:buChar char="•"/>
+            </a:pPr>
+            <a:r>
+              <a:rPr lang="es-ES" baseline="0" dirty="0" smtClean="0"/>
+              <a:t>El cliente está basado en MVP, donde V son las vistas y P son las actividades, que ejercen de controlador de la lógica de cliente</a:t>
+            </a:r>
+          </a:p>
+          <a:p>
+            <a:pPr>
+              <a:buFont typeface="Arial" pitchFamily="34" charset="0"/>
+              <a:buChar char="•"/>
+            </a:pPr>
+            <a:r>
+              <a:rPr lang="es-ES" baseline="0" dirty="0" smtClean="0"/>
+              <a:t>Proxies del modelo y stubs sirven de representación en cliente de los VOs y servicios del servidor. La comunicación es vía HTTP con JSON automáticamente realizada por GWT (transparente)</a:t>
+            </a:r>
+          </a:p>
+          <a:p>
+            <a:endParaRPr lang="es-ES" dirty="0"/>
+          </a:p>
+        </p:txBody>
+      </p:sp>
+      <p:sp>
+        <p:nvSpPr>
+          <p:cNvPr id="4" name="3 Marcador de número de diapositiva"/>
+          <p:cNvSpPr>
+            <a:spLocks noGrp="1"/>
+          </p:cNvSpPr>
+          <p:nvPr>
+            <p:ph type="sldNum" sz="quarter" idx="10"/>
+          </p:nvPr>
+        </p:nvSpPr>
+        <p:spPr/>
+        <p:txBody>
+          <a:bodyPr/>
+          <a:lstStyle/>
+          <a:p>
+            <a:fld id="{63A1F4E7-7A1C-4C54-AFBE-FD7BAC1842B2}" type="slidenum">
+              <a:rPr lang="es-ES" smtClean="0"/>
+              <a:t>14</a:t>
+            </a:fld>
+            <a:endParaRPr lang="es-ES"/>
+          </a:p>
+        </p:txBody>
+      </p:sp>
+    </p:spTree>
+  </p:cSld>
+  <p:clrMapOvr>
+    <a:masterClrMapping/>
+  </p:clrMapOvr>
+</p:notes>
+</file>
+
+<file path=ppt/notesSlides/notesSlide15.xml><?xml version="1.0" encoding="utf-8"?>
+<p:notes xmlns:a="http://schemas.openxmlformats.org/drawingml/2006/main" xmlns:r="http://schemas.openxmlformats.org/officeDocument/2006/relationships" xmlns:p="http://schemas.openxmlformats.org/presentationml/2006/main">
+  <p:cSld>
+    <p:spTree>
+      <p:nvGrpSpPr>
+        <p:cNvPr id="1" name=""/>
+        <p:cNvGrpSpPr/>
+        <p:nvPr/>
+      </p:nvGrpSpPr>
+      <p:grpSpPr>
+        <a:xfrm>
+          <a:off x="0" y="0"/>
+          <a:ext cx="0" cy="0"/>
+          <a:chOff x="0" y="0"/>
+          <a:chExt cx="0" cy="0"/>
+        </a:xfrm>
+      </p:grpSpPr>
+      <p:sp>
+        <p:nvSpPr>
+          <p:cNvPr id="2" name="1 Marcador de imagen de diapositiva"/>
+          <p:cNvSpPr>
+            <a:spLocks noGrp="1" noRot="1" noChangeAspect="1"/>
+          </p:cNvSpPr>
+          <p:nvPr>
+            <p:ph type="sldImg"/>
+          </p:nvPr>
+        </p:nvSpPr>
+        <p:spPr/>
+      </p:sp>
+      <p:sp>
+        <p:nvSpPr>
+          <p:cNvPr id="3" name="2 Marcador de notas"/>
+          <p:cNvSpPr>
+            <a:spLocks noGrp="1"/>
+          </p:cNvSpPr>
+          <p:nvPr>
+            <p:ph type="body" idx="1"/>
+          </p:nvPr>
+        </p:nvSpPr>
+        <p:spPr/>
+        <p:txBody>
+          <a:bodyPr>
+            <a:normAutofit/>
+          </a:bodyPr>
+          <a:lstStyle/>
+          <a:p>
+            <a:endParaRPr lang="es-ES"/>
+          </a:p>
+        </p:txBody>
+      </p:sp>
+      <p:sp>
+        <p:nvSpPr>
+          <p:cNvPr id="4" name="3 Marcador de número de diapositiva"/>
+          <p:cNvSpPr>
+            <a:spLocks noGrp="1"/>
+          </p:cNvSpPr>
+          <p:nvPr>
+            <p:ph type="sldNum" sz="quarter" idx="10"/>
+          </p:nvPr>
+        </p:nvSpPr>
+        <p:spPr/>
+        <p:txBody>
+          <a:bodyPr/>
+          <a:lstStyle/>
+          <a:p>
+            <a:fld id="{63A1F4E7-7A1C-4C54-AFBE-FD7BAC1842B2}" type="slidenum">
+              <a:rPr lang="es-ES" smtClean="0"/>
+              <a:t>15</a:t>
+            </a:fld>
+            <a:endParaRPr lang="es-ES"/>
+          </a:p>
+        </p:txBody>
+      </p:sp>
+    </p:spTree>
+  </p:cSld>
+  <p:clrMapOvr>
+    <a:masterClrMapping/>
+  </p:clrMapOvr>
+</p:notes>
+</file>
+
+<file path=ppt/notesSlides/notesSlide16.xml><?xml version="1.0" encoding="utf-8"?>
+<p:notes xmlns:a="http://schemas.openxmlformats.org/drawingml/2006/main" xmlns:r="http://schemas.openxmlformats.org/officeDocument/2006/relationships" xmlns:p="http://schemas.openxmlformats.org/presentationml/2006/main">
+  <p:cSld>
+    <p:spTree>
+      <p:nvGrpSpPr>
+        <p:cNvPr id="1" name=""/>
+        <p:cNvGrpSpPr/>
+        <p:nvPr/>
+      </p:nvGrpSpPr>
+      <p:grpSpPr>
+        <a:xfrm>
+          <a:off x="0" y="0"/>
+          <a:ext cx="0" cy="0"/>
+          <a:chOff x="0" y="0"/>
+          <a:chExt cx="0" cy="0"/>
+        </a:xfrm>
+      </p:grpSpPr>
+      <p:sp>
+        <p:nvSpPr>
+          <p:cNvPr id="2" name="1 Marcador de imagen de diapositiva"/>
+          <p:cNvSpPr>
+            <a:spLocks noGrp="1" noRot="1" noChangeAspect="1"/>
+          </p:cNvSpPr>
+          <p:nvPr>
+            <p:ph type="sldImg"/>
+          </p:nvPr>
+        </p:nvSpPr>
+        <p:spPr/>
+      </p:sp>
+      <p:sp>
+        <p:nvSpPr>
+          <p:cNvPr id="3" name="2 Marcador de notas"/>
+          <p:cNvSpPr>
+            <a:spLocks noGrp="1"/>
+          </p:cNvSpPr>
+          <p:nvPr>
+            <p:ph type="body" idx="1"/>
+          </p:nvPr>
+        </p:nvSpPr>
+        <p:spPr/>
+        <p:txBody>
+          <a:bodyPr>
+            <a:normAutofit/>
+          </a:bodyPr>
+          <a:lstStyle/>
+          <a:p>
+            <a:pPr>
+              <a:buFont typeface="Arial" pitchFamily="34" charset="0"/>
+              <a:buChar char="•"/>
+            </a:pPr>
+            <a:r>
+              <a:rPr lang="es-ES" sz="1200" b="0" kern="1200" dirty="0" smtClean="0">
+                <a:solidFill>
+                  <a:schemeClr val="tx1"/>
+                </a:solidFill>
+                <a:latin typeface="+mn-lt"/>
+                <a:ea typeface="+mn-ea"/>
+                <a:cs typeface="+mn-cs"/>
+              </a:rPr>
+              <a:t>Se definieron 3 iteraciones, con las dos primeras enfocadas a producir el Sistema plenamente funcional mientras la última sumaba las funcionalidades de configuración. Para el seguimiento del avance el proyecto, se utilizó una hoja Excel de </a:t>
+            </a:r>
+            <a:r>
+              <a:rPr lang="es-ES" sz="1200" b="0" kern="1200" dirty="0" err="1" smtClean="0">
+                <a:solidFill>
+                  <a:schemeClr val="tx1"/>
+                </a:solidFill>
+                <a:latin typeface="+mn-lt"/>
+                <a:ea typeface="+mn-ea"/>
+                <a:cs typeface="+mn-cs"/>
+              </a:rPr>
+              <a:t>Scrum</a:t>
+            </a:r>
+            <a:endParaRPr lang="es-ES" sz="1200" b="0" kern="1200" dirty="0" smtClean="0">
+              <a:solidFill>
+                <a:schemeClr val="tx1"/>
+              </a:solidFill>
+              <a:latin typeface="+mn-lt"/>
+              <a:ea typeface="+mn-ea"/>
+              <a:cs typeface="+mn-cs"/>
+            </a:endParaRPr>
+          </a:p>
+          <a:p>
+            <a:pPr>
+              <a:buFont typeface="Arial" pitchFamily="34" charset="0"/>
+              <a:buChar char="•"/>
+            </a:pPr>
+            <a:r>
+              <a:rPr lang="es-ES" sz="1200" b="0" kern="1200" dirty="0" smtClean="0">
+                <a:solidFill>
+                  <a:schemeClr val="tx1"/>
+                </a:solidFill>
+                <a:latin typeface="+mn-lt"/>
+                <a:ea typeface="+mn-ea"/>
+                <a:cs typeface="+mn-cs"/>
+              </a:rPr>
+              <a:t>El esfuerzo global se calculó en días naturales, estimando una disponibilidad media de 1,5 horas de trabajo real en cada día natural</a:t>
+            </a:r>
+            <a:endParaRPr lang="es-ES" b="0" dirty="0"/>
+          </a:p>
+        </p:txBody>
+      </p:sp>
+      <p:sp>
+        <p:nvSpPr>
+          <p:cNvPr id="4" name="3 Marcador de número de diapositiva"/>
+          <p:cNvSpPr>
+            <a:spLocks noGrp="1"/>
+          </p:cNvSpPr>
+          <p:nvPr>
+            <p:ph type="sldNum" sz="quarter" idx="10"/>
+          </p:nvPr>
+        </p:nvSpPr>
+        <p:spPr/>
+        <p:txBody>
+          <a:bodyPr/>
+          <a:lstStyle/>
+          <a:p>
+            <a:fld id="{63A1F4E7-7A1C-4C54-AFBE-FD7BAC1842B2}" type="slidenum">
+              <a:rPr lang="es-ES" smtClean="0"/>
+              <a:t>16</a:t>
+            </a:fld>
+            <a:endParaRPr lang="es-ES"/>
+          </a:p>
+        </p:txBody>
+      </p:sp>
+    </p:spTree>
+  </p:cSld>
+  <p:clrMapOvr>
+    <a:masterClrMapping/>
+  </p:clrMapOvr>
+</p:notes>
+</file>
+
+<file path=ppt/notesSlides/notesSlide17.xml><?xml version="1.0" encoding="utf-8"?>
+<p:notes xmlns:a="http://schemas.openxmlformats.org/drawingml/2006/main" xmlns:r="http://schemas.openxmlformats.org/officeDocument/2006/relationships" xmlns:p="http://schemas.openxmlformats.org/presentationml/2006/main">
+  <p:cSld>
+    <p:spTree>
+      <p:nvGrpSpPr>
+        <p:cNvPr id="1" name=""/>
+        <p:cNvGrpSpPr/>
+        <p:nvPr/>
+      </p:nvGrpSpPr>
+      <p:grpSpPr>
+        <a:xfrm>
+          <a:off x="0" y="0"/>
+          <a:ext cx="0" cy="0"/>
+          <a:chOff x="0" y="0"/>
+          <a:chExt cx="0" cy="0"/>
+        </a:xfrm>
+      </p:grpSpPr>
+      <p:sp>
+        <p:nvSpPr>
+          <p:cNvPr id="2" name="1 Marcador de imagen de diapositiva"/>
+          <p:cNvSpPr>
+            <a:spLocks noGrp="1" noRot="1" noChangeAspect="1"/>
+          </p:cNvSpPr>
+          <p:nvPr>
+            <p:ph type="sldImg"/>
+          </p:nvPr>
+        </p:nvSpPr>
+        <p:spPr/>
+      </p:sp>
+      <p:sp>
+        <p:nvSpPr>
+          <p:cNvPr id="3" name="2 Marcador de notas"/>
+          <p:cNvSpPr>
+            <a:spLocks noGrp="1"/>
+          </p:cNvSpPr>
+          <p:nvPr>
+            <p:ph type="body" idx="1"/>
+          </p:nvPr>
+        </p:nvSpPr>
+        <p:spPr/>
+        <p:txBody>
+          <a:bodyPr>
+            <a:normAutofit/>
+          </a:bodyPr>
+          <a:lstStyle/>
+          <a:p>
+            <a:endParaRPr lang="es-ES"/>
+          </a:p>
+        </p:txBody>
+      </p:sp>
+      <p:sp>
+        <p:nvSpPr>
+          <p:cNvPr id="4" name="3 Marcador de número de diapositiva"/>
+          <p:cNvSpPr>
+            <a:spLocks noGrp="1"/>
+          </p:cNvSpPr>
+          <p:nvPr>
+            <p:ph type="sldNum" sz="quarter" idx="10"/>
+          </p:nvPr>
+        </p:nvSpPr>
+        <p:spPr/>
+        <p:txBody>
+          <a:bodyPr/>
+          <a:lstStyle/>
+          <a:p>
+            <a:fld id="{63A1F4E7-7A1C-4C54-AFBE-FD7BAC1842B2}" type="slidenum">
+              <a:rPr lang="es-ES" smtClean="0"/>
+              <a:t>17</a:t>
+            </a:fld>
+            <a:endParaRPr lang="es-ES"/>
+          </a:p>
+        </p:txBody>
+      </p:sp>
+    </p:spTree>
+  </p:cSld>
+  <p:clrMapOvr>
+    <a:masterClrMapping/>
+  </p:clrMapOvr>
+</p:notes>
+</file>
+
+<file path=ppt/notesSlides/notesSlide18.xml><?xml version="1.0" encoding="utf-8"?>
+<p:notes xmlns:a="http://schemas.openxmlformats.org/drawingml/2006/main" xmlns:r="http://schemas.openxmlformats.org/officeDocument/2006/relationships" xmlns:p="http://schemas.openxmlformats.org/presentationml/2006/main">
+  <p:cSld>
+    <p:spTree>
+      <p:nvGrpSpPr>
+        <p:cNvPr id="1" name=""/>
+        <p:cNvGrpSpPr/>
+        <p:nvPr/>
+      </p:nvGrpSpPr>
+      <p:grpSpPr>
+        <a:xfrm>
+          <a:off x="0" y="0"/>
+          <a:ext cx="0" cy="0"/>
+          <a:chOff x="0" y="0"/>
+          <a:chExt cx="0" cy="0"/>
+        </a:xfrm>
+      </p:grpSpPr>
+      <p:sp>
+        <p:nvSpPr>
+          <p:cNvPr id="2" name="1 Marcador de imagen de diapositiva"/>
+          <p:cNvSpPr>
+            <a:spLocks noGrp="1" noRot="1" noChangeAspect="1"/>
+          </p:cNvSpPr>
+          <p:nvPr>
+            <p:ph type="sldImg"/>
+          </p:nvPr>
+        </p:nvSpPr>
+        <p:spPr/>
+      </p:sp>
+      <p:sp>
+        <p:nvSpPr>
+          <p:cNvPr id="3" name="2 Marcador de notas"/>
+          <p:cNvSpPr>
+            <a:spLocks noGrp="1"/>
+          </p:cNvSpPr>
+          <p:nvPr>
+            <p:ph type="body" idx="1"/>
+          </p:nvPr>
+        </p:nvSpPr>
+        <p:spPr/>
+        <p:txBody>
+          <a:bodyPr>
+            <a:normAutofit/>
+          </a:bodyPr>
+          <a:lstStyle/>
+          <a:p>
+            <a:endParaRPr lang="es-ES"/>
+          </a:p>
+        </p:txBody>
+      </p:sp>
+      <p:sp>
+        <p:nvSpPr>
+          <p:cNvPr id="4" name="3 Marcador de número de diapositiva"/>
+          <p:cNvSpPr>
+            <a:spLocks noGrp="1"/>
+          </p:cNvSpPr>
+          <p:nvPr>
+            <p:ph type="sldNum" sz="quarter" idx="10"/>
+          </p:nvPr>
+        </p:nvSpPr>
+        <p:spPr/>
+        <p:txBody>
+          <a:bodyPr/>
+          <a:lstStyle/>
+          <a:p>
+            <a:fld id="{63A1F4E7-7A1C-4C54-AFBE-FD7BAC1842B2}" type="slidenum">
+              <a:rPr lang="es-ES" smtClean="0"/>
+              <a:t>18</a:t>
+            </a:fld>
+            <a:endParaRPr lang="es-ES"/>
+          </a:p>
+        </p:txBody>
+      </p:sp>
+    </p:spTree>
+  </p:cSld>
+  <p:clrMapOvr>
+    <a:masterClrMapping/>
+  </p:clrMapOvr>
+</p:notes>
+</file>
+
+<file path=ppt/notesSlides/notesSlide19.xml><?xml version="1.0" encoding="utf-8"?>
+<p:notes xmlns:a="http://schemas.openxmlformats.org/drawingml/2006/main" xmlns:r="http://schemas.openxmlformats.org/officeDocument/2006/relationships" xmlns:p="http://schemas.openxmlformats.org/presentationml/2006/main">
+  <p:cSld>
+    <p:spTree>
+      <p:nvGrpSpPr>
+        <p:cNvPr id="1" name=""/>
+        <p:cNvGrpSpPr/>
+        <p:nvPr/>
+      </p:nvGrpSpPr>
+      <p:grpSpPr>
+        <a:xfrm>
+          <a:off x="0" y="0"/>
+          <a:ext cx="0" cy="0"/>
+          <a:chOff x="0" y="0"/>
+          <a:chExt cx="0" cy="0"/>
+        </a:xfrm>
+      </p:grpSpPr>
+      <p:sp>
+        <p:nvSpPr>
+          <p:cNvPr id="2" name="1 Marcador de imagen de diapositiva"/>
+          <p:cNvSpPr>
+            <a:spLocks noGrp="1" noRot="1" noChangeAspect="1"/>
+          </p:cNvSpPr>
+          <p:nvPr>
+            <p:ph type="sldImg"/>
+          </p:nvPr>
+        </p:nvSpPr>
+        <p:spPr/>
+      </p:sp>
+      <p:sp>
+        <p:nvSpPr>
+          <p:cNvPr id="3" name="2 Marcador de notas"/>
+          <p:cNvSpPr>
+            <a:spLocks noGrp="1"/>
+          </p:cNvSpPr>
+          <p:nvPr>
+            <p:ph type="body" idx="1"/>
+          </p:nvPr>
+        </p:nvSpPr>
+        <p:spPr/>
+        <p:txBody>
+          <a:bodyPr>
+            <a:normAutofit/>
+          </a:bodyPr>
+          <a:lstStyle/>
+          <a:p>
+            <a:endParaRPr lang="es-ES"/>
+          </a:p>
+        </p:txBody>
+      </p:sp>
+      <p:sp>
+        <p:nvSpPr>
+          <p:cNvPr id="4" name="3 Marcador de número de diapositiva"/>
+          <p:cNvSpPr>
+            <a:spLocks noGrp="1"/>
+          </p:cNvSpPr>
+          <p:nvPr>
+            <p:ph type="sldNum" sz="quarter" idx="10"/>
+          </p:nvPr>
+        </p:nvSpPr>
+        <p:spPr/>
+        <p:txBody>
+          <a:bodyPr/>
+          <a:lstStyle/>
+          <a:p>
+            <a:fld id="{63A1F4E7-7A1C-4C54-AFBE-FD7BAC1842B2}" type="slidenum">
+              <a:rPr lang="es-ES" smtClean="0"/>
+              <a:t>19</a:t>
+            </a:fld>
+            <a:endParaRPr lang="es-ES"/>
+          </a:p>
+        </p:txBody>
+      </p:sp>
+    </p:spTree>
+  </p:cSld>
+  <p:clrMapOvr>
+    <a:masterClrMapping/>
+  </p:clrMapOvr>
+</p:notes>
+</file>
+
+<file path=ppt/notesSlides/notesSlide2.xml><?xml version="1.0" encoding="utf-8"?>
+<p:notes xmlns:a="http://schemas.openxmlformats.org/drawingml/2006/main" xmlns:r="http://schemas.openxmlformats.org/officeDocument/2006/relationships" xmlns:p="http://schemas.openxmlformats.org/presentationml/2006/main">
+  <p:cSld>
+    <p:spTree>
+      <p:nvGrpSpPr>
+        <p:cNvPr id="1" name=""/>
+        <p:cNvGrpSpPr/>
+        <p:nvPr/>
+      </p:nvGrpSpPr>
+      <p:grpSpPr>
+        <a:xfrm>
+          <a:off x="0" y="0"/>
+          <a:ext cx="0" cy="0"/>
+          <a:chOff x="0" y="0"/>
+          <a:chExt cx="0" cy="0"/>
+        </a:xfrm>
+      </p:grpSpPr>
+      <p:sp>
+        <p:nvSpPr>
+          <p:cNvPr id="2" name="1 Marcador de imagen de diapositiva"/>
+          <p:cNvSpPr>
+            <a:spLocks noGrp="1" noRot="1" noChangeAspect="1"/>
+          </p:cNvSpPr>
+          <p:nvPr>
+            <p:ph type="sldImg"/>
+          </p:nvPr>
+        </p:nvSpPr>
+        <p:spPr/>
+      </p:sp>
+      <p:sp>
+        <p:nvSpPr>
+          <p:cNvPr id="3" name="2 Marcador de notas"/>
+          <p:cNvSpPr>
+            <a:spLocks noGrp="1"/>
+          </p:cNvSpPr>
+          <p:nvPr>
+            <p:ph type="body" idx="1"/>
+          </p:nvPr>
+        </p:nvSpPr>
+        <p:spPr/>
+        <p:txBody>
+          <a:bodyPr>
+            <a:normAutofit/>
+          </a:bodyPr>
+          <a:lstStyle/>
+          <a:p>
+            <a:pPr>
+              <a:buFont typeface="Arial" pitchFamily="34" charset="0"/>
+              <a:buChar char="•"/>
+            </a:pPr>
+            <a:r>
+              <a:rPr lang="es-ES" dirty="0" err="1" smtClean="0"/>
+              <a:t>Intro</a:t>
+            </a:r>
+            <a:r>
+              <a:rPr lang="es-ES" dirty="0" smtClean="0"/>
+              <a:t>: objetivos, contexto, procesos meteorológicos</a:t>
+            </a:r>
+          </a:p>
+          <a:p>
+            <a:pPr>
+              <a:buFont typeface="Arial" pitchFamily="34" charset="0"/>
+              <a:buChar char="•"/>
+            </a:pPr>
+            <a:r>
+              <a:rPr lang="es-ES" dirty="0" smtClean="0"/>
+              <a:t>Alcance: derivados de los objetivos</a:t>
+            </a:r>
+          </a:p>
+          <a:p>
+            <a:pPr>
+              <a:buFont typeface="Arial" pitchFamily="34" charset="0"/>
+              <a:buChar char="•"/>
+            </a:pPr>
+            <a:r>
+              <a:rPr lang="es-ES" dirty="0" smtClean="0"/>
+              <a:t>A&amp;D: enfoque y conceptos</a:t>
+            </a:r>
+            <a:r>
+              <a:rPr lang="es-ES" baseline="0" dirty="0" smtClean="0"/>
+              <a:t> generales</a:t>
+            </a:r>
+          </a:p>
+          <a:p>
+            <a:pPr>
+              <a:buFont typeface="Arial" pitchFamily="34" charset="0"/>
+              <a:buChar char="•"/>
+            </a:pPr>
+            <a:r>
+              <a:rPr lang="es-ES" dirty="0" smtClean="0"/>
+              <a:t>Planificación:</a:t>
+            </a:r>
+            <a:r>
+              <a:rPr lang="es-ES" baseline="0" dirty="0" smtClean="0"/>
+              <a:t> enfoque y visión de alto nivel</a:t>
+            </a:r>
+          </a:p>
+          <a:p>
+            <a:pPr>
+              <a:buFont typeface="Arial" pitchFamily="34" charset="0"/>
+              <a:buChar char="•"/>
+            </a:pPr>
+            <a:r>
+              <a:rPr lang="es-ES" baseline="0" dirty="0" smtClean="0"/>
+              <a:t>Demo</a:t>
+            </a:r>
+          </a:p>
+          <a:p>
+            <a:pPr>
+              <a:buFont typeface="Arial" pitchFamily="34" charset="0"/>
+              <a:buChar char="•"/>
+            </a:pPr>
+            <a:r>
+              <a:rPr lang="es-ES" baseline="0" dirty="0" smtClean="0"/>
+              <a:t>Análisis de código: demo</a:t>
+            </a:r>
+          </a:p>
+          <a:p>
+            <a:pPr>
+              <a:buFont typeface="Arial" pitchFamily="34" charset="0"/>
+              <a:buChar char="•"/>
+            </a:pPr>
+            <a:r>
+              <a:rPr lang="es-ES" baseline="0" dirty="0" smtClean="0"/>
+              <a:t>Conclusiones, más bien resumen</a:t>
+            </a:r>
+          </a:p>
+          <a:p>
+            <a:pPr>
+              <a:buFont typeface="Arial" pitchFamily="34" charset="0"/>
+              <a:buChar char="•"/>
+            </a:pPr>
+            <a:endParaRPr lang="es-ES" baseline="0" dirty="0" smtClean="0"/>
+          </a:p>
+          <a:p>
+            <a:pPr>
+              <a:buFont typeface="Arial" pitchFamily="34" charset="0"/>
+              <a:buChar char="•"/>
+            </a:pPr>
+            <a:r>
+              <a:rPr lang="es-ES" baseline="0" dirty="0" smtClean="0"/>
+              <a:t>Mayor detalle de todo en la memoria técnica</a:t>
+            </a:r>
+          </a:p>
+          <a:p>
+            <a:pPr>
+              <a:buFont typeface="Arial" pitchFamily="34" charset="0"/>
+              <a:buChar char="•"/>
+            </a:pPr>
+            <a:r>
+              <a:rPr lang="es-ES" baseline="0" dirty="0" smtClean="0"/>
+              <a:t>Abierto a preguntas durante la presentación</a:t>
+            </a:r>
+            <a:endParaRPr lang="es-ES" dirty="0"/>
+          </a:p>
+        </p:txBody>
+      </p:sp>
+      <p:sp>
+        <p:nvSpPr>
+          <p:cNvPr id="4" name="3 Marcador de número de diapositiva"/>
+          <p:cNvSpPr>
+            <a:spLocks noGrp="1"/>
+          </p:cNvSpPr>
+          <p:nvPr>
+            <p:ph type="sldNum" sz="quarter" idx="10"/>
+          </p:nvPr>
+        </p:nvSpPr>
+        <p:spPr/>
+        <p:txBody>
+          <a:bodyPr/>
+          <a:lstStyle/>
+          <a:p>
+            <a:fld id="{63A1F4E7-7A1C-4C54-AFBE-FD7BAC1842B2}" type="slidenum">
+              <a:rPr lang="es-ES" smtClean="0"/>
+              <a:t>2</a:t>
+            </a:fld>
+            <a:endParaRPr lang="es-ES"/>
+          </a:p>
+        </p:txBody>
+      </p:sp>
+    </p:spTree>
+  </p:cSld>
+  <p:clrMapOvr>
+    <a:masterClrMapping/>
+  </p:clrMapOvr>
+</p:notes>
+</file>
+
+<file path=ppt/notesSlides/notesSlide20.xml><?xml version="1.0" encoding="utf-8"?>
+<p:notes xmlns:a="http://schemas.openxmlformats.org/drawingml/2006/main" xmlns:r="http://schemas.openxmlformats.org/officeDocument/2006/relationships" xmlns:p="http://schemas.openxmlformats.org/presentationml/2006/main">
+  <p:cSld>
+    <p:spTree>
+      <p:nvGrpSpPr>
+        <p:cNvPr id="1" name=""/>
+        <p:cNvGrpSpPr/>
+        <p:nvPr/>
+      </p:nvGrpSpPr>
+      <p:grpSpPr>
+        <a:xfrm>
+          <a:off x="0" y="0"/>
+          <a:ext cx="0" cy="0"/>
+          <a:chOff x="0" y="0"/>
+          <a:chExt cx="0" cy="0"/>
+        </a:xfrm>
+      </p:grpSpPr>
+      <p:sp>
+        <p:nvSpPr>
+          <p:cNvPr id="2" name="1 Marcador de imagen de diapositiva"/>
+          <p:cNvSpPr>
+            <a:spLocks noGrp="1" noRot="1" noChangeAspect="1"/>
+          </p:cNvSpPr>
+          <p:nvPr>
+            <p:ph type="sldImg"/>
+          </p:nvPr>
+        </p:nvSpPr>
+        <p:spPr/>
+      </p:sp>
+      <p:sp>
+        <p:nvSpPr>
+          <p:cNvPr id="3" name="2 Marcador de notas"/>
+          <p:cNvSpPr>
+            <a:spLocks noGrp="1"/>
+          </p:cNvSpPr>
+          <p:nvPr>
+            <p:ph type="body" idx="1"/>
+          </p:nvPr>
+        </p:nvSpPr>
+        <p:spPr/>
+        <p:txBody>
+          <a:bodyPr>
+            <a:normAutofit/>
+          </a:bodyPr>
+          <a:lstStyle/>
+          <a:p>
+            <a:endParaRPr lang="es-ES"/>
+          </a:p>
+        </p:txBody>
+      </p:sp>
+      <p:sp>
+        <p:nvSpPr>
+          <p:cNvPr id="4" name="3 Marcador de número de diapositiva"/>
+          <p:cNvSpPr>
+            <a:spLocks noGrp="1"/>
+          </p:cNvSpPr>
+          <p:nvPr>
+            <p:ph type="sldNum" sz="quarter" idx="10"/>
+          </p:nvPr>
+        </p:nvSpPr>
+        <p:spPr/>
+        <p:txBody>
+          <a:bodyPr/>
+          <a:lstStyle/>
+          <a:p>
+            <a:fld id="{63A1F4E7-7A1C-4C54-AFBE-FD7BAC1842B2}" type="slidenum">
+              <a:rPr lang="es-ES" smtClean="0"/>
+              <a:t>20</a:t>
+            </a:fld>
+            <a:endParaRPr lang="es-ES"/>
+          </a:p>
+        </p:txBody>
+      </p:sp>
+    </p:spTree>
+  </p:cSld>
+  <p:clrMapOvr>
+    <a:masterClrMapping/>
+  </p:clrMapOvr>
+</p:notes>
+</file>
+
+<file path=ppt/notesSlides/notesSlide21.xml><?xml version="1.0" encoding="utf-8"?>
+<p:notes xmlns:a="http://schemas.openxmlformats.org/drawingml/2006/main" xmlns:r="http://schemas.openxmlformats.org/officeDocument/2006/relationships" xmlns:p="http://schemas.openxmlformats.org/presentationml/2006/main">
+  <p:cSld>
+    <p:spTree>
+      <p:nvGrpSpPr>
+        <p:cNvPr id="1" name=""/>
+        <p:cNvGrpSpPr/>
+        <p:nvPr/>
+      </p:nvGrpSpPr>
+      <p:grpSpPr>
+        <a:xfrm>
+          <a:off x="0" y="0"/>
+          <a:ext cx="0" cy="0"/>
+          <a:chOff x="0" y="0"/>
+          <a:chExt cx="0" cy="0"/>
+        </a:xfrm>
+      </p:grpSpPr>
+      <p:sp>
+        <p:nvSpPr>
+          <p:cNvPr id="2" name="1 Marcador de imagen de diapositiva"/>
+          <p:cNvSpPr>
+            <a:spLocks noGrp="1" noRot="1" noChangeAspect="1"/>
+          </p:cNvSpPr>
+          <p:nvPr>
+            <p:ph type="sldImg"/>
+          </p:nvPr>
+        </p:nvSpPr>
+        <p:spPr/>
+      </p:sp>
+      <p:sp>
+        <p:nvSpPr>
+          <p:cNvPr id="3" name="2 Marcador de notas"/>
+          <p:cNvSpPr>
+            <a:spLocks noGrp="1"/>
+          </p:cNvSpPr>
+          <p:nvPr>
+            <p:ph type="body" idx="1"/>
+          </p:nvPr>
+        </p:nvSpPr>
+        <p:spPr/>
+        <p:txBody>
+          <a:bodyPr>
+            <a:normAutofit/>
+          </a:bodyPr>
+          <a:lstStyle/>
+          <a:p>
+            <a:endParaRPr lang="es-ES"/>
+          </a:p>
+        </p:txBody>
+      </p:sp>
+      <p:sp>
+        <p:nvSpPr>
+          <p:cNvPr id="4" name="3 Marcador de número de diapositiva"/>
+          <p:cNvSpPr>
+            <a:spLocks noGrp="1"/>
+          </p:cNvSpPr>
+          <p:nvPr>
+            <p:ph type="sldNum" sz="quarter" idx="10"/>
+          </p:nvPr>
+        </p:nvSpPr>
+        <p:spPr/>
+        <p:txBody>
+          <a:bodyPr/>
+          <a:lstStyle/>
+          <a:p>
+            <a:fld id="{63A1F4E7-7A1C-4C54-AFBE-FD7BAC1842B2}" type="slidenum">
+              <a:rPr lang="es-ES" smtClean="0"/>
+              <a:t>21</a:t>
+            </a:fld>
+            <a:endParaRPr lang="es-ES"/>
+          </a:p>
+        </p:txBody>
+      </p:sp>
+    </p:spTree>
+  </p:cSld>
+  <p:clrMapOvr>
+    <a:masterClrMapping/>
+  </p:clrMapOvr>
+</p:notes>
+</file>
+
+<file path=ppt/notesSlides/notesSlide22.xml><?xml version="1.0" encoding="utf-8"?>
+<p:notes xmlns:a="http://schemas.openxmlformats.org/drawingml/2006/main" xmlns:r="http://schemas.openxmlformats.org/officeDocument/2006/relationships" xmlns:p="http://schemas.openxmlformats.org/presentationml/2006/main">
+  <p:cSld>
+    <p:spTree>
+      <p:nvGrpSpPr>
+        <p:cNvPr id="1" name=""/>
+        <p:cNvGrpSpPr/>
+        <p:nvPr/>
+      </p:nvGrpSpPr>
+      <p:grpSpPr>
+        <a:xfrm>
+          <a:off x="0" y="0"/>
+          <a:ext cx="0" cy="0"/>
+          <a:chOff x="0" y="0"/>
+          <a:chExt cx="0" cy="0"/>
+        </a:xfrm>
+      </p:grpSpPr>
+      <p:sp>
+        <p:nvSpPr>
+          <p:cNvPr id="2" name="1 Marcador de imagen de diapositiva"/>
+          <p:cNvSpPr>
+            <a:spLocks noGrp="1" noRot="1" noChangeAspect="1"/>
+          </p:cNvSpPr>
+          <p:nvPr>
+            <p:ph type="sldImg"/>
+          </p:nvPr>
+        </p:nvSpPr>
+        <p:spPr/>
+      </p:sp>
+      <p:sp>
+        <p:nvSpPr>
+          <p:cNvPr id="3" name="2 Marcador de notas"/>
+          <p:cNvSpPr>
+            <a:spLocks noGrp="1"/>
+          </p:cNvSpPr>
+          <p:nvPr>
+            <p:ph type="body" idx="1"/>
+          </p:nvPr>
+        </p:nvSpPr>
+        <p:spPr/>
+        <p:txBody>
+          <a:bodyPr>
+            <a:normAutofit/>
+          </a:bodyPr>
+          <a:lstStyle/>
+          <a:p>
+            <a:endParaRPr lang="es-ES"/>
+          </a:p>
+        </p:txBody>
+      </p:sp>
+      <p:sp>
+        <p:nvSpPr>
+          <p:cNvPr id="4" name="3 Marcador de número de diapositiva"/>
+          <p:cNvSpPr>
+            <a:spLocks noGrp="1"/>
+          </p:cNvSpPr>
+          <p:nvPr>
+            <p:ph type="sldNum" sz="quarter" idx="10"/>
+          </p:nvPr>
+        </p:nvSpPr>
+        <p:spPr/>
+        <p:txBody>
+          <a:bodyPr/>
+          <a:lstStyle/>
+          <a:p>
+            <a:fld id="{63A1F4E7-7A1C-4C54-AFBE-FD7BAC1842B2}" type="slidenum">
+              <a:rPr lang="es-ES" smtClean="0"/>
+              <a:t>22</a:t>
+            </a:fld>
+            <a:endParaRPr lang="es-ES"/>
+          </a:p>
+        </p:txBody>
+      </p:sp>
+    </p:spTree>
+  </p:cSld>
+  <p:clrMapOvr>
+    <a:masterClrMapping/>
+  </p:clrMapOvr>
+</p:notes>
+</file>
+
+<file path=ppt/notesSlides/notesSlide23.xml><?xml version="1.0" encoding="utf-8"?>
+<p:notes xmlns:a="http://schemas.openxmlformats.org/drawingml/2006/main" xmlns:r="http://schemas.openxmlformats.org/officeDocument/2006/relationships" xmlns:p="http://schemas.openxmlformats.org/presentationml/2006/main">
+  <p:cSld>
+    <p:spTree>
+      <p:nvGrpSpPr>
+        <p:cNvPr id="1" name=""/>
+        <p:cNvGrpSpPr/>
+        <p:nvPr/>
+      </p:nvGrpSpPr>
+      <p:grpSpPr>
+        <a:xfrm>
+          <a:off x="0" y="0"/>
+          <a:ext cx="0" cy="0"/>
+          <a:chOff x="0" y="0"/>
+          <a:chExt cx="0" cy="0"/>
+        </a:xfrm>
+      </p:grpSpPr>
+      <p:sp>
+        <p:nvSpPr>
+          <p:cNvPr id="2" name="1 Marcador de imagen de diapositiva"/>
+          <p:cNvSpPr>
+            <a:spLocks noGrp="1" noRot="1" noChangeAspect="1"/>
+          </p:cNvSpPr>
+          <p:nvPr>
+            <p:ph type="sldImg"/>
+          </p:nvPr>
+        </p:nvSpPr>
+        <p:spPr/>
+      </p:sp>
+      <p:sp>
+        <p:nvSpPr>
+          <p:cNvPr id="3" name="2 Marcador de notas"/>
+          <p:cNvSpPr>
+            <a:spLocks noGrp="1"/>
+          </p:cNvSpPr>
+          <p:nvPr>
+            <p:ph type="body" idx="1"/>
+          </p:nvPr>
+        </p:nvSpPr>
+        <p:spPr/>
+        <p:txBody>
+          <a:bodyPr>
+            <a:normAutofit/>
+          </a:bodyPr>
+          <a:lstStyle/>
+          <a:p>
+            <a:endParaRPr lang="es-ES"/>
+          </a:p>
+        </p:txBody>
+      </p:sp>
+      <p:sp>
+        <p:nvSpPr>
+          <p:cNvPr id="4" name="3 Marcador de número de diapositiva"/>
+          <p:cNvSpPr>
+            <a:spLocks noGrp="1"/>
+          </p:cNvSpPr>
+          <p:nvPr>
+            <p:ph type="sldNum" sz="quarter" idx="10"/>
+          </p:nvPr>
+        </p:nvSpPr>
+        <p:spPr/>
+        <p:txBody>
+          <a:bodyPr/>
+          <a:lstStyle/>
+          <a:p>
+            <a:fld id="{63A1F4E7-7A1C-4C54-AFBE-FD7BAC1842B2}" type="slidenum">
+              <a:rPr lang="es-ES" smtClean="0"/>
+              <a:t>23</a:t>
+            </a:fld>
+            <a:endParaRPr lang="es-ES"/>
+          </a:p>
+        </p:txBody>
+      </p:sp>
+    </p:spTree>
+  </p:cSld>
+  <p:clrMapOvr>
+    <a:masterClrMapping/>
+  </p:clrMapOvr>
+</p:notes>
+</file>
+
+<file path=ppt/notesSlides/notesSlide24.xml><?xml version="1.0" encoding="utf-8"?>
+<p:notes xmlns:a="http://schemas.openxmlformats.org/drawingml/2006/main" xmlns:r="http://schemas.openxmlformats.org/officeDocument/2006/relationships" xmlns:p="http://schemas.openxmlformats.org/presentationml/2006/main">
+  <p:cSld>
+    <p:spTree>
+      <p:nvGrpSpPr>
+        <p:cNvPr id="1" name=""/>
+        <p:cNvGrpSpPr/>
+        <p:nvPr/>
+      </p:nvGrpSpPr>
+      <p:grpSpPr>
+        <a:xfrm>
+          <a:off x="0" y="0"/>
+          <a:ext cx="0" cy="0"/>
+          <a:chOff x="0" y="0"/>
+          <a:chExt cx="0" cy="0"/>
+        </a:xfrm>
+      </p:grpSpPr>
+      <p:sp>
+        <p:nvSpPr>
+          <p:cNvPr id="2" name="1 Marcador de imagen de diapositiva"/>
+          <p:cNvSpPr>
+            <a:spLocks noGrp="1" noRot="1" noChangeAspect="1"/>
+          </p:cNvSpPr>
+          <p:nvPr>
+            <p:ph type="sldImg"/>
+          </p:nvPr>
+        </p:nvSpPr>
+        <p:spPr/>
+      </p:sp>
+      <p:sp>
+        <p:nvSpPr>
+          <p:cNvPr id="3" name="2 Marcador de notas"/>
+          <p:cNvSpPr>
+            <a:spLocks noGrp="1"/>
+          </p:cNvSpPr>
+          <p:nvPr>
+            <p:ph type="body" idx="1"/>
+          </p:nvPr>
+        </p:nvSpPr>
+        <p:spPr/>
+        <p:txBody>
+          <a:bodyPr>
+            <a:normAutofit/>
+          </a:bodyPr>
+          <a:lstStyle/>
+          <a:p>
+            <a:endParaRPr lang="es-ES"/>
+          </a:p>
+        </p:txBody>
+      </p:sp>
+      <p:sp>
+        <p:nvSpPr>
+          <p:cNvPr id="4" name="3 Marcador de número de diapositiva"/>
+          <p:cNvSpPr>
+            <a:spLocks noGrp="1"/>
+          </p:cNvSpPr>
+          <p:nvPr>
+            <p:ph type="sldNum" sz="quarter" idx="10"/>
+          </p:nvPr>
+        </p:nvSpPr>
+        <p:spPr/>
+        <p:txBody>
+          <a:bodyPr/>
+          <a:lstStyle/>
+          <a:p>
+            <a:fld id="{63A1F4E7-7A1C-4C54-AFBE-FD7BAC1842B2}" type="slidenum">
+              <a:rPr lang="es-ES" smtClean="0"/>
+              <a:t>24</a:t>
+            </a:fld>
+            <a:endParaRPr lang="es-ES"/>
+          </a:p>
+        </p:txBody>
+      </p:sp>
+    </p:spTree>
+  </p:cSld>
+  <p:clrMapOvr>
+    <a:masterClrMapping/>
+  </p:clrMapOvr>
+</p:notes>
+</file>
+
+<file path=ppt/notesSlides/notesSlide25.xml><?xml version="1.0" encoding="utf-8"?>
+<p:notes xmlns:a="http://schemas.openxmlformats.org/drawingml/2006/main" xmlns:r="http://schemas.openxmlformats.org/officeDocument/2006/relationships" xmlns:p="http://schemas.openxmlformats.org/presentationml/2006/main">
+  <p:cSld>
+    <p:spTree>
+      <p:nvGrpSpPr>
+        <p:cNvPr id="1" name=""/>
+        <p:cNvGrpSpPr/>
+        <p:nvPr/>
+      </p:nvGrpSpPr>
+      <p:grpSpPr>
+        <a:xfrm>
+          <a:off x="0" y="0"/>
+          <a:ext cx="0" cy="0"/>
+          <a:chOff x="0" y="0"/>
+          <a:chExt cx="0" cy="0"/>
+        </a:xfrm>
+      </p:grpSpPr>
+      <p:sp>
+        <p:nvSpPr>
+          <p:cNvPr id="2" name="1 Marcador de imagen de diapositiva"/>
+          <p:cNvSpPr>
+            <a:spLocks noGrp="1" noRot="1" noChangeAspect="1"/>
+          </p:cNvSpPr>
+          <p:nvPr>
+            <p:ph type="sldImg"/>
+          </p:nvPr>
+        </p:nvSpPr>
+        <p:spPr/>
+      </p:sp>
+      <p:sp>
+        <p:nvSpPr>
+          <p:cNvPr id="3" name="2 Marcador de notas"/>
+          <p:cNvSpPr>
+            <a:spLocks noGrp="1"/>
+          </p:cNvSpPr>
+          <p:nvPr>
+            <p:ph type="body" idx="1"/>
+          </p:nvPr>
+        </p:nvSpPr>
+        <p:spPr/>
+        <p:txBody>
+          <a:bodyPr>
+            <a:normAutofit/>
+          </a:bodyPr>
+          <a:lstStyle/>
+          <a:p>
+            <a:endParaRPr lang="es-ES"/>
+          </a:p>
+        </p:txBody>
+      </p:sp>
+      <p:sp>
+        <p:nvSpPr>
+          <p:cNvPr id="4" name="3 Marcador de número de diapositiva"/>
+          <p:cNvSpPr>
+            <a:spLocks noGrp="1"/>
+          </p:cNvSpPr>
+          <p:nvPr>
+            <p:ph type="sldNum" sz="quarter" idx="10"/>
+          </p:nvPr>
+        </p:nvSpPr>
+        <p:spPr/>
+        <p:txBody>
+          <a:bodyPr/>
+          <a:lstStyle/>
+          <a:p>
+            <a:fld id="{63A1F4E7-7A1C-4C54-AFBE-FD7BAC1842B2}" type="slidenum">
+              <a:rPr lang="es-ES" smtClean="0"/>
+              <a:t>25</a:t>
+            </a:fld>
+            <a:endParaRPr lang="es-ES"/>
+          </a:p>
+        </p:txBody>
+      </p:sp>
+    </p:spTree>
+  </p:cSld>
+  <p:clrMapOvr>
+    <a:masterClrMapping/>
+  </p:clrMapOvr>
+</p:notes>
+</file>
+
+<file path=ppt/notesSlides/notesSlide26.xml><?xml version="1.0" encoding="utf-8"?>
+<p:notes xmlns:a="http://schemas.openxmlformats.org/drawingml/2006/main" xmlns:r="http://schemas.openxmlformats.org/officeDocument/2006/relationships" xmlns:p="http://schemas.openxmlformats.org/presentationml/2006/main">
+  <p:cSld>
+    <p:spTree>
+      <p:nvGrpSpPr>
+        <p:cNvPr id="1" name=""/>
+        <p:cNvGrpSpPr/>
+        <p:nvPr/>
+      </p:nvGrpSpPr>
+      <p:grpSpPr>
+        <a:xfrm>
+          <a:off x="0" y="0"/>
+          <a:ext cx="0" cy="0"/>
+          <a:chOff x="0" y="0"/>
+          <a:chExt cx="0" cy="0"/>
+        </a:xfrm>
+      </p:grpSpPr>
+      <p:sp>
+        <p:nvSpPr>
+          <p:cNvPr id="2" name="1 Marcador de imagen de diapositiva"/>
+          <p:cNvSpPr>
+            <a:spLocks noGrp="1" noRot="1" noChangeAspect="1"/>
+          </p:cNvSpPr>
+          <p:nvPr>
+            <p:ph type="sldImg"/>
+          </p:nvPr>
+        </p:nvSpPr>
+        <p:spPr/>
+      </p:sp>
+      <p:sp>
+        <p:nvSpPr>
+          <p:cNvPr id="3" name="2 Marcador de notas"/>
+          <p:cNvSpPr>
+            <a:spLocks noGrp="1"/>
+          </p:cNvSpPr>
+          <p:nvPr>
+            <p:ph type="body" idx="1"/>
+          </p:nvPr>
+        </p:nvSpPr>
+        <p:spPr/>
+        <p:txBody>
+          <a:bodyPr>
+            <a:normAutofit/>
+          </a:bodyPr>
+          <a:lstStyle/>
+          <a:p>
+            <a:endParaRPr lang="es-ES"/>
+          </a:p>
+        </p:txBody>
+      </p:sp>
+      <p:sp>
+        <p:nvSpPr>
+          <p:cNvPr id="4" name="3 Marcador de número de diapositiva"/>
+          <p:cNvSpPr>
+            <a:spLocks noGrp="1"/>
+          </p:cNvSpPr>
+          <p:nvPr>
+            <p:ph type="sldNum" sz="quarter" idx="10"/>
+          </p:nvPr>
+        </p:nvSpPr>
+        <p:spPr/>
+        <p:txBody>
+          <a:bodyPr/>
+          <a:lstStyle/>
+          <a:p>
+            <a:fld id="{63A1F4E7-7A1C-4C54-AFBE-FD7BAC1842B2}" type="slidenum">
+              <a:rPr lang="es-ES" smtClean="0"/>
+              <a:t>26</a:t>
+            </a:fld>
+            <a:endParaRPr lang="es-ES"/>
+          </a:p>
+        </p:txBody>
+      </p:sp>
+    </p:spTree>
+  </p:cSld>
+  <p:clrMapOvr>
+    <a:masterClrMapping/>
+  </p:clrMapOvr>
+</p:notes>
+</file>
+
+<file path=ppt/notesSlides/notesSlide27.xml><?xml version="1.0" encoding="utf-8"?>
+<p:notes xmlns:a="http://schemas.openxmlformats.org/drawingml/2006/main" xmlns:r="http://schemas.openxmlformats.org/officeDocument/2006/relationships" xmlns:p="http://schemas.openxmlformats.org/presentationml/2006/main">
+  <p:cSld>
+    <p:spTree>
+      <p:nvGrpSpPr>
+        <p:cNvPr id="1" name=""/>
+        <p:cNvGrpSpPr/>
+        <p:nvPr/>
+      </p:nvGrpSpPr>
+      <p:grpSpPr>
+        <a:xfrm>
+          <a:off x="0" y="0"/>
+          <a:ext cx="0" cy="0"/>
+          <a:chOff x="0" y="0"/>
+          <a:chExt cx="0" cy="0"/>
+        </a:xfrm>
+      </p:grpSpPr>
+      <p:sp>
+        <p:nvSpPr>
+          <p:cNvPr id="2" name="1 Marcador de imagen de diapositiva"/>
+          <p:cNvSpPr>
+            <a:spLocks noGrp="1" noRot="1" noChangeAspect="1"/>
+          </p:cNvSpPr>
+          <p:nvPr>
+            <p:ph type="sldImg"/>
+          </p:nvPr>
+        </p:nvSpPr>
+        <p:spPr/>
+      </p:sp>
+      <p:sp>
+        <p:nvSpPr>
+          <p:cNvPr id="3" name="2 Marcador de notas"/>
+          <p:cNvSpPr>
+            <a:spLocks noGrp="1"/>
+          </p:cNvSpPr>
+          <p:nvPr>
+            <p:ph type="body" idx="1"/>
+          </p:nvPr>
+        </p:nvSpPr>
+        <p:spPr/>
+        <p:txBody>
+          <a:bodyPr>
+            <a:normAutofit/>
+          </a:bodyPr>
+          <a:lstStyle/>
+          <a:p>
+            <a:pPr marL="0" marR="0" indent="0" algn="l" defTabSz="914400" rtl="0" eaLnBrk="1" fontAlgn="auto" latinLnBrk="0" hangingPunct="1">
+              <a:lnSpc>
+                <a:spcPct val="100000"/>
+              </a:lnSpc>
+              <a:spcBef>
+                <a:spcPts val="0"/>
+              </a:spcBef>
+              <a:spcAft>
+                <a:spcPts val="0"/>
+              </a:spcAft>
+              <a:buClrTx/>
+              <a:buSzTx/>
+              <a:buFontTx/>
+              <a:buNone/>
+              <a:tabLst/>
+              <a:defRPr/>
+            </a:pPr>
+            <a:r>
+              <a:rPr lang="es-ES" sz="1200" b="0" kern="1200" dirty="0" smtClean="0">
+                <a:solidFill>
+                  <a:schemeClr val="tx1"/>
+                </a:solidFill>
+                <a:latin typeface="+mn-lt"/>
+                <a:ea typeface="+mn-ea"/>
+                <a:cs typeface="+mn-cs"/>
+              </a:rPr>
+              <a:t>Como ejercicio adicional, además de como práctica estrictamente útil durante el desarrollo del proyecto, se ha integrado el código en una herramienta de análisis de calidad del mismo, en este caso </a:t>
+            </a:r>
+            <a:r>
+              <a:rPr lang="es-ES" sz="1200" b="0" kern="1200" dirty="0" err="1" smtClean="0">
+                <a:solidFill>
+                  <a:schemeClr val="tx1"/>
+                </a:solidFill>
+                <a:latin typeface="+mn-lt"/>
+                <a:ea typeface="+mn-ea"/>
+                <a:cs typeface="+mn-cs"/>
+              </a:rPr>
+              <a:t>SonarQube</a:t>
+            </a:r>
+            <a:r>
+              <a:rPr lang="es-ES" sz="1200" b="0" kern="1200" dirty="0" smtClean="0">
+                <a:solidFill>
+                  <a:schemeClr val="tx1"/>
+                </a:solidFill>
+                <a:latin typeface="+mn-lt"/>
+                <a:ea typeface="+mn-ea"/>
+                <a:cs typeface="+mn-cs"/>
+              </a:rPr>
+              <a:t>.</a:t>
+            </a:r>
+          </a:p>
+          <a:p>
+            <a:pPr marL="0" marR="0" indent="0" algn="l" defTabSz="914400" rtl="0" eaLnBrk="1" fontAlgn="auto" latinLnBrk="0" hangingPunct="1">
+              <a:lnSpc>
+                <a:spcPct val="100000"/>
+              </a:lnSpc>
+              <a:spcBef>
+                <a:spcPts val="0"/>
+              </a:spcBef>
+              <a:spcAft>
+                <a:spcPts val="0"/>
+              </a:spcAft>
+              <a:buClrTx/>
+              <a:buSzTx/>
+              <a:buFont typeface="Arial" pitchFamily="34" charset="0"/>
+              <a:buChar char="•"/>
+              <a:tabLst/>
+              <a:defRPr/>
+            </a:pPr>
+            <a:r>
+              <a:rPr lang="es-ES" sz="1200" b="0" kern="1200" dirty="0" smtClean="0">
+                <a:solidFill>
+                  <a:schemeClr val="tx1"/>
+                </a:solidFill>
+                <a:latin typeface="+mn-lt"/>
+                <a:ea typeface="+mn-ea"/>
+                <a:cs typeface="+mn-cs"/>
+              </a:rPr>
+              <a:t>Se proporcionan una serie de métricas para dar idea del tamaño del Sistema en términos de: líneas totales y  líneas de código; ficheros y clases; funciones, comandos y métodos.</a:t>
+            </a:r>
+          </a:p>
+          <a:p>
+            <a:pPr marL="0" marR="0" indent="0" algn="l" defTabSz="914400" rtl="0" eaLnBrk="1" fontAlgn="auto" latinLnBrk="0" hangingPunct="1">
+              <a:lnSpc>
+                <a:spcPct val="100000"/>
+              </a:lnSpc>
+              <a:spcBef>
+                <a:spcPts val="0"/>
+              </a:spcBef>
+              <a:spcAft>
+                <a:spcPts val="0"/>
+              </a:spcAft>
+              <a:buClrTx/>
+              <a:buSzTx/>
+              <a:buFont typeface="Arial" pitchFamily="34" charset="0"/>
+              <a:buChar char="•"/>
+              <a:tabLst/>
+              <a:defRPr/>
+            </a:pPr>
+            <a:r>
+              <a:rPr lang="es-ES" sz="1200" b="0" kern="1200" dirty="0" smtClean="0">
+                <a:solidFill>
+                  <a:schemeClr val="tx1"/>
+                </a:solidFill>
+                <a:latin typeface="+mn-lt"/>
+                <a:ea typeface="+mn-ea"/>
+                <a:cs typeface="+mn-cs"/>
+              </a:rPr>
+              <a:t>va a registrar una serie de incumplimientos que, en mayor o menor medida, deberían ser revisados. El porcentaje de incumplimientos respecto al volumen del proyecto nos dará unos indicadores de calidad</a:t>
+            </a:r>
+          </a:p>
+          <a:p>
+            <a:pPr marL="0" marR="0" indent="0" algn="l" defTabSz="914400" rtl="0" eaLnBrk="1" fontAlgn="auto" latinLnBrk="0" hangingPunct="1">
+              <a:lnSpc>
+                <a:spcPct val="100000"/>
+              </a:lnSpc>
+              <a:spcBef>
+                <a:spcPts val="0"/>
+              </a:spcBef>
+              <a:spcAft>
+                <a:spcPts val="0"/>
+              </a:spcAft>
+              <a:buClrTx/>
+              <a:buSzTx/>
+              <a:buFont typeface="Arial" pitchFamily="34" charset="0"/>
+              <a:buChar char="•"/>
+              <a:tabLst/>
+              <a:defRPr/>
+            </a:pPr>
+            <a:r>
+              <a:rPr lang="es-ES" sz="1200" b="0" kern="1200" dirty="0" smtClean="0">
+                <a:solidFill>
+                  <a:schemeClr val="tx1"/>
+                </a:solidFill>
+                <a:latin typeface="+mn-lt"/>
+                <a:ea typeface="+mn-ea"/>
+                <a:cs typeface="+mn-cs"/>
+              </a:rPr>
+              <a:t>El índice de dependencias cruzadas indica cómo las clases y paquetes desarrollados dependen unos de otros, y si estas dependencias se dirigen en un único sentido lineal (la situación ideal) o si existe algún tipo de cruce o incluso ciclo (situación que debe mantenerse bajo control).</a:t>
+            </a:r>
+          </a:p>
+          <a:p>
+            <a:pPr marL="0" marR="0" indent="0" algn="l" defTabSz="914400" rtl="0" eaLnBrk="1" fontAlgn="auto" latinLnBrk="0" hangingPunct="1">
+              <a:lnSpc>
+                <a:spcPct val="100000"/>
+              </a:lnSpc>
+              <a:spcBef>
+                <a:spcPts val="0"/>
+              </a:spcBef>
+              <a:spcAft>
+                <a:spcPts val="0"/>
+              </a:spcAft>
+              <a:buClrTx/>
+              <a:buSzTx/>
+              <a:buFont typeface="Arial" pitchFamily="34" charset="0"/>
+              <a:buChar char="•"/>
+              <a:tabLst/>
+              <a:defRPr/>
+            </a:pPr>
+            <a:r>
+              <a:rPr lang="es-ES" sz="1200" b="0" kern="1200" dirty="0" smtClean="0">
+                <a:solidFill>
+                  <a:schemeClr val="tx1"/>
+                </a:solidFill>
+                <a:latin typeface="+mn-lt"/>
+                <a:ea typeface="+mn-ea"/>
+                <a:cs typeface="+mn-cs"/>
+              </a:rPr>
+              <a:t>Indicador de complejidad ciclomática de funciones y clases</a:t>
+            </a:r>
+          </a:p>
+          <a:p>
+            <a:pPr marL="0" marR="0" indent="0" algn="l" defTabSz="914400" rtl="0" eaLnBrk="1" fontAlgn="auto" latinLnBrk="0" hangingPunct="1">
+              <a:lnSpc>
+                <a:spcPct val="100000"/>
+              </a:lnSpc>
+              <a:spcBef>
+                <a:spcPts val="0"/>
+              </a:spcBef>
+              <a:spcAft>
+                <a:spcPts val="0"/>
+              </a:spcAft>
+              <a:buClrTx/>
+              <a:buSzTx/>
+              <a:buFont typeface="Arial" pitchFamily="34" charset="0"/>
+              <a:buChar char="•"/>
+              <a:tabLst/>
+              <a:defRPr/>
+            </a:pPr>
+            <a:r>
+              <a:rPr lang="es-ES" sz="1200" b="0" kern="1200" dirty="0" smtClean="0">
+                <a:solidFill>
+                  <a:schemeClr val="tx1"/>
+                </a:solidFill>
+                <a:latin typeface="+mn-lt"/>
+                <a:ea typeface="+mn-ea"/>
+                <a:cs typeface="+mn-cs"/>
+              </a:rPr>
+              <a:t>Existe un desglose según diferentes parámetros de los incumplimientos detectados</a:t>
+            </a:r>
+          </a:p>
+          <a:p>
+            <a:pPr marL="0" marR="0" indent="0" algn="l" defTabSz="914400" rtl="0" eaLnBrk="1" fontAlgn="auto" latinLnBrk="0" hangingPunct="1">
+              <a:lnSpc>
+                <a:spcPct val="100000"/>
+              </a:lnSpc>
+              <a:spcBef>
+                <a:spcPts val="0"/>
+              </a:spcBef>
+              <a:spcAft>
+                <a:spcPts val="0"/>
+              </a:spcAft>
+              <a:buClrTx/>
+              <a:buSzTx/>
+              <a:buFont typeface="Arial" pitchFamily="34" charset="0"/>
+              <a:buChar char="•"/>
+              <a:tabLst/>
+              <a:defRPr/>
+            </a:pPr>
+            <a:r>
+              <a:rPr lang="es-ES" sz="1200" b="0" kern="1200" dirty="0" smtClean="0">
+                <a:solidFill>
+                  <a:schemeClr val="tx1"/>
+                </a:solidFill>
+                <a:latin typeface="+mn-lt"/>
+                <a:ea typeface="+mn-ea"/>
+                <a:cs typeface="+mn-cs"/>
+              </a:rPr>
+              <a:t>se puede identificar la línea concreta del código donde se detecta</a:t>
+            </a:r>
+          </a:p>
+          <a:p>
+            <a:pPr marL="0" marR="0" indent="0" algn="l" defTabSz="914400" rtl="0" eaLnBrk="1" fontAlgn="auto" latinLnBrk="0" hangingPunct="1">
+              <a:lnSpc>
+                <a:spcPct val="100000"/>
+              </a:lnSpc>
+              <a:spcBef>
+                <a:spcPts val="0"/>
+              </a:spcBef>
+              <a:spcAft>
+                <a:spcPts val="0"/>
+              </a:spcAft>
+              <a:buClrTx/>
+              <a:buSzTx/>
+              <a:buFontTx/>
+              <a:buNone/>
+              <a:tabLst/>
+              <a:defRPr/>
+            </a:pPr>
+            <a:endParaRPr lang="es-ES" sz="1200" b="0" kern="1200" dirty="0" smtClean="0">
+              <a:solidFill>
+                <a:schemeClr val="tx1"/>
+              </a:solidFill>
+              <a:latin typeface="+mn-lt"/>
+              <a:ea typeface="+mn-ea"/>
+              <a:cs typeface="+mn-cs"/>
+            </a:endParaRPr>
+          </a:p>
+          <a:p>
+            <a:pPr algn="ctr"/>
+            <a:endParaRPr lang="es-ES" dirty="0"/>
+          </a:p>
+        </p:txBody>
+      </p:sp>
+      <p:sp>
+        <p:nvSpPr>
+          <p:cNvPr id="4" name="3 Marcador de número de diapositiva"/>
+          <p:cNvSpPr>
+            <a:spLocks noGrp="1"/>
+          </p:cNvSpPr>
+          <p:nvPr>
+            <p:ph type="sldNum" sz="quarter" idx="10"/>
+          </p:nvPr>
+        </p:nvSpPr>
+        <p:spPr/>
+        <p:txBody>
+          <a:bodyPr/>
+          <a:lstStyle/>
+          <a:p>
+            <a:fld id="{63A1F4E7-7A1C-4C54-AFBE-FD7BAC1842B2}" type="slidenum">
+              <a:rPr lang="es-ES" smtClean="0"/>
+              <a:t>27</a:t>
+            </a:fld>
+            <a:endParaRPr lang="es-ES"/>
+          </a:p>
+        </p:txBody>
+      </p:sp>
+    </p:spTree>
+  </p:cSld>
+  <p:clrMapOvr>
+    <a:masterClrMapping/>
+  </p:clrMapOvr>
+</p:notes>
+</file>
+
+<file path=ppt/notesSlides/notesSlide28.xml><?xml version="1.0" encoding="utf-8"?>
+<p:notes xmlns:a="http://schemas.openxmlformats.org/drawingml/2006/main" xmlns:r="http://schemas.openxmlformats.org/officeDocument/2006/relationships" xmlns:p="http://schemas.openxmlformats.org/presentationml/2006/main">
+  <p:cSld>
+    <p:spTree>
+      <p:nvGrpSpPr>
+        <p:cNvPr id="1" name=""/>
+        <p:cNvGrpSpPr/>
+        <p:nvPr/>
+      </p:nvGrpSpPr>
+      <p:grpSpPr>
+        <a:xfrm>
+          <a:off x="0" y="0"/>
+          <a:ext cx="0" cy="0"/>
+          <a:chOff x="0" y="0"/>
+          <a:chExt cx="0" cy="0"/>
+        </a:xfrm>
+      </p:grpSpPr>
+      <p:sp>
+        <p:nvSpPr>
+          <p:cNvPr id="2" name="1 Marcador de imagen de diapositiva"/>
+          <p:cNvSpPr>
+            <a:spLocks noGrp="1" noRot="1" noChangeAspect="1"/>
+          </p:cNvSpPr>
+          <p:nvPr>
+            <p:ph type="sldImg"/>
+          </p:nvPr>
+        </p:nvSpPr>
+        <p:spPr/>
+      </p:sp>
+      <p:sp>
+        <p:nvSpPr>
+          <p:cNvPr id="3" name="2 Marcador de notas"/>
+          <p:cNvSpPr>
+            <a:spLocks noGrp="1"/>
+          </p:cNvSpPr>
+          <p:nvPr>
+            <p:ph type="body" idx="1"/>
+          </p:nvPr>
+        </p:nvSpPr>
+        <p:spPr/>
+        <p:txBody>
+          <a:bodyPr>
+            <a:normAutofit/>
+          </a:bodyPr>
+          <a:lstStyle/>
+          <a:p>
+            <a:endParaRPr lang="es-ES"/>
+          </a:p>
+        </p:txBody>
+      </p:sp>
+      <p:sp>
+        <p:nvSpPr>
+          <p:cNvPr id="4" name="3 Marcador de número de diapositiva"/>
+          <p:cNvSpPr>
+            <a:spLocks noGrp="1"/>
+          </p:cNvSpPr>
+          <p:nvPr>
+            <p:ph type="sldNum" sz="quarter" idx="10"/>
+          </p:nvPr>
+        </p:nvSpPr>
+        <p:spPr/>
+        <p:txBody>
+          <a:bodyPr/>
+          <a:lstStyle/>
+          <a:p>
+            <a:fld id="{63A1F4E7-7A1C-4C54-AFBE-FD7BAC1842B2}" type="slidenum">
+              <a:rPr lang="es-ES" smtClean="0"/>
+              <a:t>28</a:t>
+            </a:fld>
+            <a:endParaRPr lang="es-ES"/>
+          </a:p>
+        </p:txBody>
+      </p:sp>
+    </p:spTree>
+  </p:cSld>
+  <p:clrMapOvr>
+    <a:masterClrMapping/>
+  </p:clrMapOvr>
+</p:notes>
+</file>
+
+<file path=ppt/notesSlides/notesSlide29.xml><?xml version="1.0" encoding="utf-8"?>
+<p:notes xmlns:a="http://schemas.openxmlformats.org/drawingml/2006/main" xmlns:r="http://schemas.openxmlformats.org/officeDocument/2006/relationships" xmlns:p="http://schemas.openxmlformats.org/presentationml/2006/main">
+  <p:cSld>
+    <p:spTree>
+      <p:nvGrpSpPr>
+        <p:cNvPr id="1" name=""/>
+        <p:cNvGrpSpPr/>
+        <p:nvPr/>
+      </p:nvGrpSpPr>
+      <p:grpSpPr>
+        <a:xfrm>
+          <a:off x="0" y="0"/>
+          <a:ext cx="0" cy="0"/>
+          <a:chOff x="0" y="0"/>
+          <a:chExt cx="0" cy="0"/>
+        </a:xfrm>
+      </p:grpSpPr>
+      <p:sp>
+        <p:nvSpPr>
+          <p:cNvPr id="2" name="1 Marcador de imagen de diapositiva"/>
+          <p:cNvSpPr>
+            <a:spLocks noGrp="1" noRot="1" noChangeAspect="1"/>
+          </p:cNvSpPr>
+          <p:nvPr>
+            <p:ph type="sldImg"/>
+          </p:nvPr>
+        </p:nvSpPr>
+        <p:spPr/>
+      </p:sp>
+      <p:sp>
+        <p:nvSpPr>
+          <p:cNvPr id="3" name="2 Marcador de notas"/>
+          <p:cNvSpPr>
+            <a:spLocks noGrp="1"/>
+          </p:cNvSpPr>
+          <p:nvPr>
+            <p:ph type="body" idx="1"/>
+          </p:nvPr>
+        </p:nvSpPr>
+        <p:spPr/>
+        <p:txBody>
+          <a:bodyPr>
+            <a:normAutofit/>
+          </a:bodyPr>
+          <a:lstStyle/>
+          <a:p>
+            <a:pPr>
+              <a:buFont typeface="Arial" pitchFamily="34" charset="0"/>
+              <a:buChar char="•"/>
+            </a:pPr>
+            <a:r>
+              <a:rPr lang="es-ES" sz="1200" kern="1200" dirty="0" smtClean="0">
+                <a:solidFill>
+                  <a:schemeClr val="tx1"/>
+                </a:solidFill>
+                <a:latin typeface="+mn-lt"/>
+                <a:ea typeface="+mn-ea"/>
+                <a:cs typeface="+mn-cs"/>
+              </a:rPr>
+              <a:t>Se ha completado el desarrollo de un Sistema que cumple los cuatro objetivos identificados inicialmente</a:t>
+            </a:r>
+          </a:p>
+          <a:p>
+            <a:pPr>
+              <a:buFont typeface="Arial" pitchFamily="34" charset="0"/>
+              <a:buChar char="•"/>
+            </a:pPr>
+            <a:r>
+              <a:rPr lang="es-ES" sz="1200" kern="1200" dirty="0" smtClean="0">
+                <a:solidFill>
+                  <a:schemeClr val="tx1"/>
+                </a:solidFill>
+                <a:latin typeface="+mn-lt"/>
+                <a:ea typeface="+mn-ea"/>
+                <a:cs typeface="+mn-cs"/>
+              </a:rPr>
+              <a:t>Se han enmarcado</a:t>
+            </a:r>
+            <a:r>
+              <a:rPr lang="es-ES" sz="1200" kern="1200" baseline="0" dirty="0" smtClean="0">
+                <a:solidFill>
+                  <a:schemeClr val="tx1"/>
+                </a:solidFill>
+                <a:latin typeface="+mn-lt"/>
+                <a:ea typeface="+mn-ea"/>
+                <a:cs typeface="+mn-cs"/>
+              </a:rPr>
+              <a:t> dentro de un contexto</a:t>
+            </a:r>
+          </a:p>
+          <a:p>
+            <a:pPr>
+              <a:buFont typeface="Arial" pitchFamily="34" charset="0"/>
+              <a:buChar char="•"/>
+            </a:pPr>
+            <a:r>
+              <a:rPr lang="es-ES" sz="1200" kern="1200" baseline="0" dirty="0" smtClean="0">
+                <a:solidFill>
+                  <a:schemeClr val="tx1"/>
+                </a:solidFill>
+                <a:latin typeface="+mn-lt"/>
+                <a:ea typeface="+mn-ea"/>
+                <a:cs typeface="+mn-cs"/>
+              </a:rPr>
+              <a:t>Se han alineado con algunos procesos meteorológicos: observación, almacenamiento, difusión de productos</a:t>
+            </a:r>
+          </a:p>
+          <a:p>
+            <a:pPr>
+              <a:buFont typeface="Arial" pitchFamily="34" charset="0"/>
+              <a:buChar char="•"/>
+            </a:pPr>
+            <a:endParaRPr lang="es-ES" sz="1200" kern="1200" baseline="0" dirty="0" smtClean="0">
+              <a:solidFill>
+                <a:schemeClr val="tx1"/>
+              </a:solidFill>
+              <a:latin typeface="+mn-lt"/>
+              <a:ea typeface="+mn-ea"/>
+              <a:cs typeface="+mn-cs"/>
+            </a:endParaRPr>
+          </a:p>
+          <a:p>
+            <a:pPr>
+              <a:buFont typeface="Arial" pitchFamily="34" charset="0"/>
+              <a:buChar char="•"/>
+            </a:pPr>
+            <a:r>
+              <a:rPr lang="es-ES" sz="1200" kern="1200" dirty="0" smtClean="0">
+                <a:solidFill>
+                  <a:schemeClr val="tx1"/>
+                </a:solidFill>
+                <a:latin typeface="+mn-lt"/>
+                <a:ea typeface="+mn-ea"/>
+                <a:cs typeface="+mn-cs"/>
+              </a:rPr>
+              <a:t>Se ha enmarcado el proyecto dentro de un entorno global, y se ha definido su alcance dentro de dicho entorno</a:t>
+            </a:r>
+          </a:p>
+          <a:p>
+            <a:pPr>
+              <a:buFont typeface="Arial" pitchFamily="34" charset="0"/>
+              <a:buChar char="•"/>
+            </a:pPr>
+            <a:r>
+              <a:rPr lang="es-ES" sz="1200" kern="1200" dirty="0" smtClean="0">
+                <a:solidFill>
+                  <a:schemeClr val="tx1"/>
+                </a:solidFill>
+                <a:latin typeface="+mn-lt"/>
+                <a:ea typeface="+mn-ea"/>
+                <a:cs typeface="+mn-cs"/>
+              </a:rPr>
+              <a:t>Se ha elaborado un catálogo formal de requisitos que ha servido como base para la especificación de un análisis de subsistemas</a:t>
+            </a:r>
+          </a:p>
+          <a:p>
+            <a:pPr>
+              <a:buFont typeface="Arial" pitchFamily="34" charset="0"/>
+              <a:buChar char="•"/>
+            </a:pPr>
+            <a:r>
+              <a:rPr lang="es-ES" sz="1200" kern="1200" dirty="0" smtClean="0">
+                <a:solidFill>
+                  <a:schemeClr val="tx1"/>
+                </a:solidFill>
+                <a:latin typeface="+mn-lt"/>
+                <a:ea typeface="+mn-ea"/>
+                <a:cs typeface="+mn-cs"/>
+              </a:rPr>
+              <a:t>El diseño se ha basado en patrones estándares de mercado </a:t>
+            </a:r>
+          </a:p>
+          <a:p>
+            <a:pPr>
+              <a:buFont typeface="Arial" pitchFamily="34" charset="0"/>
+              <a:buChar char="•"/>
+            </a:pPr>
+            <a:endParaRPr lang="es-ES" sz="1200" kern="1200" dirty="0" smtClean="0">
+              <a:solidFill>
+                <a:schemeClr val="tx1"/>
+              </a:solidFill>
+              <a:latin typeface="+mn-lt"/>
+              <a:ea typeface="+mn-ea"/>
+              <a:cs typeface="+mn-cs"/>
+            </a:endParaRPr>
+          </a:p>
+          <a:p>
+            <a:pPr>
+              <a:buFont typeface="Arial" pitchFamily="34" charset="0"/>
+              <a:buChar char="•"/>
+            </a:pPr>
+            <a:r>
+              <a:rPr lang="es-ES" sz="1200" kern="1200" dirty="0" smtClean="0">
+                <a:solidFill>
+                  <a:schemeClr val="tx1"/>
+                </a:solidFill>
+                <a:latin typeface="+mn-lt"/>
+                <a:ea typeface="+mn-ea"/>
+                <a:cs typeface="+mn-cs"/>
+              </a:rPr>
+              <a:t>Se han utilizado tecnologías interesantes como GWT y se ha comprobado que permite la producción de interfaces de usuario asíncronos muy ricos</a:t>
+            </a:r>
+          </a:p>
+          <a:p>
+            <a:pPr marL="0" marR="0" indent="0" algn="l" defTabSz="914400" rtl="0" eaLnBrk="1" fontAlgn="auto" latinLnBrk="0" hangingPunct="1">
+              <a:lnSpc>
+                <a:spcPct val="100000"/>
+              </a:lnSpc>
+              <a:spcBef>
+                <a:spcPts val="0"/>
+              </a:spcBef>
+              <a:spcAft>
+                <a:spcPts val="0"/>
+              </a:spcAft>
+              <a:buClrTx/>
+              <a:buSzTx/>
+              <a:buFont typeface="Arial" pitchFamily="34" charset="0"/>
+              <a:buChar char="•"/>
+              <a:tabLst/>
+              <a:defRPr/>
+            </a:pPr>
+            <a:r>
+              <a:rPr lang="es-ES" sz="1200" kern="1200" dirty="0" smtClean="0">
+                <a:solidFill>
+                  <a:schemeClr val="tx1"/>
+                </a:solidFill>
+                <a:latin typeface="+mn-lt"/>
+                <a:ea typeface="+mn-ea"/>
+                <a:cs typeface="+mn-cs"/>
+              </a:rPr>
+              <a:t>Se han realizado mediciones de la calidad del código, obteniendo valores razonables en casi todos los índices y muy buenos en algunos.</a:t>
+            </a:r>
+          </a:p>
+          <a:p>
+            <a:pPr>
+              <a:buFont typeface="Arial" pitchFamily="34" charset="0"/>
+              <a:buNone/>
+            </a:pPr>
+            <a:endParaRPr lang="es-ES" dirty="0"/>
+          </a:p>
+        </p:txBody>
+      </p:sp>
+      <p:sp>
+        <p:nvSpPr>
+          <p:cNvPr id="4" name="3 Marcador de número de diapositiva"/>
+          <p:cNvSpPr>
+            <a:spLocks noGrp="1"/>
+          </p:cNvSpPr>
+          <p:nvPr>
+            <p:ph type="sldNum" sz="quarter" idx="10"/>
+          </p:nvPr>
+        </p:nvSpPr>
+        <p:spPr/>
+        <p:txBody>
+          <a:bodyPr/>
+          <a:lstStyle/>
+          <a:p>
+            <a:fld id="{63A1F4E7-7A1C-4C54-AFBE-FD7BAC1842B2}" type="slidenum">
+              <a:rPr lang="es-ES" smtClean="0"/>
+              <a:t>29</a:t>
+            </a:fld>
+            <a:endParaRPr lang="es-ES"/>
+          </a:p>
+        </p:txBody>
+      </p:sp>
+    </p:spTree>
+  </p:cSld>
+  <p:clrMapOvr>
+    <a:masterClrMapping/>
+  </p:clrMapOvr>
+</p:notes>
+</file>
+
+<file path=ppt/notesSlides/notesSlide3.xml><?xml version="1.0" encoding="utf-8"?>
+<p:notes xmlns:a="http://schemas.openxmlformats.org/drawingml/2006/main" xmlns:r="http://schemas.openxmlformats.org/officeDocument/2006/relationships" xmlns:p="http://schemas.openxmlformats.org/presentationml/2006/main">
+  <p:cSld>
+    <p:spTree>
+      <p:nvGrpSpPr>
+        <p:cNvPr id="1" name=""/>
+        <p:cNvGrpSpPr/>
+        <p:nvPr/>
+      </p:nvGrpSpPr>
+      <p:grpSpPr>
+        <a:xfrm>
+          <a:off x="0" y="0"/>
+          <a:ext cx="0" cy="0"/>
+          <a:chOff x="0" y="0"/>
+          <a:chExt cx="0" cy="0"/>
+        </a:xfrm>
+      </p:grpSpPr>
+      <p:sp>
+        <p:nvSpPr>
+          <p:cNvPr id="2" name="1 Marcador de imagen de diapositiva"/>
+          <p:cNvSpPr>
+            <a:spLocks noGrp="1" noRot="1" noChangeAspect="1"/>
+          </p:cNvSpPr>
+          <p:nvPr>
+            <p:ph type="sldImg"/>
+          </p:nvPr>
+        </p:nvSpPr>
+        <p:spPr/>
+      </p:sp>
+      <p:sp>
+        <p:nvSpPr>
+          <p:cNvPr id="3" name="2 Marcador de notas"/>
+          <p:cNvSpPr>
+            <a:spLocks noGrp="1"/>
+          </p:cNvSpPr>
+          <p:nvPr>
+            <p:ph type="body" idx="1"/>
+          </p:nvPr>
+        </p:nvSpPr>
+        <p:spPr/>
+        <p:txBody>
+          <a:bodyPr>
+            <a:normAutofit/>
+          </a:bodyPr>
+          <a:lstStyle/>
+          <a:p>
+            <a:pPr>
+              <a:buFont typeface="Arial" pitchFamily="34" charset="0"/>
+              <a:buChar char="•"/>
+            </a:pPr>
+            <a:r>
+              <a:rPr lang="es-ES" dirty="0" smtClean="0"/>
+              <a:t>El objetivo principal se descompone en 4 </a:t>
+            </a:r>
+            <a:r>
+              <a:rPr lang="es-ES" dirty="0" err="1" smtClean="0"/>
+              <a:t>subobjetivos</a:t>
+            </a:r>
+            <a:endParaRPr lang="es-ES" dirty="0" smtClean="0"/>
+          </a:p>
+          <a:p>
+            <a:pPr lvl="1">
+              <a:buFont typeface="Arial" pitchFamily="34" charset="0"/>
+              <a:buChar char="•"/>
+            </a:pPr>
+            <a:r>
+              <a:rPr lang="es-ES" dirty="0" smtClean="0"/>
+              <a:t>Recopilar</a:t>
+            </a:r>
+          </a:p>
+          <a:p>
+            <a:pPr lvl="1">
+              <a:buFont typeface="Arial" pitchFamily="34" charset="0"/>
+              <a:buChar char="•"/>
+            </a:pPr>
+            <a:r>
+              <a:rPr lang="es-ES" dirty="0" smtClean="0"/>
+              <a:t>Normalizar, controlar calidad</a:t>
+            </a:r>
+            <a:r>
+              <a:rPr lang="es-ES" baseline="0" dirty="0" smtClean="0"/>
+              <a:t> y calcular derivadas</a:t>
+            </a:r>
+          </a:p>
+          <a:p>
+            <a:pPr lvl="1">
+              <a:buFont typeface="Arial" pitchFamily="34" charset="0"/>
+              <a:buChar char="•"/>
+            </a:pPr>
+            <a:r>
+              <a:rPr lang="es-ES" baseline="0" dirty="0" smtClean="0"/>
+              <a:t>Interfaz de explotación web</a:t>
+            </a:r>
+          </a:p>
+          <a:p>
+            <a:pPr lvl="1">
+              <a:buFont typeface="Arial" pitchFamily="34" charset="0"/>
+              <a:buChar char="•"/>
+            </a:pPr>
+            <a:r>
+              <a:rPr lang="es-ES" baseline="0" dirty="0" smtClean="0"/>
+              <a:t>Producción de comentarios en </a:t>
+            </a:r>
+            <a:r>
+              <a:rPr lang="es-ES" baseline="0" dirty="0" err="1" smtClean="0"/>
+              <a:t>Twitter</a:t>
+            </a:r>
+            <a:endParaRPr lang="es-ES" baseline="0" dirty="0" smtClean="0"/>
+          </a:p>
+          <a:p>
+            <a:pPr lvl="0">
+              <a:buFont typeface="Arial" pitchFamily="34" charset="0"/>
+              <a:buChar char="•"/>
+            </a:pPr>
+            <a:r>
+              <a:rPr lang="es-ES" baseline="0" dirty="0" smtClean="0"/>
+              <a:t>Veremos que se alinean con algunos de los procesos meteorológicos</a:t>
+            </a:r>
+          </a:p>
+        </p:txBody>
+      </p:sp>
+      <p:sp>
+        <p:nvSpPr>
+          <p:cNvPr id="4" name="3 Marcador de número de diapositiva"/>
+          <p:cNvSpPr>
+            <a:spLocks noGrp="1"/>
+          </p:cNvSpPr>
+          <p:nvPr>
+            <p:ph type="sldNum" sz="quarter" idx="10"/>
+          </p:nvPr>
+        </p:nvSpPr>
+        <p:spPr/>
+        <p:txBody>
+          <a:bodyPr/>
+          <a:lstStyle/>
+          <a:p>
+            <a:fld id="{63A1F4E7-7A1C-4C54-AFBE-FD7BAC1842B2}" type="slidenum">
+              <a:rPr lang="es-ES" smtClean="0"/>
+              <a:t>3</a:t>
+            </a:fld>
+            <a:endParaRPr lang="es-ES"/>
+          </a:p>
+        </p:txBody>
+      </p:sp>
+    </p:spTree>
+  </p:cSld>
+  <p:clrMapOvr>
+    <a:masterClrMapping/>
+  </p:clrMapOvr>
+</p:notes>
+</file>
+
+<file path=ppt/notesSlides/notesSlide30.xml><?xml version="1.0" encoding="utf-8"?>
+<p:notes xmlns:a="http://schemas.openxmlformats.org/drawingml/2006/main" xmlns:r="http://schemas.openxmlformats.org/officeDocument/2006/relationships" xmlns:p="http://schemas.openxmlformats.org/presentationml/2006/main">
+  <p:cSld>
+    <p:spTree>
+      <p:nvGrpSpPr>
+        <p:cNvPr id="1" name=""/>
+        <p:cNvGrpSpPr/>
+        <p:nvPr/>
+      </p:nvGrpSpPr>
+      <p:grpSpPr>
+        <a:xfrm>
+          <a:off x="0" y="0"/>
+          <a:ext cx="0" cy="0"/>
+          <a:chOff x="0" y="0"/>
+          <a:chExt cx="0" cy="0"/>
+        </a:xfrm>
+      </p:grpSpPr>
+      <p:sp>
+        <p:nvSpPr>
+          <p:cNvPr id="2" name="1 Marcador de imagen de diapositiva"/>
+          <p:cNvSpPr>
+            <a:spLocks noGrp="1" noRot="1" noChangeAspect="1"/>
+          </p:cNvSpPr>
+          <p:nvPr>
+            <p:ph type="sldImg"/>
+          </p:nvPr>
+        </p:nvSpPr>
+        <p:spPr/>
+      </p:sp>
+      <p:sp>
+        <p:nvSpPr>
+          <p:cNvPr id="3" name="2 Marcador de notas"/>
+          <p:cNvSpPr>
+            <a:spLocks noGrp="1"/>
+          </p:cNvSpPr>
+          <p:nvPr>
+            <p:ph type="body" idx="1"/>
+          </p:nvPr>
+        </p:nvSpPr>
+        <p:spPr/>
+        <p:txBody>
+          <a:bodyPr>
+            <a:normAutofit/>
+          </a:bodyPr>
+          <a:lstStyle/>
+          <a:p>
+            <a:endParaRPr lang="es-ES"/>
+          </a:p>
+        </p:txBody>
+      </p:sp>
+      <p:sp>
+        <p:nvSpPr>
+          <p:cNvPr id="4" name="3 Marcador de número de diapositiva"/>
+          <p:cNvSpPr>
+            <a:spLocks noGrp="1"/>
+          </p:cNvSpPr>
+          <p:nvPr>
+            <p:ph type="sldNum" sz="quarter" idx="10"/>
+          </p:nvPr>
+        </p:nvSpPr>
+        <p:spPr/>
+        <p:txBody>
+          <a:bodyPr/>
+          <a:lstStyle/>
+          <a:p>
+            <a:fld id="{63A1F4E7-7A1C-4C54-AFBE-FD7BAC1842B2}" type="slidenum">
+              <a:rPr lang="es-ES" smtClean="0"/>
+              <a:t>30</a:t>
+            </a:fld>
+            <a:endParaRPr lang="es-ES"/>
+          </a:p>
+        </p:txBody>
+      </p:sp>
+    </p:spTree>
+  </p:cSld>
+  <p:clrMapOvr>
+    <a:masterClrMapping/>
+  </p:clrMapOvr>
+</p:notes>
+</file>
+
+<file path=ppt/notesSlides/notesSlide4.xml><?xml version="1.0" encoding="utf-8"?>
+<p:notes xmlns:a="http://schemas.openxmlformats.org/drawingml/2006/main" xmlns:r="http://schemas.openxmlformats.org/officeDocument/2006/relationships" xmlns:p="http://schemas.openxmlformats.org/presentationml/2006/main">
+  <p:cSld>
+    <p:spTree>
+      <p:nvGrpSpPr>
+        <p:cNvPr id="1" name=""/>
+        <p:cNvGrpSpPr/>
+        <p:nvPr/>
+      </p:nvGrpSpPr>
+      <p:grpSpPr>
+        <a:xfrm>
+          <a:off x="0" y="0"/>
+          <a:ext cx="0" cy="0"/>
+          <a:chOff x="0" y="0"/>
+          <a:chExt cx="0" cy="0"/>
+        </a:xfrm>
+      </p:grpSpPr>
+      <p:sp>
+        <p:nvSpPr>
+          <p:cNvPr id="2" name="1 Marcador de imagen de diapositiva"/>
+          <p:cNvSpPr>
+            <a:spLocks noGrp="1" noRot="1" noChangeAspect="1"/>
+          </p:cNvSpPr>
+          <p:nvPr>
+            <p:ph type="sldImg"/>
+          </p:nvPr>
+        </p:nvSpPr>
+        <p:spPr/>
+      </p:sp>
+      <p:sp>
+        <p:nvSpPr>
+          <p:cNvPr id="3" name="2 Marcador de notas"/>
+          <p:cNvSpPr>
+            <a:spLocks noGrp="1"/>
+          </p:cNvSpPr>
+          <p:nvPr>
+            <p:ph type="body" idx="1"/>
+          </p:nvPr>
+        </p:nvSpPr>
+        <p:spPr/>
+        <p:txBody>
+          <a:bodyPr>
+            <a:normAutofit/>
+          </a:bodyPr>
+          <a:lstStyle/>
+          <a:p>
+            <a:pPr>
+              <a:buFont typeface="Arial" pitchFamily="34" charset="0"/>
+              <a:buChar char="•"/>
+            </a:pPr>
+            <a:r>
+              <a:rPr lang="es-ES" dirty="0" smtClean="0"/>
+              <a:t>Las agencias ejecutan uno o varios procesos meteorológicos, que se verán más</a:t>
+            </a:r>
+            <a:r>
+              <a:rPr lang="es-ES" baseline="0" dirty="0" smtClean="0"/>
+              <a:t> tarde</a:t>
+            </a:r>
+          </a:p>
+          <a:p>
+            <a:pPr>
+              <a:buFont typeface="Arial" pitchFamily="34" charset="0"/>
+              <a:buChar char="•"/>
+            </a:pPr>
+            <a:r>
+              <a:rPr lang="es-ES" baseline="0" dirty="0" smtClean="0"/>
+              <a:t>Gestionan redes de observación de varios fabricantes. Una red de observación es una agrupación de estaciones de observación</a:t>
+            </a:r>
+          </a:p>
+          <a:p>
+            <a:pPr>
+              <a:buFont typeface="Arial" pitchFamily="34" charset="0"/>
+              <a:buChar char="•"/>
+            </a:pPr>
+            <a:r>
+              <a:rPr lang="es-ES" baseline="0" dirty="0" smtClean="0"/>
+              <a:t>Una estación es:</a:t>
+            </a:r>
+          </a:p>
+          <a:p>
+            <a:pPr lvl="1">
+              <a:buFont typeface="Arial" pitchFamily="34" charset="0"/>
+              <a:buChar char="•"/>
+            </a:pPr>
+            <a:r>
+              <a:rPr lang="es-ES" baseline="0" dirty="0" smtClean="0"/>
+              <a:t>conjunto de sensores que puede variar (termómetro, anemómetro, barómetro, pluviómetro, …)</a:t>
+            </a:r>
+          </a:p>
+          <a:p>
+            <a:pPr lvl="1">
+              <a:buFont typeface="Arial" pitchFamily="34" charset="0"/>
+              <a:buChar char="•"/>
+            </a:pPr>
+            <a:r>
+              <a:rPr lang="es-ES" baseline="0" dirty="0" err="1" smtClean="0"/>
+              <a:t>Datalogger</a:t>
+            </a:r>
+            <a:r>
+              <a:rPr lang="es-ES" baseline="0" dirty="0" smtClean="0"/>
+              <a:t>: lógica de almacenamiento de información instantánea, cálculo de medias normalmente </a:t>
+            </a:r>
+            <a:r>
+              <a:rPr lang="es-ES" baseline="0" dirty="0" err="1" smtClean="0"/>
+              <a:t>diezminutales</a:t>
+            </a:r>
+            <a:r>
+              <a:rPr lang="es-ES" baseline="0" dirty="0" smtClean="0"/>
+              <a:t> y publicación</a:t>
+            </a:r>
+          </a:p>
+          <a:p>
+            <a:pPr lvl="1">
+              <a:buFont typeface="Arial" pitchFamily="34" charset="0"/>
+              <a:buChar char="•"/>
+            </a:pPr>
+            <a:r>
+              <a:rPr lang="es-ES" baseline="0" dirty="0" smtClean="0"/>
+              <a:t>Software de explotación propio del fabricante</a:t>
+            </a:r>
+          </a:p>
+          <a:p>
+            <a:pPr lvl="0">
+              <a:buFont typeface="Arial" pitchFamily="34" charset="0"/>
+              <a:buChar char="•"/>
+            </a:pPr>
+            <a:r>
+              <a:rPr lang="es-ES" baseline="0" dirty="0" smtClean="0"/>
+              <a:t>Aficionados</a:t>
+            </a:r>
+          </a:p>
+          <a:p>
+            <a:pPr lvl="1">
+              <a:buFont typeface="Arial" pitchFamily="34" charset="0"/>
+              <a:buChar char="•"/>
+            </a:pPr>
+            <a:r>
+              <a:rPr lang="es-ES" baseline="0" dirty="0" smtClean="0"/>
+              <a:t>El objetivo es construir una red alternativa distribuida basada en intercambiar la información de dichos aficionados</a:t>
+            </a:r>
+            <a:endParaRPr lang="es-ES" dirty="0"/>
+          </a:p>
+        </p:txBody>
+      </p:sp>
+      <p:sp>
+        <p:nvSpPr>
+          <p:cNvPr id="4" name="3 Marcador de número de diapositiva"/>
+          <p:cNvSpPr>
+            <a:spLocks noGrp="1"/>
+          </p:cNvSpPr>
+          <p:nvPr>
+            <p:ph type="sldNum" sz="quarter" idx="10"/>
+          </p:nvPr>
+        </p:nvSpPr>
+        <p:spPr/>
+        <p:txBody>
+          <a:bodyPr/>
+          <a:lstStyle/>
+          <a:p>
+            <a:fld id="{63A1F4E7-7A1C-4C54-AFBE-FD7BAC1842B2}" type="slidenum">
+              <a:rPr lang="es-ES" smtClean="0"/>
+              <a:t>4</a:t>
+            </a:fld>
+            <a:endParaRPr lang="es-ES"/>
+          </a:p>
+        </p:txBody>
+      </p:sp>
+    </p:spTree>
+  </p:cSld>
+  <p:clrMapOvr>
+    <a:masterClrMapping/>
+  </p:clrMapOvr>
+</p:notes>
+</file>
+
+<file path=ppt/notesSlides/notesSlide5.xml><?xml version="1.0" encoding="utf-8"?>
+<p:notes xmlns:a="http://schemas.openxmlformats.org/drawingml/2006/main" xmlns:r="http://schemas.openxmlformats.org/officeDocument/2006/relationships" xmlns:p="http://schemas.openxmlformats.org/presentationml/2006/main">
+  <p:cSld>
+    <p:spTree>
+      <p:nvGrpSpPr>
+        <p:cNvPr id="1" name=""/>
+        <p:cNvGrpSpPr/>
+        <p:nvPr/>
+      </p:nvGrpSpPr>
+      <p:grpSpPr>
+        <a:xfrm>
+          <a:off x="0" y="0"/>
+          <a:ext cx="0" cy="0"/>
+          <a:chOff x="0" y="0"/>
+          <a:chExt cx="0" cy="0"/>
+        </a:xfrm>
+      </p:grpSpPr>
+      <p:sp>
+        <p:nvSpPr>
+          <p:cNvPr id="2" name="1 Marcador de imagen de diapositiva"/>
+          <p:cNvSpPr>
+            <a:spLocks noGrp="1" noRot="1" noChangeAspect="1"/>
+          </p:cNvSpPr>
+          <p:nvPr>
+            <p:ph type="sldImg"/>
+          </p:nvPr>
+        </p:nvSpPr>
+        <p:spPr/>
+      </p:sp>
+      <p:sp>
+        <p:nvSpPr>
+          <p:cNvPr id="3" name="2 Marcador de notas"/>
+          <p:cNvSpPr>
+            <a:spLocks noGrp="1"/>
+          </p:cNvSpPr>
+          <p:nvPr>
+            <p:ph type="body" idx="1"/>
+          </p:nvPr>
+        </p:nvSpPr>
+        <p:spPr/>
+        <p:txBody>
+          <a:bodyPr>
+            <a:normAutofit/>
+          </a:bodyPr>
+          <a:lstStyle/>
+          <a:p>
+            <a:pPr>
+              <a:buFont typeface="Arial" pitchFamily="34" charset="0"/>
+              <a:buChar char="•"/>
+            </a:pPr>
+            <a:r>
+              <a:rPr lang="es-ES" dirty="0" smtClean="0"/>
+              <a:t>4 procesos</a:t>
+            </a:r>
+          </a:p>
+          <a:p>
+            <a:pPr lvl="1">
+              <a:buFont typeface="Arial" pitchFamily="34" charset="0"/>
+              <a:buChar char="•"/>
+            </a:pPr>
+            <a:r>
+              <a:rPr lang="es-ES" dirty="0" smtClean="0"/>
+              <a:t>El de observación basado en el despliegue de una o varias redes de estaciones</a:t>
+            </a:r>
+          </a:p>
+          <a:p>
+            <a:pPr lvl="2">
+              <a:buFont typeface="Arial" pitchFamily="34" charset="0"/>
+              <a:buChar char="•"/>
+            </a:pPr>
+            <a:r>
+              <a:rPr lang="es-ES" dirty="0" smtClean="0"/>
+              <a:t>Hay que mantener y calibrar estas</a:t>
+            </a:r>
+            <a:r>
+              <a:rPr lang="es-ES" baseline="0" dirty="0" smtClean="0"/>
+              <a:t> redes. Los controles de calidad ayudan</a:t>
+            </a:r>
+          </a:p>
+          <a:p>
+            <a:pPr lvl="2">
+              <a:buFont typeface="Arial" pitchFamily="34" charset="0"/>
+              <a:buChar char="•"/>
+            </a:pPr>
+            <a:r>
+              <a:rPr lang="es-ES" baseline="0" dirty="0" smtClean="0"/>
+              <a:t>Se deben poner medios (comunicaciones, integraciones) para recoger estas observaciones</a:t>
+            </a:r>
+          </a:p>
+          <a:p>
+            <a:pPr lvl="1">
+              <a:buFont typeface="Arial" pitchFamily="34" charset="0"/>
+              <a:buChar char="•"/>
+            </a:pPr>
+            <a:r>
+              <a:rPr lang="es-ES" baseline="0" dirty="0" smtClean="0"/>
+              <a:t>El de archivo normaliza los datos, aplica controles de calidad y los almacena sin límite</a:t>
+            </a:r>
+          </a:p>
+          <a:p>
+            <a:pPr lvl="1">
+              <a:buFont typeface="Arial" pitchFamily="34" charset="0"/>
+              <a:buChar char="•"/>
+            </a:pPr>
+            <a:r>
+              <a:rPr lang="es-ES" baseline="0" dirty="0" smtClean="0"/>
+              <a:t>El de predicción utiliza análisis estadístico sobre el histórico y la observación actual para proporcionar al </a:t>
+            </a:r>
+            <a:r>
+              <a:rPr lang="es-ES" baseline="0" dirty="0" err="1" smtClean="0"/>
+              <a:t>predictor</a:t>
+            </a:r>
+            <a:r>
+              <a:rPr lang="es-ES" baseline="0" dirty="0" smtClean="0"/>
+              <a:t> herramientas de predicción asistida</a:t>
+            </a:r>
+          </a:p>
+          <a:p>
+            <a:pPr lvl="1">
+              <a:buFont typeface="Arial" pitchFamily="34" charset="0"/>
+              <a:buChar char="•"/>
+            </a:pPr>
+            <a:r>
+              <a:rPr lang="es-ES" baseline="0" dirty="0" smtClean="0"/>
+              <a:t>Construcción y envío de productos con otros organismos o internamente</a:t>
+            </a:r>
+          </a:p>
+          <a:p>
+            <a:pPr lvl="0">
+              <a:buFont typeface="Arial" pitchFamily="34" charset="0"/>
+              <a:buChar char="•"/>
+            </a:pPr>
+            <a:endParaRPr lang="es-ES" dirty="0"/>
+          </a:p>
+        </p:txBody>
+      </p:sp>
+      <p:sp>
+        <p:nvSpPr>
+          <p:cNvPr id="4" name="3 Marcador de número de diapositiva"/>
+          <p:cNvSpPr>
+            <a:spLocks noGrp="1"/>
+          </p:cNvSpPr>
+          <p:nvPr>
+            <p:ph type="sldNum" sz="quarter" idx="10"/>
+          </p:nvPr>
+        </p:nvSpPr>
+        <p:spPr/>
+        <p:txBody>
+          <a:bodyPr/>
+          <a:lstStyle/>
+          <a:p>
+            <a:fld id="{63A1F4E7-7A1C-4C54-AFBE-FD7BAC1842B2}" type="slidenum">
+              <a:rPr lang="es-ES" smtClean="0"/>
+              <a:t>5</a:t>
+            </a:fld>
+            <a:endParaRPr lang="es-ES"/>
+          </a:p>
+        </p:txBody>
+      </p:sp>
+    </p:spTree>
+  </p:cSld>
+  <p:clrMapOvr>
+    <a:masterClrMapping/>
+  </p:clrMapOvr>
+</p:notes>
+</file>
+
+<file path=ppt/notesSlides/notesSlide6.xml><?xml version="1.0" encoding="utf-8"?>
+<p:notes xmlns:a="http://schemas.openxmlformats.org/drawingml/2006/main" xmlns:r="http://schemas.openxmlformats.org/officeDocument/2006/relationships" xmlns:p="http://schemas.openxmlformats.org/presentationml/2006/main">
+  <p:cSld>
+    <p:spTree>
+      <p:nvGrpSpPr>
+        <p:cNvPr id="1" name=""/>
+        <p:cNvGrpSpPr/>
+        <p:nvPr/>
+      </p:nvGrpSpPr>
+      <p:grpSpPr>
+        <a:xfrm>
+          <a:off x="0" y="0"/>
+          <a:ext cx="0" cy="0"/>
+          <a:chOff x="0" y="0"/>
+          <a:chExt cx="0" cy="0"/>
+        </a:xfrm>
+      </p:grpSpPr>
+      <p:sp>
+        <p:nvSpPr>
+          <p:cNvPr id="2" name="1 Marcador de imagen de diapositiva"/>
+          <p:cNvSpPr>
+            <a:spLocks noGrp="1" noRot="1" noChangeAspect="1"/>
+          </p:cNvSpPr>
+          <p:nvPr>
+            <p:ph type="sldImg"/>
+          </p:nvPr>
+        </p:nvSpPr>
+        <p:spPr/>
+      </p:sp>
+      <p:sp>
+        <p:nvSpPr>
+          <p:cNvPr id="3" name="2 Marcador de notas"/>
+          <p:cNvSpPr>
+            <a:spLocks noGrp="1"/>
+          </p:cNvSpPr>
+          <p:nvPr>
+            <p:ph type="body" idx="1"/>
+          </p:nvPr>
+        </p:nvSpPr>
+        <p:spPr/>
+        <p:txBody>
+          <a:bodyPr>
+            <a:normAutofit/>
+          </a:bodyPr>
+          <a:lstStyle/>
+          <a:p>
+            <a:endParaRPr lang="es-ES"/>
+          </a:p>
+        </p:txBody>
+      </p:sp>
+      <p:sp>
+        <p:nvSpPr>
+          <p:cNvPr id="4" name="3 Marcador de número de diapositiva"/>
+          <p:cNvSpPr>
+            <a:spLocks noGrp="1"/>
+          </p:cNvSpPr>
+          <p:nvPr>
+            <p:ph type="sldNum" sz="quarter" idx="10"/>
+          </p:nvPr>
+        </p:nvSpPr>
+        <p:spPr/>
+        <p:txBody>
+          <a:bodyPr/>
+          <a:lstStyle/>
+          <a:p>
+            <a:fld id="{63A1F4E7-7A1C-4C54-AFBE-FD7BAC1842B2}" type="slidenum">
+              <a:rPr lang="es-ES" smtClean="0"/>
+              <a:t>6</a:t>
+            </a:fld>
+            <a:endParaRPr lang="es-ES"/>
+          </a:p>
+        </p:txBody>
+      </p:sp>
+    </p:spTree>
+  </p:cSld>
+  <p:clrMapOvr>
+    <a:masterClrMapping/>
+  </p:clrMapOvr>
+</p:notes>
+</file>
+
+<file path=ppt/notesSlides/notesSlide7.xml><?xml version="1.0" encoding="utf-8"?>
+<p:notes xmlns:a="http://schemas.openxmlformats.org/drawingml/2006/main" xmlns:r="http://schemas.openxmlformats.org/officeDocument/2006/relationships" xmlns:p="http://schemas.openxmlformats.org/presentationml/2006/main">
+  <p:cSld>
+    <p:spTree>
+      <p:nvGrpSpPr>
+        <p:cNvPr id="1" name=""/>
+        <p:cNvGrpSpPr/>
+        <p:nvPr/>
+      </p:nvGrpSpPr>
+      <p:grpSpPr>
+        <a:xfrm>
+          <a:off x="0" y="0"/>
+          <a:ext cx="0" cy="0"/>
+          <a:chOff x="0" y="0"/>
+          <a:chExt cx="0" cy="0"/>
+        </a:xfrm>
+      </p:grpSpPr>
+      <p:sp>
+        <p:nvSpPr>
+          <p:cNvPr id="2" name="1 Marcador de imagen de diapositiva"/>
+          <p:cNvSpPr>
+            <a:spLocks noGrp="1" noRot="1" noChangeAspect="1"/>
+          </p:cNvSpPr>
+          <p:nvPr>
+            <p:ph type="sldImg"/>
+          </p:nvPr>
+        </p:nvSpPr>
+        <p:spPr/>
+      </p:sp>
+      <p:sp>
+        <p:nvSpPr>
+          <p:cNvPr id="3" name="2 Marcador de notas"/>
+          <p:cNvSpPr>
+            <a:spLocks noGrp="1"/>
+          </p:cNvSpPr>
+          <p:nvPr>
+            <p:ph type="body" idx="1"/>
+          </p:nvPr>
+        </p:nvSpPr>
+        <p:spPr/>
+        <p:txBody>
+          <a:bodyPr>
+            <a:normAutofit/>
+          </a:bodyPr>
+          <a:lstStyle/>
+          <a:p>
+            <a:pPr>
+              <a:buFont typeface="Arial" pitchFamily="34" charset="0"/>
+              <a:buChar char="•"/>
+            </a:pPr>
+            <a:r>
+              <a:rPr lang="es-ES" dirty="0" smtClean="0"/>
+              <a:t>El alcance se divide </a:t>
+            </a:r>
+            <a:r>
+              <a:rPr lang="es-ES" baseline="0" dirty="0" smtClean="0"/>
+              <a:t>en 4 bloques lógicos. El primero es la recolección o recopilación de observaciones</a:t>
+            </a:r>
+          </a:p>
+          <a:p>
+            <a:pPr>
+              <a:buFont typeface="Arial" pitchFamily="34" charset="0"/>
+              <a:buChar char="•"/>
+            </a:pPr>
+            <a:r>
+              <a:rPr lang="es-ES" baseline="0" dirty="0" smtClean="0"/>
+              <a:t>Se construye un núcleo independiente de cualquier formato o cualidad específica de fabricantes</a:t>
+            </a:r>
+          </a:p>
+          <a:p>
+            <a:pPr>
+              <a:buFont typeface="Arial" pitchFamily="34" charset="0"/>
+              <a:buChar char="•"/>
+            </a:pPr>
+            <a:r>
+              <a:rPr lang="es-ES" baseline="0" dirty="0" smtClean="0"/>
+              <a:t>Para cada modelo de estación se desarrollará un pequeño elemento que cumple interfaces fijadas y que se podrá incorporar al sistema como un </a:t>
+            </a:r>
+            <a:r>
+              <a:rPr lang="es-ES" baseline="0" dirty="0" err="1" smtClean="0"/>
+              <a:t>plugin</a:t>
+            </a:r>
+            <a:endParaRPr lang="es-ES" baseline="0" dirty="0" smtClean="0"/>
+          </a:p>
+          <a:p>
+            <a:pPr>
+              <a:buFont typeface="Arial" pitchFamily="34" charset="0"/>
+              <a:buChar char="•"/>
+            </a:pPr>
+            <a:r>
+              <a:rPr lang="es-ES" baseline="0" dirty="0" smtClean="0"/>
+              <a:t>No se implementa el </a:t>
+            </a:r>
+            <a:r>
+              <a:rPr lang="es-ES" baseline="0" dirty="0" err="1" smtClean="0"/>
+              <a:t>plugin</a:t>
+            </a:r>
+            <a:r>
+              <a:rPr lang="es-ES" baseline="0" dirty="0" smtClean="0"/>
+              <a:t> para ninguna estación real, sino que se construye un ejemplo (si bien de formato similar a los encontrados en el  mercado)</a:t>
+            </a:r>
+          </a:p>
+          <a:p>
+            <a:pPr>
+              <a:buFont typeface="Arial" pitchFamily="34" charset="0"/>
+              <a:buChar char="•"/>
+            </a:pPr>
+            <a:r>
+              <a:rPr lang="es-ES" baseline="0" dirty="0" smtClean="0"/>
+              <a:t>Para cada modelo se podrá configurar dinámicamente los parámetros de comunicación con la estación y los umbrales de calidad de cada variable.</a:t>
+            </a:r>
+          </a:p>
+        </p:txBody>
+      </p:sp>
+      <p:sp>
+        <p:nvSpPr>
+          <p:cNvPr id="4" name="3 Marcador de número de diapositiva"/>
+          <p:cNvSpPr>
+            <a:spLocks noGrp="1"/>
+          </p:cNvSpPr>
+          <p:nvPr>
+            <p:ph type="sldNum" sz="quarter" idx="10"/>
+          </p:nvPr>
+        </p:nvSpPr>
+        <p:spPr/>
+        <p:txBody>
+          <a:bodyPr/>
+          <a:lstStyle/>
+          <a:p>
+            <a:fld id="{63A1F4E7-7A1C-4C54-AFBE-FD7BAC1842B2}" type="slidenum">
+              <a:rPr lang="es-ES" smtClean="0"/>
+              <a:t>7</a:t>
+            </a:fld>
+            <a:endParaRPr lang="es-ES"/>
+          </a:p>
+        </p:txBody>
+      </p:sp>
+    </p:spTree>
+  </p:cSld>
+  <p:clrMapOvr>
+    <a:masterClrMapping/>
+  </p:clrMapOvr>
+</p:notes>
+</file>
+
+<file path=ppt/notesSlides/notesSlide8.xml><?xml version="1.0" encoding="utf-8"?>
+<p:notes xmlns:a="http://schemas.openxmlformats.org/drawingml/2006/main" xmlns:r="http://schemas.openxmlformats.org/officeDocument/2006/relationships" xmlns:p="http://schemas.openxmlformats.org/presentationml/2006/main">
+  <p:cSld>
+    <p:spTree>
+      <p:nvGrpSpPr>
+        <p:cNvPr id="1" name=""/>
+        <p:cNvGrpSpPr/>
+        <p:nvPr/>
+      </p:nvGrpSpPr>
+      <p:grpSpPr>
+        <a:xfrm>
+          <a:off x="0" y="0"/>
+          <a:ext cx="0" cy="0"/>
+          <a:chOff x="0" y="0"/>
+          <a:chExt cx="0" cy="0"/>
+        </a:xfrm>
+      </p:grpSpPr>
+      <p:sp>
+        <p:nvSpPr>
+          <p:cNvPr id="2" name="1 Marcador de imagen de diapositiva"/>
+          <p:cNvSpPr>
+            <a:spLocks noGrp="1" noRot="1" noChangeAspect="1"/>
+          </p:cNvSpPr>
+          <p:nvPr>
+            <p:ph type="sldImg"/>
+          </p:nvPr>
+        </p:nvSpPr>
+        <p:spPr/>
+      </p:sp>
+      <p:sp>
+        <p:nvSpPr>
+          <p:cNvPr id="3" name="2 Marcador de notas"/>
+          <p:cNvSpPr>
+            <a:spLocks noGrp="1"/>
+          </p:cNvSpPr>
+          <p:nvPr>
+            <p:ph type="body" idx="1"/>
+          </p:nvPr>
+        </p:nvSpPr>
+        <p:spPr/>
+        <p:txBody>
+          <a:bodyPr>
+            <a:normAutofit/>
+          </a:bodyPr>
+          <a:lstStyle/>
+          <a:p>
+            <a:pPr>
+              <a:buFont typeface="Arial" pitchFamily="34" charset="0"/>
+              <a:buChar char="•"/>
+            </a:pPr>
+            <a:r>
+              <a:rPr lang="es-ES" dirty="0" smtClean="0"/>
+              <a:t>El modelo de</a:t>
+            </a:r>
+            <a:r>
+              <a:rPr lang="es-ES" baseline="0" dirty="0" smtClean="0"/>
+              <a:t> datos es independiente de formatos de entrada y fabricantes, debe escalar en volumen y sobre todo en tipología (flexibilidad en las variables obtenidas)</a:t>
+            </a:r>
+          </a:p>
+          <a:p>
+            <a:pPr>
+              <a:buFont typeface="Arial" pitchFamily="34" charset="0"/>
+              <a:buChar char="•"/>
+            </a:pPr>
+            <a:r>
+              <a:rPr lang="es-ES" baseline="0" dirty="0" smtClean="0"/>
+              <a:t>Control de calidad básico basado en valores umbrales: físicos y sobrescritos localmente o configurables, ya que no todas las localizaciones geográficas deben tener los mismos valores umbrales</a:t>
+            </a:r>
+          </a:p>
+          <a:p>
+            <a:pPr>
+              <a:buFont typeface="Arial" pitchFamily="34" charset="0"/>
+              <a:buChar char="•"/>
+            </a:pPr>
+            <a:r>
+              <a:rPr lang="es-ES" baseline="0" dirty="0" smtClean="0"/>
+              <a:t>Cálculo de medias, mínimas y máximas en períodos variables, inicialmente: mes, día, período del día (noche, mañana, tarde, tarde-noche)</a:t>
+            </a:r>
+          </a:p>
+          <a:p>
+            <a:pPr>
+              <a:buFont typeface="Arial" pitchFamily="34" charset="0"/>
+              <a:buNone/>
+            </a:pPr>
+            <a:endParaRPr lang="es-ES" dirty="0"/>
+          </a:p>
+        </p:txBody>
+      </p:sp>
+      <p:sp>
+        <p:nvSpPr>
+          <p:cNvPr id="4" name="3 Marcador de número de diapositiva"/>
+          <p:cNvSpPr>
+            <a:spLocks noGrp="1"/>
+          </p:cNvSpPr>
+          <p:nvPr>
+            <p:ph type="sldNum" sz="quarter" idx="10"/>
+          </p:nvPr>
+        </p:nvSpPr>
+        <p:spPr/>
+        <p:txBody>
+          <a:bodyPr/>
+          <a:lstStyle/>
+          <a:p>
+            <a:fld id="{63A1F4E7-7A1C-4C54-AFBE-FD7BAC1842B2}" type="slidenum">
+              <a:rPr lang="es-ES" smtClean="0"/>
+              <a:t>8</a:t>
+            </a:fld>
+            <a:endParaRPr lang="es-ES"/>
+          </a:p>
+        </p:txBody>
+      </p:sp>
+    </p:spTree>
+  </p:cSld>
+  <p:clrMapOvr>
+    <a:masterClrMapping/>
+  </p:clrMapOvr>
+</p:notes>
+</file>
+
+<file path=ppt/notesSlides/notesSlide9.xml><?xml version="1.0" encoding="utf-8"?>
+<p:notes xmlns:a="http://schemas.openxmlformats.org/drawingml/2006/main" xmlns:r="http://schemas.openxmlformats.org/officeDocument/2006/relationships" xmlns:p="http://schemas.openxmlformats.org/presentationml/2006/main">
+  <p:cSld>
+    <p:spTree>
+      <p:nvGrpSpPr>
+        <p:cNvPr id="1" name=""/>
+        <p:cNvGrpSpPr/>
+        <p:nvPr/>
+      </p:nvGrpSpPr>
+      <p:grpSpPr>
+        <a:xfrm>
+          <a:off x="0" y="0"/>
+          <a:ext cx="0" cy="0"/>
+          <a:chOff x="0" y="0"/>
+          <a:chExt cx="0" cy="0"/>
+        </a:xfrm>
+      </p:grpSpPr>
+      <p:sp>
+        <p:nvSpPr>
+          <p:cNvPr id="2" name="1 Marcador de imagen de diapositiva"/>
+          <p:cNvSpPr>
+            <a:spLocks noGrp="1" noRot="1" noChangeAspect="1"/>
+          </p:cNvSpPr>
+          <p:nvPr>
+            <p:ph type="sldImg"/>
+          </p:nvPr>
+        </p:nvSpPr>
+        <p:spPr/>
+      </p:sp>
+      <p:sp>
+        <p:nvSpPr>
+          <p:cNvPr id="3" name="2 Marcador de notas"/>
+          <p:cNvSpPr>
+            <a:spLocks noGrp="1"/>
+          </p:cNvSpPr>
+          <p:nvPr>
+            <p:ph type="body" idx="1"/>
+          </p:nvPr>
+        </p:nvSpPr>
+        <p:spPr/>
+        <p:txBody>
+          <a:bodyPr>
+            <a:normAutofit/>
+          </a:bodyPr>
+          <a:lstStyle/>
+          <a:p>
+            <a:pPr>
+              <a:buFont typeface="Arial" pitchFamily="34" charset="0"/>
+              <a:buChar char="•"/>
+            </a:pPr>
+            <a:r>
+              <a:rPr lang="es-ES" b="0" dirty="0" smtClean="0"/>
+              <a:t>Se</a:t>
+            </a:r>
+            <a:r>
+              <a:rPr lang="es-ES" b="0" baseline="0" dirty="0" smtClean="0"/>
+              <a:t> construye un interfaz de usuario web que permita:</a:t>
+            </a:r>
+          </a:p>
+          <a:p>
+            <a:pPr lvl="1">
+              <a:buFont typeface="Arial" pitchFamily="34" charset="0"/>
+              <a:buChar char="•"/>
+            </a:pPr>
+            <a:r>
+              <a:rPr lang="es-ES" sz="1200" b="0" kern="1200" dirty="0" smtClean="0">
+                <a:solidFill>
+                  <a:schemeClr val="tx1"/>
+                </a:solidFill>
+                <a:latin typeface="+mn-lt"/>
+                <a:ea typeface="+mn-ea"/>
+                <a:cs typeface="+mn-cs"/>
+              </a:rPr>
+              <a:t>Una representación tabular de las observaciones obtenidas organizadas por fecha y en las que se resalten los posibles problemas de calidad identificados</a:t>
+            </a:r>
+          </a:p>
+          <a:p>
+            <a:pPr lvl="1">
+              <a:buFont typeface="Arial" pitchFamily="34" charset="0"/>
+              <a:buChar char="•"/>
+            </a:pPr>
+            <a:r>
+              <a:rPr lang="es-ES" sz="1200" b="0" kern="1200" dirty="0" smtClean="0">
+                <a:solidFill>
+                  <a:schemeClr val="tx1"/>
+                </a:solidFill>
+                <a:latin typeface="+mn-lt"/>
+                <a:ea typeface="+mn-ea"/>
+                <a:cs typeface="+mn-cs"/>
+              </a:rPr>
+              <a:t>Una representación gráfica de las observaciones organizadas por fecha</a:t>
+            </a:r>
+          </a:p>
+          <a:p>
+            <a:pPr lvl="1">
+              <a:buFont typeface="Arial" pitchFamily="34" charset="0"/>
+              <a:buChar char="•"/>
+            </a:pPr>
+            <a:r>
+              <a:rPr lang="es-ES" sz="1200" b="0" kern="1200" dirty="0" smtClean="0">
+                <a:solidFill>
+                  <a:schemeClr val="tx1"/>
+                </a:solidFill>
+                <a:latin typeface="+mn-lt"/>
+                <a:ea typeface="+mn-ea"/>
+                <a:cs typeface="+mn-cs"/>
+              </a:rPr>
+              <a:t>Ídem para derivadas</a:t>
+            </a:r>
+          </a:p>
+          <a:p>
+            <a:pPr marL="457200" marR="0" lvl="1" indent="0" algn="l" defTabSz="914400" rtl="0" eaLnBrk="1" fontAlgn="auto" latinLnBrk="0" hangingPunct="1">
+              <a:lnSpc>
+                <a:spcPct val="100000"/>
+              </a:lnSpc>
+              <a:spcBef>
+                <a:spcPts val="0"/>
+              </a:spcBef>
+              <a:spcAft>
+                <a:spcPts val="0"/>
+              </a:spcAft>
+              <a:buClrTx/>
+              <a:buSzTx/>
+              <a:buFont typeface="Arial" pitchFamily="34" charset="0"/>
+              <a:buChar char="•"/>
+              <a:tabLst/>
+              <a:defRPr/>
+            </a:pPr>
+            <a:r>
+              <a:rPr lang="es-ES" sz="1200" b="0" kern="1200" dirty="0" smtClean="0">
+                <a:solidFill>
+                  <a:schemeClr val="tx1"/>
+                </a:solidFill>
+                <a:latin typeface="+mn-lt"/>
+                <a:ea typeface="+mn-ea"/>
+                <a:cs typeface="+mn-cs"/>
+              </a:rPr>
+              <a:t>Unas funciones de búsqueda y localización de estaciones basadas en criterios administrativos o espaciales, para su posterior selección.</a:t>
+            </a:r>
+          </a:p>
+          <a:p>
+            <a:pPr lvl="1">
+              <a:buFont typeface="Arial" pitchFamily="34" charset="0"/>
+              <a:buChar char="•"/>
+            </a:pPr>
+            <a:r>
+              <a:rPr lang="es-ES" b="0" dirty="0" smtClean="0"/>
+              <a:t>Una configuración</a:t>
+            </a:r>
+            <a:r>
+              <a:rPr lang="es-ES" b="0" baseline="0" dirty="0" smtClean="0"/>
+              <a:t> del perfil del usuario y de los datos de la estación</a:t>
+            </a:r>
+            <a:endParaRPr lang="es-ES" b="0" dirty="0"/>
+          </a:p>
+        </p:txBody>
+      </p:sp>
+      <p:sp>
+        <p:nvSpPr>
+          <p:cNvPr id="4" name="3 Marcador de número de diapositiva"/>
+          <p:cNvSpPr>
+            <a:spLocks noGrp="1"/>
+          </p:cNvSpPr>
+          <p:nvPr>
+            <p:ph type="sldNum" sz="quarter" idx="10"/>
+          </p:nvPr>
+        </p:nvSpPr>
+        <p:spPr/>
+        <p:txBody>
+          <a:bodyPr/>
+          <a:lstStyle/>
+          <a:p>
+            <a:fld id="{63A1F4E7-7A1C-4C54-AFBE-FD7BAC1842B2}" type="slidenum">
+              <a:rPr lang="es-ES" smtClean="0"/>
+              <a:t>9</a:t>
+            </a:fld>
+            <a:endParaRPr lang="es-ES"/>
+          </a:p>
+        </p:txBody>
+      </p:sp>
+    </p:spTree>
+  </p:cSld>
+  <p:clrMapOvr>
+    <a:masterClrMapping/>
+  </p:clrMapOvr>
+</p:notes>
+</file>
+
 <file path=ppt/slideLayouts/slideLayout1.xml><?xml version="1.0" encoding="utf-8"?>
 <p:sldLayout xmlns:a="http://schemas.openxmlformats.org/drawingml/2006/main" xmlns:r="http://schemas.openxmlformats.org/officeDocument/2006/relationships" xmlns:p="http://schemas.openxmlformats.org/presentationml/2006/main" showMasterSp="0" type="title" preserve="1">
   <p:cSld name="Diapositiva de título">
@@ -26644,7 +30903,7 @@
             <a:fld id="{63676F4A-993E-4992-BA79-656C4A405A0F}" type="datetimeFigureOut">
               <a:rPr lang="es-ES" smtClean="0"/>
               <a:pPr/>
-              <a:t>16/05/2015</a:t>
+              <a:t>18/05/2015</a:t>
             </a:fld>
             <a:endParaRPr lang="es-ES"/>
           </a:p>
@@ -26842,7 +31101,7 @@
             <a:fld id="{63676F4A-993E-4992-BA79-656C4A405A0F}" type="datetimeFigureOut">
               <a:rPr lang="es-ES" smtClean="0"/>
               <a:pPr/>
-              <a:t>16/05/2015</a:t>
+              <a:t>18/05/2015</a:t>
             </a:fld>
             <a:endParaRPr lang="es-ES"/>
           </a:p>
@@ -27029,7 +31288,7 @@
             <a:fld id="{63676F4A-993E-4992-BA79-656C4A405A0F}" type="datetimeFigureOut">
               <a:rPr lang="es-ES" smtClean="0"/>
               <a:pPr/>
-              <a:t>16/05/2015</a:t>
+              <a:t>18/05/2015</a:t>
             </a:fld>
             <a:endParaRPr lang="es-ES"/>
           </a:p>
@@ -27181,7 +31440,7 @@
             <a:fld id="{63676F4A-993E-4992-BA79-656C4A405A0F}" type="datetimeFigureOut">
               <a:rPr lang="es-ES" smtClean="0"/>
               <a:pPr/>
-              <a:t>16/05/2015</a:t>
+              <a:t>18/05/2015</a:t>
             </a:fld>
             <a:endParaRPr lang="es-ES"/>
           </a:p>
@@ -27438,7 +31697,7 @@
             <a:fld id="{63676F4A-993E-4992-BA79-656C4A405A0F}" type="datetimeFigureOut">
               <a:rPr lang="es-ES" smtClean="0"/>
               <a:pPr/>
-              <a:t>16/05/2015</a:t>
+              <a:t>18/05/2015</a:t>
             </a:fld>
             <a:endParaRPr lang="es-ES"/>
           </a:p>
@@ -27849,7 +32108,7 @@
             <a:fld id="{63676F4A-993E-4992-BA79-656C4A405A0F}" type="datetimeFigureOut">
               <a:rPr lang="es-ES" smtClean="0"/>
               <a:pPr/>
-              <a:t>16/05/2015</a:t>
+              <a:t>18/05/2015</a:t>
             </a:fld>
             <a:endParaRPr lang="es-ES"/>
           </a:p>
@@ -28297,7 +32556,7 @@
             <a:fld id="{63676F4A-993E-4992-BA79-656C4A405A0F}" type="datetimeFigureOut">
               <a:rPr lang="es-ES" smtClean="0"/>
               <a:pPr/>
-              <a:t>16/05/2015</a:t>
+              <a:t>18/05/2015</a:t>
             </a:fld>
             <a:endParaRPr lang="es-ES"/>
           </a:p>
@@ -28400,7 +32659,7 @@
             <a:fld id="{63676F4A-993E-4992-BA79-656C4A405A0F}" type="datetimeFigureOut">
               <a:rPr lang="es-ES" smtClean="0"/>
               <a:pPr/>
-              <a:t>16/05/2015</a:t>
+              <a:t>18/05/2015</a:t>
             </a:fld>
             <a:endParaRPr lang="es-ES"/>
           </a:p>
@@ -28523,7 +32782,7 @@
             <a:fld id="{63676F4A-993E-4992-BA79-656C4A405A0F}" type="datetimeFigureOut">
               <a:rPr lang="es-ES" smtClean="0"/>
               <a:pPr/>
-              <a:t>16/05/2015</a:t>
+              <a:t>18/05/2015</a:t>
             </a:fld>
             <a:endParaRPr lang="es-ES"/>
           </a:p>
@@ -28799,7 +33058,7 @@
             <a:fld id="{63676F4A-993E-4992-BA79-656C4A405A0F}" type="datetimeFigureOut">
               <a:rPr lang="es-ES" smtClean="0"/>
               <a:pPr/>
-              <a:t>16/05/2015</a:t>
+              <a:t>18/05/2015</a:t>
             </a:fld>
             <a:endParaRPr lang="es-ES"/>
           </a:p>
@@ -29006,7 +33265,7 @@
             <a:fld id="{63676F4A-993E-4992-BA79-656C4A405A0F}" type="datetimeFigureOut">
               <a:rPr lang="es-ES" smtClean="0"/>
               <a:pPr/>
-              <a:t>16/05/2015</a:t>
+              <a:t>18/05/2015</a:t>
             </a:fld>
             <a:endParaRPr lang="es-ES"/>
           </a:p>
@@ -30117,7 +34376,7 @@
             <a:fld id="{63676F4A-993E-4992-BA79-656C4A405A0F}" type="datetimeFigureOut">
               <a:rPr lang="es-ES" smtClean="0"/>
               <a:pPr/>
-              <a:t>16/05/2015</a:t>
+              <a:t>18/05/2015</a:t>
             </a:fld>
             <a:endParaRPr lang="es-ES"/>
           </a:p>
@@ -30746,7 +35005,7 @@
         </p:xfrm>
         <a:graphic>
           <a:graphicData uri="http://schemas.openxmlformats.org/drawingml/2006/diagram">
-            <dgm:relIds xmlns:dgm="http://schemas.openxmlformats.org/drawingml/2006/diagram" xmlns:r="http://schemas.openxmlformats.org/officeDocument/2006/relationships" r:dm="rId2" r:lo="rId3" r:qs="rId4" r:cs="rId5"/>
+            <dgm:relIds xmlns:dgm="http://schemas.openxmlformats.org/drawingml/2006/diagram" xmlns:r="http://schemas.openxmlformats.org/officeDocument/2006/relationships" r:dm="rId3" r:lo="rId4" r:qs="rId5" r:cs="rId6"/>
           </a:graphicData>
         </a:graphic>
       </p:graphicFrame>
@@ -30858,23 +35117,7 @@
                   <a:srgbClr val="777777"/>
                 </a:solidFill>
               </a:rPr>
-              <a:t>Introducción (2 </a:t>
-            </a:r>
-            <a:r>
-              <a:rPr lang="es-ES_tradnl" sz="2000" dirty="0" err="1" smtClean="0">
-                <a:solidFill>
-                  <a:srgbClr val="777777"/>
-                </a:solidFill>
-              </a:rPr>
-              <a:t>mins</a:t>
-            </a:r>
-            <a:r>
-              <a:rPr lang="es-ES_tradnl" sz="2000" dirty="0" smtClean="0">
-                <a:solidFill>
-                  <a:srgbClr val="777777"/>
-                </a:solidFill>
-              </a:rPr>
-              <a:t>.)</a:t>
+              <a:t>Introducción</a:t>
             </a:r>
             <a:endParaRPr lang="es-ES_tradnl" sz="2000" dirty="0">
               <a:solidFill>
@@ -30969,23 +35212,7 @@
                   <a:srgbClr val="777777"/>
                 </a:solidFill>
               </a:rPr>
-              <a:t>Análisis y Diseño (2 </a:t>
-            </a:r>
-            <a:r>
-              <a:rPr lang="es-ES_tradnl" sz="2000" b="1" dirty="0" err="1" smtClean="0">
-                <a:solidFill>
-                  <a:srgbClr val="777777"/>
-                </a:solidFill>
-              </a:rPr>
-              <a:t>mins</a:t>
-            </a:r>
-            <a:r>
-              <a:rPr lang="es-ES_tradnl" sz="2000" b="1" dirty="0" smtClean="0">
-                <a:solidFill>
-                  <a:srgbClr val="777777"/>
-                </a:solidFill>
-              </a:rPr>
-              <a:t>.)</a:t>
+              <a:t>Análisis y Diseño</a:t>
             </a:r>
           </a:p>
         </p:txBody>
@@ -30993,7 +35220,7 @@
       <p:sp>
         <p:nvSpPr>
           <p:cNvPr id="8" name="Rectangle 5">
-            <a:hlinkClick r:id="rId2" action="ppaction://hlinksldjump"/>
+            <a:hlinkClick r:id="rId3" action="ppaction://hlinksldjump"/>
           </p:cNvPr>
           <p:cNvSpPr>
             <a:spLocks noChangeArrowheads="1"/>
@@ -31119,7 +35346,7 @@
       <p:sp>
         <p:nvSpPr>
           <p:cNvPr id="10" name="Rectangle 5">
-            <a:hlinkClick r:id="rId2" action="ppaction://hlinksldjump"/>
+            <a:hlinkClick r:id="rId3" action="ppaction://hlinksldjump"/>
           </p:cNvPr>
           <p:cNvSpPr>
             <a:spLocks noChangeArrowheads="1"/>
@@ -31235,7 +35462,7 @@
                   <a:srgbClr val="777777"/>
                 </a:solidFill>
               </a:rPr>
-              <a:t>Planificación (1 min.)</a:t>
+              <a:t>Planificación</a:t>
             </a:r>
           </a:p>
         </p:txBody>
@@ -31243,7 +35470,7 @@
       <p:sp>
         <p:nvSpPr>
           <p:cNvPr id="12" name="Rectangle 5">
-            <a:hlinkClick r:id="rId2" action="ppaction://hlinksldjump"/>
+            <a:hlinkClick r:id="rId3" action="ppaction://hlinksldjump"/>
           </p:cNvPr>
           <p:cNvSpPr>
             <a:spLocks noChangeArrowheads="1"/>
@@ -31355,7 +35582,7 @@
                   <a:srgbClr val="777777"/>
                 </a:solidFill>
               </a:rPr>
-              <a:t>Conclusiones (1 min.)</a:t>
+              <a:t>Conclusiones</a:t>
             </a:r>
           </a:p>
         </p:txBody>
@@ -31363,7 +35590,7 @@
       <p:sp>
         <p:nvSpPr>
           <p:cNvPr id="14" name="Rectangle 5">
-            <a:hlinkClick r:id="rId2" action="ppaction://hlinksldjump"/>
+            <a:hlinkClick r:id="rId3" action="ppaction://hlinksldjump"/>
           </p:cNvPr>
           <p:cNvSpPr>
             <a:spLocks noChangeArrowheads="1"/>
@@ -31433,7 +35660,7 @@
           <p:nvPr/>
         </p:nvPicPr>
         <p:blipFill>
-          <a:blip r:embed="rId3" cstate="print"/>
+          <a:blip r:embed="rId4" cstate="print"/>
           <a:srcRect/>
           <a:stretch>
             <a:fillRect/>
@@ -31507,23 +35734,7 @@
                   <a:srgbClr val="777777"/>
                 </a:solidFill>
               </a:rPr>
-              <a:t>Demo (5 </a:t>
-            </a:r>
-            <a:r>
-              <a:rPr lang="es-ES_tradnl" sz="2000" dirty="0" err="1" smtClean="0">
-                <a:solidFill>
-                  <a:srgbClr val="777777"/>
-                </a:solidFill>
-              </a:rPr>
-              <a:t>mins</a:t>
-            </a:r>
-            <a:r>
-              <a:rPr lang="es-ES_tradnl" sz="2000" dirty="0" smtClean="0">
-                <a:solidFill>
-                  <a:srgbClr val="777777"/>
-                </a:solidFill>
-              </a:rPr>
-              <a:t>.)</a:t>
+              <a:t>Demo</a:t>
             </a:r>
           </a:p>
         </p:txBody>
@@ -31581,7 +35792,7 @@
                   <a:srgbClr val="777777"/>
                 </a:solidFill>
               </a:rPr>
-              <a:t>Análisis de código (1 min.)</a:t>
+              <a:t>Análisis de código</a:t>
             </a:r>
           </a:p>
         </p:txBody>
@@ -31589,7 +35800,7 @@
       <p:sp>
         <p:nvSpPr>
           <p:cNvPr id="18" name="Rectangle 5">
-            <a:hlinkClick r:id="rId2" action="ppaction://hlinksldjump"/>
+            <a:hlinkClick r:id="rId3" action="ppaction://hlinksldjump"/>
           </p:cNvPr>
           <p:cNvSpPr>
             <a:spLocks noChangeArrowheads="1"/>
@@ -31664,7 +35875,7 @@
       <p:sp>
         <p:nvSpPr>
           <p:cNvPr id="19" name="Rectangle 5">
-            <a:hlinkClick r:id="rId2" action="ppaction://hlinksldjump"/>
+            <a:hlinkClick r:id="rId3" action="ppaction://hlinksldjump"/>
           </p:cNvPr>
           <p:cNvSpPr>
             <a:spLocks noChangeArrowheads="1"/>
@@ -31789,23 +36000,7 @@
                   <a:srgbClr val="777777"/>
                 </a:solidFill>
               </a:rPr>
-              <a:t>Alcance (3 </a:t>
-            </a:r>
-            <a:r>
-              <a:rPr lang="es-ES_tradnl" sz="2000" dirty="0" err="1" smtClean="0">
-                <a:solidFill>
-                  <a:srgbClr val="777777"/>
-                </a:solidFill>
-              </a:rPr>
-              <a:t>mins</a:t>
-            </a:r>
-            <a:r>
-              <a:rPr lang="es-ES_tradnl" sz="2000" dirty="0" smtClean="0">
-                <a:solidFill>
-                  <a:srgbClr val="777777"/>
-                </a:solidFill>
-              </a:rPr>
-              <a:t>.)</a:t>
+              <a:t>Alcance</a:t>
             </a:r>
             <a:endParaRPr lang="es-ES_tradnl" sz="2000" dirty="0">
               <a:solidFill>
@@ -31881,7 +36076,7 @@
           <p:nvPr/>
         </p:nvPicPr>
         <p:blipFill>
-          <a:blip r:embed="rId2" cstate="print"/>
+          <a:blip r:embed="rId3" cstate="print"/>
           <a:stretch>
             <a:fillRect/>
           </a:stretch>
@@ -31905,7 +36100,7 @@
           <p:nvPr/>
         </p:nvPicPr>
         <p:blipFill>
-          <a:blip r:embed="rId3" cstate="print"/>
+          <a:blip r:embed="rId4" cstate="print"/>
           <a:stretch>
             <a:fillRect/>
           </a:stretch>
@@ -32038,7 +36233,7 @@
           <p:nvPr/>
         </p:nvPicPr>
         <p:blipFill>
-          <a:blip r:embed="rId2" cstate="print"/>
+          <a:blip r:embed="rId3" cstate="print"/>
           <a:stretch>
             <a:fillRect/>
           </a:stretch>
@@ -32240,7 +36435,7 @@
           <p:nvPr/>
         </p:nvPicPr>
         <p:blipFill>
-          <a:blip r:embed="rId2" cstate="print"/>
+          <a:blip r:embed="rId3" cstate="print"/>
           <a:stretch>
             <a:fillRect/>
           </a:stretch>
@@ -32808,23 +37003,7 @@
                   <a:srgbClr val="777777"/>
                 </a:solidFill>
               </a:rPr>
-              <a:t>Introducción (2 </a:t>
-            </a:r>
-            <a:r>
-              <a:rPr lang="es-ES_tradnl" sz="2000" dirty="0" err="1" smtClean="0">
-                <a:solidFill>
-                  <a:srgbClr val="777777"/>
-                </a:solidFill>
-              </a:rPr>
-              <a:t>mins</a:t>
-            </a:r>
-            <a:r>
-              <a:rPr lang="es-ES_tradnl" sz="2000" dirty="0" smtClean="0">
-                <a:solidFill>
-                  <a:srgbClr val="777777"/>
-                </a:solidFill>
-              </a:rPr>
-              <a:t>.)</a:t>
+              <a:t>Introducción</a:t>
             </a:r>
             <a:endParaRPr lang="es-ES_tradnl" sz="2000" dirty="0">
               <a:solidFill>
@@ -32919,23 +37098,7 @@
                   <a:srgbClr val="777777"/>
                 </a:solidFill>
               </a:rPr>
-              <a:t>Análisis y Diseño (2 </a:t>
-            </a:r>
-            <a:r>
-              <a:rPr lang="es-ES_tradnl" sz="2000" dirty="0" err="1" smtClean="0">
-                <a:solidFill>
-                  <a:srgbClr val="777777"/>
-                </a:solidFill>
-              </a:rPr>
-              <a:t>mins</a:t>
-            </a:r>
-            <a:r>
-              <a:rPr lang="es-ES_tradnl" sz="2000" dirty="0" smtClean="0">
-                <a:solidFill>
-                  <a:srgbClr val="777777"/>
-                </a:solidFill>
-              </a:rPr>
-              <a:t>.)</a:t>
+              <a:t>Análisis y Diseño</a:t>
             </a:r>
           </a:p>
         </p:txBody>
@@ -32943,7 +37106,7 @@
       <p:sp>
         <p:nvSpPr>
           <p:cNvPr id="8" name="Rectangle 5">
-            <a:hlinkClick r:id="rId2" action="ppaction://hlinksldjump"/>
+            <a:hlinkClick r:id="rId3" action="ppaction://hlinksldjump"/>
           </p:cNvPr>
           <p:cNvSpPr>
             <a:spLocks noChangeArrowheads="1"/>
@@ -33069,7 +37232,7 @@
       <p:sp>
         <p:nvSpPr>
           <p:cNvPr id="10" name="Rectangle 5">
-            <a:hlinkClick r:id="rId2" action="ppaction://hlinksldjump"/>
+            <a:hlinkClick r:id="rId3" action="ppaction://hlinksldjump"/>
           </p:cNvPr>
           <p:cNvSpPr>
             <a:spLocks noChangeArrowheads="1"/>
@@ -33183,7 +37346,7 @@
                   <a:srgbClr val="777777"/>
                 </a:solidFill>
               </a:rPr>
-              <a:t>Planificación (1 min.)</a:t>
+              <a:t>Planificación</a:t>
             </a:r>
           </a:p>
         </p:txBody>
@@ -33191,7 +37354,7 @@
       <p:sp>
         <p:nvSpPr>
           <p:cNvPr id="12" name="Rectangle 5">
-            <a:hlinkClick r:id="rId2" action="ppaction://hlinksldjump"/>
+            <a:hlinkClick r:id="rId3" action="ppaction://hlinksldjump"/>
           </p:cNvPr>
           <p:cNvSpPr>
             <a:spLocks noChangeArrowheads="1"/>
@@ -33305,7 +37468,7 @@
                   <a:srgbClr val="777777"/>
                 </a:solidFill>
               </a:rPr>
-              <a:t>Conclusiones (1 min.)</a:t>
+              <a:t>Conclusiones</a:t>
             </a:r>
           </a:p>
         </p:txBody>
@@ -33313,7 +37476,7 @@
       <p:sp>
         <p:nvSpPr>
           <p:cNvPr id="14" name="Rectangle 5">
-            <a:hlinkClick r:id="rId2" action="ppaction://hlinksldjump"/>
+            <a:hlinkClick r:id="rId3" action="ppaction://hlinksldjump"/>
           </p:cNvPr>
           <p:cNvSpPr>
             <a:spLocks noChangeArrowheads="1"/>
@@ -33383,7 +37546,7 @@
           <p:nvPr/>
         </p:nvPicPr>
         <p:blipFill>
-          <a:blip r:embed="rId3" cstate="print"/>
+          <a:blip r:embed="rId4" cstate="print"/>
           <a:srcRect/>
           <a:stretch>
             <a:fillRect/>
@@ -33457,23 +37620,7 @@
                   <a:srgbClr val="777777"/>
                 </a:solidFill>
               </a:rPr>
-              <a:t>Demo (5 </a:t>
-            </a:r>
-            <a:r>
-              <a:rPr lang="es-ES_tradnl" sz="2000" dirty="0" err="1" smtClean="0">
-                <a:solidFill>
-                  <a:srgbClr val="777777"/>
-                </a:solidFill>
-              </a:rPr>
-              <a:t>mins</a:t>
-            </a:r>
-            <a:r>
-              <a:rPr lang="es-ES_tradnl" sz="2000" dirty="0" smtClean="0">
-                <a:solidFill>
-                  <a:srgbClr val="777777"/>
-                </a:solidFill>
-              </a:rPr>
-              <a:t>.)</a:t>
+              <a:t>Demo</a:t>
             </a:r>
           </a:p>
         </p:txBody>
@@ -33531,7 +37678,7 @@
                   <a:srgbClr val="777777"/>
                 </a:solidFill>
               </a:rPr>
-              <a:t>Análisis de código (1 min.)</a:t>
+              <a:t>Análisis de código</a:t>
             </a:r>
           </a:p>
         </p:txBody>
@@ -33539,7 +37686,7 @@
       <p:sp>
         <p:nvSpPr>
           <p:cNvPr id="18" name="Rectangle 5">
-            <a:hlinkClick r:id="rId2" action="ppaction://hlinksldjump"/>
+            <a:hlinkClick r:id="rId3" action="ppaction://hlinksldjump"/>
           </p:cNvPr>
           <p:cNvSpPr>
             <a:spLocks noChangeArrowheads="1"/>
@@ -33614,7 +37761,7 @@
       <p:sp>
         <p:nvSpPr>
           <p:cNvPr id="19" name="Rectangle 5">
-            <a:hlinkClick r:id="rId2" action="ppaction://hlinksldjump"/>
+            <a:hlinkClick r:id="rId3" action="ppaction://hlinksldjump"/>
           </p:cNvPr>
           <p:cNvSpPr>
             <a:spLocks noChangeArrowheads="1"/>
@@ -33739,23 +37886,7 @@
                   <a:srgbClr val="777777"/>
                 </a:solidFill>
               </a:rPr>
-              <a:t>Alcance (3 </a:t>
-            </a:r>
-            <a:r>
-              <a:rPr lang="es-ES_tradnl" sz="2000" dirty="0" err="1" smtClean="0">
-                <a:solidFill>
-                  <a:srgbClr val="777777"/>
-                </a:solidFill>
-              </a:rPr>
-              <a:t>mins</a:t>
-            </a:r>
-            <a:r>
-              <a:rPr lang="es-ES_tradnl" sz="2000" dirty="0" smtClean="0">
-                <a:solidFill>
-                  <a:srgbClr val="777777"/>
-                </a:solidFill>
-              </a:rPr>
-              <a:t>.)</a:t>
+              <a:t>Alcance</a:t>
             </a:r>
             <a:endParaRPr lang="es-ES_tradnl" sz="2000" dirty="0">
               <a:solidFill>
@@ -33925,27 +38056,7 @@
                   </a:schemeClr>
                 </a:solidFill>
               </a:rPr>
-              <a:t>42 días</a:t>
-            </a:r>
-            <a:r>
-              <a:rPr lang="es-ES" dirty="0" smtClean="0">
-                <a:solidFill>
-                  <a:schemeClr val="bg2">
-                    <a:lumMod val="25000"/>
-                  </a:schemeClr>
-                </a:solidFill>
-              </a:rPr>
-              <a:t> </a:t>
-            </a:r>
-            <a:r>
-              <a:rPr lang="es-ES" dirty="0" smtClean="0">
-                <a:solidFill>
-                  <a:schemeClr val="bg2">
-                    <a:lumMod val="25000"/>
-                  </a:schemeClr>
-                </a:solidFill>
-              </a:rPr>
-              <a:t>naturales</a:t>
+              <a:t>42 días naturales</a:t>
             </a:r>
           </a:p>
           <a:p>
@@ -34134,7 +38245,7 @@
         </p:xfrm>
         <a:graphic>
           <a:graphicData uri="http://schemas.openxmlformats.org/drawingml/2006/diagram">
-            <dgm:relIds xmlns:dgm="http://schemas.openxmlformats.org/drawingml/2006/diagram" xmlns:r="http://schemas.openxmlformats.org/officeDocument/2006/relationships" r:dm="rId2" r:lo="rId3" r:qs="rId4" r:cs="rId5"/>
+            <dgm:relIds xmlns:dgm="http://schemas.openxmlformats.org/drawingml/2006/diagram" xmlns:r="http://schemas.openxmlformats.org/officeDocument/2006/relationships" r:dm="rId3" r:lo="rId4" r:qs="rId5" r:cs="rId6"/>
           </a:graphicData>
         </a:graphic>
       </p:graphicFrame>
@@ -34246,23 +38357,7 @@
                   <a:srgbClr val="777777"/>
                 </a:solidFill>
               </a:rPr>
-              <a:t>Introducción (2 </a:t>
-            </a:r>
-            <a:r>
-              <a:rPr lang="es-ES_tradnl" sz="2000" dirty="0" err="1" smtClean="0">
-                <a:solidFill>
-                  <a:srgbClr val="777777"/>
-                </a:solidFill>
-              </a:rPr>
-              <a:t>mins</a:t>
-            </a:r>
-            <a:r>
-              <a:rPr lang="es-ES_tradnl" sz="2000" dirty="0" smtClean="0">
-                <a:solidFill>
-                  <a:srgbClr val="777777"/>
-                </a:solidFill>
-              </a:rPr>
-              <a:t>.)</a:t>
+              <a:t>Introducción</a:t>
             </a:r>
             <a:endParaRPr lang="es-ES_tradnl" sz="2000" dirty="0">
               <a:solidFill>
@@ -34357,23 +38452,7 @@
                   <a:srgbClr val="777777"/>
                 </a:solidFill>
               </a:rPr>
-              <a:t>Análisis y Diseño (2 </a:t>
-            </a:r>
-            <a:r>
-              <a:rPr lang="es-ES_tradnl" sz="2000" dirty="0" err="1" smtClean="0">
-                <a:solidFill>
-                  <a:srgbClr val="777777"/>
-                </a:solidFill>
-              </a:rPr>
-              <a:t>mins</a:t>
-            </a:r>
-            <a:r>
-              <a:rPr lang="es-ES_tradnl" sz="2000" dirty="0" smtClean="0">
-                <a:solidFill>
-                  <a:srgbClr val="777777"/>
-                </a:solidFill>
-              </a:rPr>
-              <a:t>.)</a:t>
+              <a:t>Análisis y Diseño</a:t>
             </a:r>
           </a:p>
         </p:txBody>
@@ -34381,7 +38460,7 @@
       <p:sp>
         <p:nvSpPr>
           <p:cNvPr id="8" name="Rectangle 5">
-            <a:hlinkClick r:id="rId2" action="ppaction://hlinksldjump"/>
+            <a:hlinkClick r:id="rId3" action="ppaction://hlinksldjump"/>
           </p:cNvPr>
           <p:cNvSpPr>
             <a:spLocks noChangeArrowheads="1"/>
@@ -34507,7 +38586,7 @@
       <p:sp>
         <p:nvSpPr>
           <p:cNvPr id="10" name="Rectangle 5">
-            <a:hlinkClick r:id="rId2" action="ppaction://hlinksldjump"/>
+            <a:hlinkClick r:id="rId3" action="ppaction://hlinksldjump"/>
           </p:cNvPr>
           <p:cNvSpPr>
             <a:spLocks noChangeArrowheads="1"/>
@@ -34621,7 +38700,7 @@
                   <a:srgbClr val="777777"/>
                 </a:solidFill>
               </a:rPr>
-              <a:t>Planificación (1 min.)</a:t>
+              <a:t>Planificación</a:t>
             </a:r>
           </a:p>
         </p:txBody>
@@ -34629,7 +38708,7 @@
       <p:sp>
         <p:nvSpPr>
           <p:cNvPr id="12" name="Rectangle 5">
-            <a:hlinkClick r:id="rId2" action="ppaction://hlinksldjump"/>
+            <a:hlinkClick r:id="rId3" action="ppaction://hlinksldjump"/>
           </p:cNvPr>
           <p:cNvSpPr>
             <a:spLocks noChangeArrowheads="1"/>
@@ -34741,7 +38820,7 @@
                   <a:srgbClr val="777777"/>
                 </a:solidFill>
               </a:rPr>
-              <a:t>Conclusiones (1 min.)</a:t>
+              <a:t>Conclusiones</a:t>
             </a:r>
           </a:p>
         </p:txBody>
@@ -34749,7 +38828,7 @@
       <p:sp>
         <p:nvSpPr>
           <p:cNvPr id="14" name="Rectangle 5">
-            <a:hlinkClick r:id="rId2" action="ppaction://hlinksldjump"/>
+            <a:hlinkClick r:id="rId3" action="ppaction://hlinksldjump"/>
           </p:cNvPr>
           <p:cNvSpPr>
             <a:spLocks noChangeArrowheads="1"/>
@@ -34821,7 +38900,7 @@
           <p:nvPr/>
         </p:nvPicPr>
         <p:blipFill>
-          <a:blip r:embed="rId3" cstate="print"/>
+          <a:blip r:embed="rId4" cstate="print"/>
           <a:srcRect/>
           <a:stretch>
             <a:fillRect/>
@@ -34895,23 +38974,7 @@
                   <a:srgbClr val="777777"/>
                 </a:solidFill>
               </a:rPr>
-              <a:t>Demo (5 </a:t>
-            </a:r>
-            <a:r>
-              <a:rPr lang="es-ES_tradnl" sz="2000" b="1" dirty="0" err="1" smtClean="0">
-                <a:solidFill>
-                  <a:srgbClr val="777777"/>
-                </a:solidFill>
-              </a:rPr>
-              <a:t>mins</a:t>
-            </a:r>
-            <a:r>
-              <a:rPr lang="es-ES_tradnl" sz="2000" b="1" dirty="0" smtClean="0">
-                <a:solidFill>
-                  <a:srgbClr val="777777"/>
-                </a:solidFill>
-              </a:rPr>
-              <a:t>.)</a:t>
+              <a:t>Demo</a:t>
             </a:r>
           </a:p>
         </p:txBody>
@@ -34969,7 +39032,7 @@
                   <a:srgbClr val="777777"/>
                 </a:solidFill>
               </a:rPr>
-              <a:t>Análisis de código (1 min.)</a:t>
+              <a:t>Análisis de código</a:t>
             </a:r>
           </a:p>
         </p:txBody>
@@ -34977,7 +39040,7 @@
       <p:sp>
         <p:nvSpPr>
           <p:cNvPr id="18" name="Rectangle 5">
-            <a:hlinkClick r:id="rId2" action="ppaction://hlinksldjump"/>
+            <a:hlinkClick r:id="rId3" action="ppaction://hlinksldjump"/>
           </p:cNvPr>
           <p:cNvSpPr>
             <a:spLocks noChangeArrowheads="1"/>
@@ -35052,7 +39115,7 @@
       <p:sp>
         <p:nvSpPr>
           <p:cNvPr id="19" name="Rectangle 5">
-            <a:hlinkClick r:id="rId2" action="ppaction://hlinksldjump"/>
+            <a:hlinkClick r:id="rId3" action="ppaction://hlinksldjump"/>
           </p:cNvPr>
           <p:cNvSpPr>
             <a:spLocks noChangeArrowheads="1"/>
@@ -35177,23 +39240,7 @@
                   <a:srgbClr val="777777"/>
                 </a:solidFill>
               </a:rPr>
-              <a:t>Alcance (3 </a:t>
-            </a:r>
-            <a:r>
-              <a:rPr lang="es-ES_tradnl" sz="2000" dirty="0" err="1" smtClean="0">
-                <a:solidFill>
-                  <a:srgbClr val="777777"/>
-                </a:solidFill>
-              </a:rPr>
-              <a:t>mins</a:t>
-            </a:r>
-            <a:r>
-              <a:rPr lang="es-ES_tradnl" sz="2000" dirty="0" smtClean="0">
-                <a:solidFill>
-                  <a:srgbClr val="777777"/>
-                </a:solidFill>
-              </a:rPr>
-              <a:t>.)</a:t>
+              <a:t>Alcance</a:t>
             </a:r>
             <a:endParaRPr lang="es-ES_tradnl" sz="2000" dirty="0">
               <a:solidFill>
@@ -35267,7 +39314,7 @@
           <p:nvPr/>
         </p:nvPicPr>
         <p:blipFill>
-          <a:blip r:embed="rId2" cstate="print"/>
+          <a:blip r:embed="rId3" cstate="print"/>
           <a:stretch>
             <a:fillRect/>
           </a:stretch>
@@ -35346,7 +39393,7 @@
           <p:nvPr/>
         </p:nvPicPr>
         <p:blipFill>
-          <a:blip r:embed="rId2" cstate="print"/>
+          <a:blip r:embed="rId3" cstate="print"/>
           <a:stretch>
             <a:fillRect/>
           </a:stretch>
@@ -35469,23 +39516,7 @@
                   <a:srgbClr val="777777"/>
                 </a:solidFill>
               </a:rPr>
-              <a:t>Introducción (2 </a:t>
-            </a:r>
-            <a:r>
-              <a:rPr lang="es-ES_tradnl" sz="2000" b="1" dirty="0" err="1" smtClean="0">
-                <a:solidFill>
-                  <a:srgbClr val="777777"/>
-                </a:solidFill>
-              </a:rPr>
-              <a:t>mins</a:t>
-            </a:r>
-            <a:r>
-              <a:rPr lang="es-ES_tradnl" sz="2000" b="1" dirty="0" smtClean="0">
-                <a:solidFill>
-                  <a:srgbClr val="777777"/>
-                </a:solidFill>
-              </a:rPr>
-              <a:t>.)</a:t>
+              <a:t>Introducción</a:t>
             </a:r>
             <a:endParaRPr lang="es-ES_tradnl" sz="2000" b="1" dirty="0">
               <a:solidFill>
@@ -35580,23 +39611,7 @@
                   <a:srgbClr val="777777"/>
                 </a:solidFill>
               </a:rPr>
-              <a:t>Análisis y Diseño (2 </a:t>
-            </a:r>
-            <a:r>
-              <a:rPr lang="es-ES_tradnl" sz="2000" dirty="0" err="1" smtClean="0">
-                <a:solidFill>
-                  <a:srgbClr val="777777"/>
-                </a:solidFill>
-              </a:rPr>
-              <a:t>mins</a:t>
-            </a:r>
-            <a:r>
-              <a:rPr lang="es-ES_tradnl" sz="2000" dirty="0" smtClean="0">
-                <a:solidFill>
-                  <a:srgbClr val="777777"/>
-                </a:solidFill>
-              </a:rPr>
-              <a:t>.)</a:t>
+              <a:t>Análisis y Diseño</a:t>
             </a:r>
           </a:p>
         </p:txBody>
@@ -35604,7 +39619,7 @@
       <p:sp>
         <p:nvSpPr>
           <p:cNvPr id="8" name="Rectangle 5">
-            <a:hlinkClick r:id="rId2" action="ppaction://hlinksldjump"/>
+            <a:hlinkClick r:id="rId3" action="ppaction://hlinksldjump"/>
           </p:cNvPr>
           <p:cNvSpPr>
             <a:spLocks noChangeArrowheads="1"/>
@@ -35732,7 +39747,7 @@
       <p:sp>
         <p:nvSpPr>
           <p:cNvPr id="10" name="Rectangle 5">
-            <a:hlinkClick r:id="rId2" action="ppaction://hlinksldjump"/>
+            <a:hlinkClick r:id="rId3" action="ppaction://hlinksldjump"/>
           </p:cNvPr>
           <p:cNvSpPr>
             <a:spLocks noChangeArrowheads="1"/>
@@ -35846,7 +39861,7 @@
                   <a:srgbClr val="777777"/>
                 </a:solidFill>
               </a:rPr>
-              <a:t>Planificación (1 min.)</a:t>
+              <a:t>Planificación</a:t>
             </a:r>
           </a:p>
         </p:txBody>
@@ -35854,7 +39869,7 @@
       <p:sp>
         <p:nvSpPr>
           <p:cNvPr id="12" name="Rectangle 5">
-            <a:hlinkClick r:id="rId2" action="ppaction://hlinksldjump"/>
+            <a:hlinkClick r:id="rId3" action="ppaction://hlinksldjump"/>
           </p:cNvPr>
           <p:cNvSpPr>
             <a:spLocks noChangeArrowheads="1"/>
@@ -35966,7 +39981,7 @@
                   <a:srgbClr val="777777"/>
                 </a:solidFill>
               </a:rPr>
-              <a:t>Conclusiones (1 min.)</a:t>
+              <a:t>Conclusiones</a:t>
             </a:r>
           </a:p>
         </p:txBody>
@@ -35974,7 +39989,7 @@
       <p:sp>
         <p:nvSpPr>
           <p:cNvPr id="14" name="Rectangle 5">
-            <a:hlinkClick r:id="rId2" action="ppaction://hlinksldjump"/>
+            <a:hlinkClick r:id="rId3" action="ppaction://hlinksldjump"/>
           </p:cNvPr>
           <p:cNvSpPr>
             <a:spLocks noChangeArrowheads="1"/>
@@ -36044,7 +40059,7 @@
           <p:nvPr/>
         </p:nvPicPr>
         <p:blipFill>
-          <a:blip r:embed="rId3" cstate="print"/>
+          <a:blip r:embed="rId4" cstate="print"/>
           <a:srcRect/>
           <a:stretch>
             <a:fillRect/>
@@ -36118,23 +40133,7 @@
                   <a:srgbClr val="777777"/>
                 </a:solidFill>
               </a:rPr>
-              <a:t>Demo (5 </a:t>
-            </a:r>
-            <a:r>
-              <a:rPr lang="es-ES_tradnl" sz="2000" dirty="0" err="1" smtClean="0">
-                <a:solidFill>
-                  <a:srgbClr val="777777"/>
-                </a:solidFill>
-              </a:rPr>
-              <a:t>mins</a:t>
-            </a:r>
-            <a:r>
-              <a:rPr lang="es-ES_tradnl" sz="2000" dirty="0" smtClean="0">
-                <a:solidFill>
-                  <a:srgbClr val="777777"/>
-                </a:solidFill>
-              </a:rPr>
-              <a:t>.)</a:t>
+              <a:t>Demo</a:t>
             </a:r>
           </a:p>
         </p:txBody>
@@ -36192,7 +40191,7 @@
                   <a:srgbClr val="777777"/>
                 </a:solidFill>
               </a:rPr>
-              <a:t>Análisis de código (1 min.)</a:t>
+              <a:t>Análisis de código</a:t>
             </a:r>
           </a:p>
         </p:txBody>
@@ -36200,7 +40199,7 @@
       <p:sp>
         <p:nvSpPr>
           <p:cNvPr id="18" name="Rectangle 5">
-            <a:hlinkClick r:id="rId2" action="ppaction://hlinksldjump"/>
+            <a:hlinkClick r:id="rId3" action="ppaction://hlinksldjump"/>
           </p:cNvPr>
           <p:cNvSpPr>
             <a:spLocks noChangeArrowheads="1"/>
@@ -36275,7 +40274,7 @@
       <p:sp>
         <p:nvSpPr>
           <p:cNvPr id="19" name="Rectangle 5">
-            <a:hlinkClick r:id="rId2" action="ppaction://hlinksldjump"/>
+            <a:hlinkClick r:id="rId3" action="ppaction://hlinksldjump"/>
           </p:cNvPr>
           <p:cNvSpPr>
             <a:spLocks noChangeArrowheads="1"/>
@@ -36400,23 +40399,7 @@
                   <a:srgbClr val="777777"/>
                 </a:solidFill>
               </a:rPr>
-              <a:t>Alcance (3 </a:t>
-            </a:r>
-            <a:r>
-              <a:rPr lang="es-ES_tradnl" sz="2000" dirty="0" err="1" smtClean="0">
-                <a:solidFill>
-                  <a:srgbClr val="777777"/>
-                </a:solidFill>
-              </a:rPr>
-              <a:t>mins</a:t>
-            </a:r>
-            <a:r>
-              <a:rPr lang="es-ES_tradnl" sz="2000" dirty="0" smtClean="0">
-                <a:solidFill>
-                  <a:srgbClr val="777777"/>
-                </a:solidFill>
-              </a:rPr>
-              <a:t>.)</a:t>
+              <a:t>Alcance</a:t>
             </a:r>
             <a:endParaRPr lang="es-ES_tradnl" sz="2000" dirty="0">
               <a:solidFill>
@@ -36492,7 +40475,7 @@
           <p:nvPr/>
         </p:nvPicPr>
         <p:blipFill>
-          <a:blip r:embed="rId2" cstate="print"/>
+          <a:blip r:embed="rId3" cstate="print"/>
           <a:stretch>
             <a:fillRect/>
           </a:stretch>
@@ -36571,7 +40554,7 @@
           <p:nvPr/>
         </p:nvPicPr>
         <p:blipFill>
-          <a:blip r:embed="rId2" cstate="print"/>
+          <a:blip r:embed="rId3" cstate="print"/>
           <a:stretch>
             <a:fillRect/>
           </a:stretch>
@@ -36650,7 +40633,7 @@
           <p:nvPr/>
         </p:nvPicPr>
         <p:blipFill>
-          <a:blip r:embed="rId2" cstate="print"/>
+          <a:blip r:embed="rId3" cstate="print"/>
           <a:stretch>
             <a:fillRect/>
           </a:stretch>
@@ -36729,7 +40712,7 @@
           <p:nvPr/>
         </p:nvPicPr>
         <p:blipFill>
-          <a:blip r:embed="rId2" cstate="print"/>
+          <a:blip r:embed="rId3" cstate="print"/>
           <a:stretch>
             <a:fillRect/>
           </a:stretch>
@@ -36810,7 +40793,7 @@
           <p:nvPr/>
         </p:nvPicPr>
         <p:blipFill>
-          <a:blip r:embed="rId2" cstate="print"/>
+          <a:blip r:embed="rId3" cstate="print"/>
           <a:stretch>
             <a:fillRect/>
           </a:stretch>
@@ -36891,7 +40874,7 @@
           <p:nvPr/>
         </p:nvPicPr>
         <p:blipFill>
-          <a:blip r:embed="rId2" cstate="print"/>
+          <a:blip r:embed="rId3" cstate="print"/>
           <a:stretch>
             <a:fillRect/>
           </a:stretch>
@@ -37014,23 +40997,7 @@
                   <a:srgbClr val="777777"/>
                 </a:solidFill>
               </a:rPr>
-              <a:t>Introducción (2 </a:t>
-            </a:r>
-            <a:r>
-              <a:rPr lang="es-ES_tradnl" sz="2000" dirty="0" err="1" smtClean="0">
-                <a:solidFill>
-                  <a:srgbClr val="777777"/>
-                </a:solidFill>
-              </a:rPr>
-              <a:t>mins</a:t>
-            </a:r>
-            <a:r>
-              <a:rPr lang="es-ES_tradnl" sz="2000" dirty="0" smtClean="0">
-                <a:solidFill>
-                  <a:srgbClr val="777777"/>
-                </a:solidFill>
-              </a:rPr>
-              <a:t>.)</a:t>
+              <a:t>Introducción</a:t>
             </a:r>
             <a:endParaRPr lang="es-ES_tradnl" sz="2000" dirty="0">
               <a:solidFill>
@@ -37125,23 +41092,7 @@
                   <a:srgbClr val="777777"/>
                 </a:solidFill>
               </a:rPr>
-              <a:t>Análisis y Diseño (2 </a:t>
-            </a:r>
-            <a:r>
-              <a:rPr lang="es-ES_tradnl" sz="2000" dirty="0" err="1" smtClean="0">
-                <a:solidFill>
-                  <a:srgbClr val="777777"/>
-                </a:solidFill>
-              </a:rPr>
-              <a:t>mins</a:t>
-            </a:r>
-            <a:r>
-              <a:rPr lang="es-ES_tradnl" sz="2000" dirty="0" smtClean="0">
-                <a:solidFill>
-                  <a:srgbClr val="777777"/>
-                </a:solidFill>
-              </a:rPr>
-              <a:t>.)</a:t>
+              <a:t>Análisis y Diseño</a:t>
             </a:r>
           </a:p>
         </p:txBody>
@@ -37149,7 +41100,7 @@
       <p:sp>
         <p:nvSpPr>
           <p:cNvPr id="8" name="Rectangle 5">
-            <a:hlinkClick r:id="rId2" action="ppaction://hlinksldjump"/>
+            <a:hlinkClick r:id="rId3" action="ppaction://hlinksldjump"/>
           </p:cNvPr>
           <p:cNvSpPr>
             <a:spLocks noChangeArrowheads="1"/>
@@ -37275,7 +41226,7 @@
       <p:sp>
         <p:nvSpPr>
           <p:cNvPr id="10" name="Rectangle 5">
-            <a:hlinkClick r:id="rId2" action="ppaction://hlinksldjump"/>
+            <a:hlinkClick r:id="rId3" action="ppaction://hlinksldjump"/>
           </p:cNvPr>
           <p:cNvSpPr>
             <a:spLocks noChangeArrowheads="1"/>
@@ -37389,7 +41340,7 @@
                   <a:srgbClr val="777777"/>
                 </a:solidFill>
               </a:rPr>
-              <a:t>Planificación (1 min.)</a:t>
+              <a:t>Planificación</a:t>
             </a:r>
           </a:p>
         </p:txBody>
@@ -37397,7 +41348,7 @@
       <p:sp>
         <p:nvSpPr>
           <p:cNvPr id="12" name="Rectangle 5">
-            <a:hlinkClick r:id="rId2" action="ppaction://hlinksldjump"/>
+            <a:hlinkClick r:id="rId3" action="ppaction://hlinksldjump"/>
           </p:cNvPr>
           <p:cNvSpPr>
             <a:spLocks noChangeArrowheads="1"/>
@@ -37509,7 +41460,7 @@
                   <a:srgbClr val="777777"/>
                 </a:solidFill>
               </a:rPr>
-              <a:t>Conclusiones (1 min.)</a:t>
+              <a:t>Conclusiones</a:t>
             </a:r>
           </a:p>
         </p:txBody>
@@ -37517,7 +41468,7 @@
       <p:sp>
         <p:nvSpPr>
           <p:cNvPr id="14" name="Rectangle 5">
-            <a:hlinkClick r:id="rId2" action="ppaction://hlinksldjump"/>
+            <a:hlinkClick r:id="rId3" action="ppaction://hlinksldjump"/>
           </p:cNvPr>
           <p:cNvSpPr>
             <a:spLocks noChangeArrowheads="1"/>
@@ -37587,7 +41538,7 @@
           <p:nvPr/>
         </p:nvPicPr>
         <p:blipFill>
-          <a:blip r:embed="rId3" cstate="print"/>
+          <a:blip r:embed="rId4" cstate="print"/>
           <a:srcRect/>
           <a:stretch>
             <a:fillRect/>
@@ -37661,23 +41612,7 @@
                   <a:srgbClr val="777777"/>
                 </a:solidFill>
               </a:rPr>
-              <a:t>Demo (5 </a:t>
-            </a:r>
-            <a:r>
-              <a:rPr lang="es-ES_tradnl" sz="2000" dirty="0" err="1" smtClean="0">
-                <a:solidFill>
-                  <a:srgbClr val="777777"/>
-                </a:solidFill>
-              </a:rPr>
-              <a:t>mins</a:t>
-            </a:r>
-            <a:r>
-              <a:rPr lang="es-ES_tradnl" sz="2000" dirty="0" smtClean="0">
-                <a:solidFill>
-                  <a:srgbClr val="777777"/>
-                </a:solidFill>
-              </a:rPr>
-              <a:t>.)</a:t>
+              <a:t>Demo</a:t>
             </a:r>
           </a:p>
         </p:txBody>
@@ -37735,7 +41670,7 @@
                   <a:srgbClr val="777777"/>
                 </a:solidFill>
               </a:rPr>
-              <a:t>Análisis de código (1 min.)</a:t>
+              <a:t>Análisis de código</a:t>
             </a:r>
           </a:p>
         </p:txBody>
@@ -37743,7 +41678,7 @@
       <p:sp>
         <p:nvSpPr>
           <p:cNvPr id="18" name="Rectangle 5">
-            <a:hlinkClick r:id="rId2" action="ppaction://hlinksldjump"/>
+            <a:hlinkClick r:id="rId3" action="ppaction://hlinksldjump"/>
           </p:cNvPr>
           <p:cNvSpPr>
             <a:spLocks noChangeArrowheads="1"/>
@@ -37820,7 +41755,7 @@
       <p:sp>
         <p:nvSpPr>
           <p:cNvPr id="19" name="Rectangle 5">
-            <a:hlinkClick r:id="rId2" action="ppaction://hlinksldjump"/>
+            <a:hlinkClick r:id="rId3" action="ppaction://hlinksldjump"/>
           </p:cNvPr>
           <p:cNvSpPr>
             <a:spLocks noChangeArrowheads="1"/>
@@ -37945,23 +41880,7 @@
                   <a:srgbClr val="777777"/>
                 </a:solidFill>
               </a:rPr>
-              <a:t>Alcance (3 </a:t>
-            </a:r>
-            <a:r>
-              <a:rPr lang="es-ES_tradnl" sz="2000" dirty="0" err="1" smtClean="0">
-                <a:solidFill>
-                  <a:srgbClr val="777777"/>
-                </a:solidFill>
-              </a:rPr>
-              <a:t>mins</a:t>
-            </a:r>
-            <a:r>
-              <a:rPr lang="es-ES_tradnl" sz="2000" dirty="0" smtClean="0">
-                <a:solidFill>
-                  <a:srgbClr val="777777"/>
-                </a:solidFill>
-              </a:rPr>
-              <a:t>.)</a:t>
+              <a:t>Alcance</a:t>
             </a:r>
             <a:endParaRPr lang="es-ES_tradnl" sz="2000" dirty="0">
               <a:solidFill>
@@ -38039,7 +41958,7 @@
           <p:nvPr/>
         </p:nvPicPr>
         <p:blipFill>
-          <a:blip r:embed="rId2" cstate="print"/>
+          <a:blip r:embed="rId3" cstate="print"/>
           <a:stretch>
             <a:fillRect/>
           </a:stretch>
@@ -38162,23 +42081,7 @@
                   <a:srgbClr val="777777"/>
                 </a:solidFill>
               </a:rPr>
-              <a:t>Introducción (2 </a:t>
-            </a:r>
-            <a:r>
-              <a:rPr lang="es-ES_tradnl" sz="2000" dirty="0" err="1" smtClean="0">
-                <a:solidFill>
-                  <a:srgbClr val="777777"/>
-                </a:solidFill>
-              </a:rPr>
-              <a:t>mins</a:t>
-            </a:r>
-            <a:r>
-              <a:rPr lang="es-ES_tradnl" sz="2000" dirty="0" smtClean="0">
-                <a:solidFill>
-                  <a:srgbClr val="777777"/>
-                </a:solidFill>
-              </a:rPr>
-              <a:t>.)</a:t>
+              <a:t>Introducción</a:t>
             </a:r>
             <a:endParaRPr lang="es-ES_tradnl" sz="2000" dirty="0">
               <a:solidFill>
@@ -38273,23 +42176,7 @@
                   <a:srgbClr val="777777"/>
                 </a:solidFill>
               </a:rPr>
-              <a:t>Análisis y Diseño (2 </a:t>
-            </a:r>
-            <a:r>
-              <a:rPr lang="es-ES_tradnl" sz="2000" dirty="0" err="1" smtClean="0">
-                <a:solidFill>
-                  <a:srgbClr val="777777"/>
-                </a:solidFill>
-              </a:rPr>
-              <a:t>mins</a:t>
-            </a:r>
-            <a:r>
-              <a:rPr lang="es-ES_tradnl" sz="2000" dirty="0" smtClean="0">
-                <a:solidFill>
-                  <a:srgbClr val="777777"/>
-                </a:solidFill>
-              </a:rPr>
-              <a:t>.)</a:t>
+              <a:t>Análisis y Diseño</a:t>
             </a:r>
           </a:p>
         </p:txBody>
@@ -38297,7 +42184,7 @@
       <p:sp>
         <p:nvSpPr>
           <p:cNvPr id="8" name="Rectangle 5">
-            <a:hlinkClick r:id="rId2" action="ppaction://hlinksldjump"/>
+            <a:hlinkClick r:id="rId3" action="ppaction://hlinksldjump"/>
           </p:cNvPr>
           <p:cNvSpPr>
             <a:spLocks noChangeArrowheads="1"/>
@@ -38423,7 +42310,7 @@
       <p:sp>
         <p:nvSpPr>
           <p:cNvPr id="10" name="Rectangle 5">
-            <a:hlinkClick r:id="rId2" action="ppaction://hlinksldjump"/>
+            <a:hlinkClick r:id="rId3" action="ppaction://hlinksldjump"/>
           </p:cNvPr>
           <p:cNvSpPr>
             <a:spLocks noChangeArrowheads="1"/>
@@ -38537,7 +42424,7 @@
                   <a:srgbClr val="777777"/>
                 </a:solidFill>
               </a:rPr>
-              <a:t>Planificación (1 min.)</a:t>
+              <a:t>Planificación</a:t>
             </a:r>
           </a:p>
         </p:txBody>
@@ -38545,7 +42432,7 @@
       <p:sp>
         <p:nvSpPr>
           <p:cNvPr id="12" name="Rectangle 5">
-            <a:hlinkClick r:id="rId2" action="ppaction://hlinksldjump"/>
+            <a:hlinkClick r:id="rId3" action="ppaction://hlinksldjump"/>
           </p:cNvPr>
           <p:cNvSpPr>
             <a:spLocks noChangeArrowheads="1"/>
@@ -38657,7 +42544,7 @@
                   <a:srgbClr val="777777"/>
                 </a:solidFill>
               </a:rPr>
-              <a:t>Conclusiones (1 min.)</a:t>
+              <a:t>Conclusiones</a:t>
             </a:r>
           </a:p>
         </p:txBody>
@@ -38665,7 +42552,7 @@
       <p:sp>
         <p:nvSpPr>
           <p:cNvPr id="14" name="Rectangle 5">
-            <a:hlinkClick r:id="rId2" action="ppaction://hlinksldjump"/>
+            <a:hlinkClick r:id="rId3" action="ppaction://hlinksldjump"/>
           </p:cNvPr>
           <p:cNvSpPr>
             <a:spLocks noChangeArrowheads="1"/>
@@ -38735,7 +42622,7 @@
           <p:nvPr/>
         </p:nvPicPr>
         <p:blipFill>
-          <a:blip r:embed="rId3" cstate="print"/>
+          <a:blip r:embed="rId4" cstate="print"/>
           <a:srcRect/>
           <a:stretch>
             <a:fillRect/>
@@ -38809,23 +42696,7 @@
                   <a:srgbClr val="777777"/>
                 </a:solidFill>
               </a:rPr>
-              <a:t>Demo (5 </a:t>
-            </a:r>
-            <a:r>
-              <a:rPr lang="es-ES_tradnl" sz="2000" dirty="0" err="1" smtClean="0">
-                <a:solidFill>
-                  <a:srgbClr val="777777"/>
-                </a:solidFill>
-              </a:rPr>
-              <a:t>mins</a:t>
-            </a:r>
-            <a:r>
-              <a:rPr lang="es-ES_tradnl" sz="2000" dirty="0" smtClean="0">
-                <a:solidFill>
-                  <a:srgbClr val="777777"/>
-                </a:solidFill>
-              </a:rPr>
-              <a:t>.)</a:t>
+              <a:t>Demo</a:t>
             </a:r>
           </a:p>
         </p:txBody>
@@ -38883,7 +42754,7 @@
                   <a:srgbClr val="777777"/>
                 </a:solidFill>
               </a:rPr>
-              <a:t>Análisis de código (1 min.)</a:t>
+              <a:t>Análisis de código</a:t>
             </a:r>
           </a:p>
         </p:txBody>
@@ -38891,7 +42762,7 @@
       <p:sp>
         <p:nvSpPr>
           <p:cNvPr id="18" name="Rectangle 5">
-            <a:hlinkClick r:id="rId2" action="ppaction://hlinksldjump"/>
+            <a:hlinkClick r:id="rId3" action="ppaction://hlinksldjump"/>
           </p:cNvPr>
           <p:cNvSpPr>
             <a:spLocks noChangeArrowheads="1"/>
@@ -38966,7 +42837,7 @@
       <p:sp>
         <p:nvSpPr>
           <p:cNvPr id="19" name="Rectangle 5">
-            <a:hlinkClick r:id="rId2" action="ppaction://hlinksldjump"/>
+            <a:hlinkClick r:id="rId3" action="ppaction://hlinksldjump"/>
           </p:cNvPr>
           <p:cNvSpPr>
             <a:spLocks noChangeArrowheads="1"/>
@@ -39082,23 +42953,7 @@
                   <a:srgbClr val="777777"/>
                 </a:solidFill>
               </a:rPr>
-              <a:t>Alcance (3 </a:t>
-            </a:r>
-            <a:r>
-              <a:rPr lang="es-ES_tradnl" sz="2000" dirty="0" err="1" smtClean="0">
-                <a:solidFill>
-                  <a:srgbClr val="777777"/>
-                </a:solidFill>
-              </a:rPr>
-              <a:t>mins</a:t>
-            </a:r>
-            <a:r>
-              <a:rPr lang="es-ES_tradnl" sz="2000" dirty="0" smtClean="0">
-                <a:solidFill>
-                  <a:srgbClr val="777777"/>
-                </a:solidFill>
-              </a:rPr>
-              <a:t>.)</a:t>
+              <a:t>Alcance</a:t>
             </a:r>
             <a:endParaRPr lang="es-ES_tradnl" sz="2000" dirty="0">
               <a:solidFill>
@@ -39175,7 +43030,7 @@
         </p:xfrm>
         <a:graphic>
           <a:graphicData uri="http://schemas.openxmlformats.org/drawingml/2006/diagram">
-            <dgm:relIds xmlns:dgm="http://schemas.openxmlformats.org/drawingml/2006/diagram" xmlns:r="http://schemas.openxmlformats.org/officeDocument/2006/relationships" r:dm="rId2" r:lo="rId3" r:qs="rId4" r:cs="rId5"/>
+            <dgm:relIds xmlns:dgm="http://schemas.openxmlformats.org/drawingml/2006/diagram" xmlns:r="http://schemas.openxmlformats.org/officeDocument/2006/relationships" r:dm="rId3" r:lo="rId4" r:qs="rId5" r:cs="rId6"/>
           </a:graphicData>
         </a:graphic>
       </p:graphicFrame>
@@ -39246,7 +43101,7 @@
         </p:xfrm>
         <a:graphic>
           <a:graphicData uri="http://schemas.openxmlformats.org/drawingml/2006/diagram">
-            <dgm:relIds xmlns:dgm="http://schemas.openxmlformats.org/drawingml/2006/diagram" xmlns:r="http://schemas.openxmlformats.org/officeDocument/2006/relationships" r:dm="rId2" r:lo="rId3" r:qs="rId4" r:cs="rId5"/>
+            <dgm:relIds xmlns:dgm="http://schemas.openxmlformats.org/drawingml/2006/diagram" xmlns:r="http://schemas.openxmlformats.org/officeDocument/2006/relationships" r:dm="rId3" r:lo="rId4" r:qs="rId5" r:cs="rId6"/>
           </a:graphicData>
         </a:graphic>
       </p:graphicFrame>
@@ -39611,11 +43466,7 @@
           <a:p>
             <a:r>
               <a:rPr lang="es-ES" dirty="0" smtClean="0"/>
-              <a:t>Introducción - </a:t>
-            </a:r>
-            <a:r>
-              <a:rPr lang="es-ES" dirty="0" smtClean="0"/>
-              <a:t>Contexto</a:t>
+              <a:t>Introducción - Contexto</a:t>
             </a:r>
             <a:endParaRPr lang="es-ES" dirty="0"/>
           </a:p>
@@ -39690,7 +43541,7 @@
         </p:xfrm>
         <a:graphic>
           <a:graphicData uri="http://schemas.openxmlformats.org/drawingml/2006/diagram">
-            <dgm:relIds xmlns:dgm="http://schemas.openxmlformats.org/drawingml/2006/diagram" xmlns:r="http://schemas.openxmlformats.org/officeDocument/2006/relationships" r:dm="rId2" r:lo="rId3" r:qs="rId4" r:cs="rId5"/>
+            <dgm:relIds xmlns:dgm="http://schemas.openxmlformats.org/drawingml/2006/diagram" xmlns:r="http://schemas.openxmlformats.org/officeDocument/2006/relationships" r:dm="rId3" r:lo="rId4" r:qs="rId5" r:cs="rId6"/>
           </a:graphicData>
         </a:graphic>
       </p:graphicFrame>
@@ -39802,23 +43653,7 @@
                   <a:srgbClr val="777777"/>
                 </a:solidFill>
               </a:rPr>
-              <a:t>Introducción (2 </a:t>
-            </a:r>
-            <a:r>
-              <a:rPr lang="es-ES_tradnl" sz="2000" dirty="0" err="1" smtClean="0">
-                <a:solidFill>
-                  <a:srgbClr val="777777"/>
-                </a:solidFill>
-              </a:rPr>
-              <a:t>mins</a:t>
-            </a:r>
-            <a:r>
-              <a:rPr lang="es-ES_tradnl" sz="2000" dirty="0" smtClean="0">
-                <a:solidFill>
-                  <a:srgbClr val="777777"/>
-                </a:solidFill>
-              </a:rPr>
-              <a:t>.)</a:t>
+              <a:t>Introducción</a:t>
             </a:r>
             <a:endParaRPr lang="es-ES_tradnl" sz="2000" dirty="0">
               <a:solidFill>
@@ -39913,23 +43748,7 @@
                   <a:srgbClr val="777777"/>
                 </a:solidFill>
               </a:rPr>
-              <a:t>Análisis y Diseño (2 </a:t>
-            </a:r>
-            <a:r>
-              <a:rPr lang="es-ES_tradnl" sz="2000" dirty="0" err="1" smtClean="0">
-                <a:solidFill>
-                  <a:srgbClr val="777777"/>
-                </a:solidFill>
-              </a:rPr>
-              <a:t>mins</a:t>
-            </a:r>
-            <a:r>
-              <a:rPr lang="es-ES_tradnl" sz="2000" dirty="0" smtClean="0">
-                <a:solidFill>
-                  <a:srgbClr val="777777"/>
-                </a:solidFill>
-              </a:rPr>
-              <a:t>.)</a:t>
+              <a:t>Análisis y Diseño</a:t>
             </a:r>
           </a:p>
         </p:txBody>
@@ -39937,7 +43756,7 @@
       <p:sp>
         <p:nvSpPr>
           <p:cNvPr id="8" name="Rectangle 5">
-            <a:hlinkClick r:id="rId2" action="ppaction://hlinksldjump"/>
+            <a:hlinkClick r:id="rId3" action="ppaction://hlinksldjump"/>
           </p:cNvPr>
           <p:cNvSpPr>
             <a:spLocks noChangeArrowheads="1"/>
@@ -40065,7 +43884,7 @@
       <p:sp>
         <p:nvSpPr>
           <p:cNvPr id="10" name="Rectangle 5">
-            <a:hlinkClick r:id="rId2" action="ppaction://hlinksldjump"/>
+            <a:hlinkClick r:id="rId3" action="ppaction://hlinksldjump"/>
           </p:cNvPr>
           <p:cNvSpPr>
             <a:spLocks noChangeArrowheads="1"/>
@@ -40179,7 +43998,7 @@
                   <a:srgbClr val="777777"/>
                 </a:solidFill>
               </a:rPr>
-              <a:t>Planificación (1 min.)</a:t>
+              <a:t>Planificación</a:t>
             </a:r>
           </a:p>
         </p:txBody>
@@ -40187,7 +44006,7 @@
       <p:sp>
         <p:nvSpPr>
           <p:cNvPr id="12" name="Rectangle 5">
-            <a:hlinkClick r:id="rId2" action="ppaction://hlinksldjump"/>
+            <a:hlinkClick r:id="rId3" action="ppaction://hlinksldjump"/>
           </p:cNvPr>
           <p:cNvSpPr>
             <a:spLocks noChangeArrowheads="1"/>
@@ -40299,7 +44118,7 @@
                   <a:srgbClr val="777777"/>
                 </a:solidFill>
               </a:rPr>
-              <a:t>Conclusiones (1 min.)</a:t>
+              <a:t>Conclusiones</a:t>
             </a:r>
           </a:p>
         </p:txBody>
@@ -40307,7 +44126,7 @@
       <p:sp>
         <p:nvSpPr>
           <p:cNvPr id="14" name="Rectangle 5">
-            <a:hlinkClick r:id="rId2" action="ppaction://hlinksldjump"/>
+            <a:hlinkClick r:id="rId3" action="ppaction://hlinksldjump"/>
           </p:cNvPr>
           <p:cNvSpPr>
             <a:spLocks noChangeArrowheads="1"/>
@@ -40377,7 +44196,7 @@
           <p:nvPr/>
         </p:nvPicPr>
         <p:blipFill>
-          <a:blip r:embed="rId3" cstate="print"/>
+          <a:blip r:embed="rId4" cstate="print"/>
           <a:srcRect/>
           <a:stretch>
             <a:fillRect/>
@@ -40451,23 +44270,7 @@
                   <a:srgbClr val="777777"/>
                 </a:solidFill>
               </a:rPr>
-              <a:t>Demo (5 </a:t>
-            </a:r>
-            <a:r>
-              <a:rPr lang="es-ES_tradnl" sz="2000" dirty="0" err="1" smtClean="0">
-                <a:solidFill>
-                  <a:srgbClr val="777777"/>
-                </a:solidFill>
-              </a:rPr>
-              <a:t>mins</a:t>
-            </a:r>
-            <a:r>
-              <a:rPr lang="es-ES_tradnl" sz="2000" dirty="0" smtClean="0">
-                <a:solidFill>
-                  <a:srgbClr val="777777"/>
-                </a:solidFill>
-              </a:rPr>
-              <a:t>.)</a:t>
+              <a:t>Demo</a:t>
             </a:r>
           </a:p>
         </p:txBody>
@@ -40525,7 +44328,7 @@
                   <a:srgbClr val="777777"/>
                 </a:solidFill>
               </a:rPr>
-              <a:t>Análisis de código (1 min.)</a:t>
+              <a:t>Análisis de código</a:t>
             </a:r>
           </a:p>
         </p:txBody>
@@ -40533,7 +44336,7 @@
       <p:sp>
         <p:nvSpPr>
           <p:cNvPr id="18" name="Rectangle 5">
-            <a:hlinkClick r:id="rId2" action="ppaction://hlinksldjump"/>
+            <a:hlinkClick r:id="rId3" action="ppaction://hlinksldjump"/>
           </p:cNvPr>
           <p:cNvSpPr>
             <a:spLocks noChangeArrowheads="1"/>
@@ -40608,7 +44411,7 @@
       <p:sp>
         <p:nvSpPr>
           <p:cNvPr id="19" name="Rectangle 5">
-            <a:hlinkClick r:id="rId2" action="ppaction://hlinksldjump"/>
+            <a:hlinkClick r:id="rId3" action="ppaction://hlinksldjump"/>
           </p:cNvPr>
           <p:cNvSpPr>
             <a:spLocks noChangeArrowheads="1"/>
@@ -40733,23 +44536,7 @@
                   <a:srgbClr val="777777"/>
                 </a:solidFill>
               </a:rPr>
-              <a:t>Alcance (3 </a:t>
-            </a:r>
-            <a:r>
-              <a:rPr lang="es-ES_tradnl" sz="2000" b="1" dirty="0" err="1" smtClean="0">
-                <a:solidFill>
-                  <a:srgbClr val="777777"/>
-                </a:solidFill>
-              </a:rPr>
-              <a:t>mins</a:t>
-            </a:r>
-            <a:r>
-              <a:rPr lang="es-ES_tradnl" sz="2000" b="1" dirty="0" smtClean="0">
-                <a:solidFill>
-                  <a:srgbClr val="777777"/>
-                </a:solidFill>
-              </a:rPr>
-              <a:t>.)</a:t>
+              <a:t>Alcance</a:t>
             </a:r>
             <a:endParaRPr lang="es-ES_tradnl" sz="2000" b="1" dirty="0">
               <a:solidFill>
@@ -41134,7 +44921,7 @@
         </p:xfrm>
         <a:graphic>
           <a:graphicData uri="http://schemas.openxmlformats.org/drawingml/2006/diagram">
-            <dgm:relIds xmlns:dgm="http://schemas.openxmlformats.org/drawingml/2006/diagram" xmlns:r="http://schemas.openxmlformats.org/officeDocument/2006/relationships" r:dm="rId2" r:lo="rId3" r:qs="rId4" r:cs="rId5"/>
+            <dgm:relIds xmlns:dgm="http://schemas.openxmlformats.org/drawingml/2006/diagram" xmlns:r="http://schemas.openxmlformats.org/officeDocument/2006/relationships" r:dm="rId3" r:lo="rId4" r:qs="rId5" r:cs="rId6"/>
           </a:graphicData>
         </a:graphic>
       </p:graphicFrame>
@@ -41207,7 +44994,7 @@
         </p:xfrm>
         <a:graphic>
           <a:graphicData uri="http://schemas.openxmlformats.org/drawingml/2006/diagram">
-            <dgm:relIds xmlns:dgm="http://schemas.openxmlformats.org/drawingml/2006/diagram" xmlns:r="http://schemas.openxmlformats.org/officeDocument/2006/relationships" r:dm="rId2" r:lo="rId3" r:qs="rId4" r:cs="rId5"/>
+            <dgm:relIds xmlns:dgm="http://schemas.openxmlformats.org/drawingml/2006/diagram" xmlns:r="http://schemas.openxmlformats.org/officeDocument/2006/relationships" r:dm="rId3" r:lo="rId4" r:qs="rId5" r:cs="rId6"/>
           </a:graphicData>
         </a:graphic>
       </p:graphicFrame>
@@ -41509,4 +45296,287 @@
   <a:objectDefaults/>
   <a:extraClrSchemeLst/>
 </a:theme>
+</file>
+
+<file path=ppt/theme/theme2.xml><?xml version="1.0" encoding="utf-8"?>
+<a:theme xmlns:a="http://schemas.openxmlformats.org/drawingml/2006/main" name="Tema de Office">
+  <a:themeElements>
+    <a:clrScheme name="Office">
+      <a:dk1>
+        <a:sysClr val="windowText" lastClr="000000"/>
+      </a:dk1>
+      <a:lt1>
+        <a:sysClr val="window" lastClr="FFFFFF"/>
+      </a:lt1>
+      <a:dk2>
+        <a:srgbClr val="1F497D"/>
+      </a:dk2>
+      <a:lt2>
+        <a:srgbClr val="EEECE1"/>
+      </a:lt2>
+      <a:accent1>
+        <a:srgbClr val="4F81BD"/>
+      </a:accent1>
+      <a:accent2>
+        <a:srgbClr val="C0504D"/>
+      </a:accent2>
+      <a:accent3>
+        <a:srgbClr val="9BBB59"/>
+      </a:accent3>
+      <a:accent4>
+        <a:srgbClr val="8064A2"/>
+      </a:accent4>
+      <a:accent5>
+        <a:srgbClr val="4BACC6"/>
+      </a:accent5>
+      <a:accent6>
+        <a:srgbClr val="F79646"/>
+      </a:accent6>
+      <a:hlink>
+        <a:srgbClr val="0000FF"/>
+      </a:hlink>
+      <a:folHlink>
+        <a:srgbClr val="800080"/>
+      </a:folHlink>
+    </a:clrScheme>
+    <a:fontScheme name="Office">
+      <a:majorFont>
+        <a:latin typeface="Calibri"/>
+        <a:ea typeface=""/>
+        <a:cs typeface=""/>
+        <a:font script="Jpan" typeface="ＭＳ Ｐゴシック"/>
+        <a:font script="Hang" typeface="맑은 고딕"/>
+        <a:font script="Hans" typeface="宋体"/>
+        <a:font script="Hant" typeface="新細明體"/>
+        <a:font script="Arab" typeface="Times New Roman"/>
+        <a:font script="Hebr" typeface="Times New Roman"/>
+        <a:font script="Thai" typeface="Angsana New"/>
+        <a:font script="Ethi" typeface="Nyala"/>
+        <a:font script="Beng" typeface="Vrinda"/>
+        <a:font script="Gujr" typeface="Shruti"/>
+        <a:font script="Khmr" typeface="MoolBoran"/>
+        <a:font script="Knda" typeface="Tunga"/>
+        <a:font script="Guru" typeface="Raavi"/>
+        <a:font script="Cans" typeface="Euphemia"/>
+        <a:font script="Cher" typeface="Plantagenet Cherokee"/>
+        <a:font script="Yiii" typeface="Microsoft Yi Baiti"/>
+        <a:font script="Tibt" typeface="Microsoft Himalaya"/>
+        <a:font script="Thaa" typeface="MV Boli"/>
+        <a:font script="Deva" typeface="Mangal"/>
+        <a:font script="Telu" typeface="Gautami"/>
+        <a:font script="Taml" typeface="Latha"/>
+        <a:font script="Syrc" typeface="Estrangelo Edessa"/>
+        <a:font script="Orya" typeface="Kalinga"/>
+        <a:font script="Mlym" typeface="Kartika"/>
+        <a:font script="Laoo" typeface="DokChampa"/>
+        <a:font script="Sinh" typeface="Iskoola Pota"/>
+        <a:font script="Mong" typeface="Mongolian Baiti"/>
+        <a:font script="Viet" typeface="Times New Roman"/>
+        <a:font script="Uigh" typeface="Microsoft Uighur"/>
+      </a:majorFont>
+      <a:minorFont>
+        <a:latin typeface="Calibri"/>
+        <a:ea typeface=""/>
+        <a:cs typeface=""/>
+        <a:font script="Jpan" typeface="ＭＳ Ｐゴシック"/>
+        <a:font script="Hang" typeface="맑은 고딕"/>
+        <a:font script="Hans" typeface="宋体"/>
+        <a:font script="Hant" typeface="新細明體"/>
+        <a:font script="Arab" typeface="Arial"/>
+        <a:font script="Hebr" typeface="Arial"/>
+        <a:font script="Thai" typeface="Cordia New"/>
+        <a:font script="Ethi" typeface="Nyala"/>
+        <a:font script="Beng" typeface="Vrinda"/>
+        <a:font script="Gujr" typeface="Shruti"/>
+        <a:font script="Khmr" typeface="DaunPenh"/>
+        <a:font script="Knda" typeface="Tunga"/>
+        <a:font script="Guru" typeface="Raavi"/>
+        <a:font script="Cans" typeface="Euphemia"/>
+        <a:font script="Cher" typeface="Plantagenet Cherokee"/>
+        <a:font script="Yiii" typeface="Microsoft Yi Baiti"/>
+        <a:font script="Tibt" typeface="Microsoft Himalaya"/>
+        <a:font script="Thaa" typeface="MV Boli"/>
+        <a:font script="Deva" typeface="Mangal"/>
+        <a:font script="Telu" typeface="Gautami"/>
+        <a:font script="Taml" typeface="Latha"/>
+        <a:font script="Syrc" typeface="Estrangelo Edessa"/>
+        <a:font script="Orya" typeface="Kalinga"/>
+        <a:font script="Mlym" typeface="Kartika"/>
+        <a:font script="Laoo" typeface="DokChampa"/>
+        <a:font script="Sinh" typeface="Iskoola Pota"/>
+        <a:font script="Mong" typeface="Mongolian Baiti"/>
+        <a:font script="Viet" typeface="Arial"/>
+        <a:font script="Uigh" typeface="Microsoft Uighur"/>
+      </a:minorFont>
+    </a:fontScheme>
+    <a:fmtScheme name="Office">
+      <a:fillStyleLst>
+        <a:solidFill>
+          <a:schemeClr val="phClr"/>
+        </a:solidFill>
+        <a:gradFill rotWithShape="1">
+          <a:gsLst>
+            <a:gs pos="0">
+              <a:schemeClr val="phClr">
+                <a:tint val="50000"/>
+                <a:satMod val="300000"/>
+              </a:schemeClr>
+            </a:gs>
+            <a:gs pos="35000">
+              <a:schemeClr val="phClr">
+                <a:tint val="37000"/>
+                <a:satMod val="300000"/>
+              </a:schemeClr>
+            </a:gs>
+            <a:gs pos="100000">
+              <a:schemeClr val="phClr">
+                <a:tint val="15000"/>
+                <a:satMod val="350000"/>
+              </a:schemeClr>
+            </a:gs>
+          </a:gsLst>
+          <a:lin ang="16200000" scaled="1"/>
+        </a:gradFill>
+        <a:gradFill rotWithShape="1">
+          <a:gsLst>
+            <a:gs pos="0">
+              <a:schemeClr val="phClr">
+                <a:shade val="51000"/>
+                <a:satMod val="130000"/>
+              </a:schemeClr>
+            </a:gs>
+            <a:gs pos="80000">
+              <a:schemeClr val="phClr">
+                <a:shade val="93000"/>
+                <a:satMod val="130000"/>
+              </a:schemeClr>
+            </a:gs>
+            <a:gs pos="100000">
+              <a:schemeClr val="phClr">
+                <a:shade val="94000"/>
+                <a:satMod val="135000"/>
+              </a:schemeClr>
+            </a:gs>
+          </a:gsLst>
+          <a:lin ang="16200000" scaled="0"/>
+        </a:gradFill>
+      </a:fillStyleLst>
+      <a:lnStyleLst>
+        <a:ln w="9525" cap="flat" cmpd="sng" algn="ctr">
+          <a:solidFill>
+            <a:schemeClr val="phClr">
+              <a:shade val="95000"/>
+              <a:satMod val="105000"/>
+            </a:schemeClr>
+          </a:solidFill>
+          <a:prstDash val="solid"/>
+        </a:ln>
+        <a:ln w="25400" cap="flat" cmpd="sng" algn="ctr">
+          <a:solidFill>
+            <a:schemeClr val="phClr"/>
+          </a:solidFill>
+          <a:prstDash val="solid"/>
+        </a:ln>
+        <a:ln w="38100" cap="flat" cmpd="sng" algn="ctr">
+          <a:solidFill>
+            <a:schemeClr val="phClr"/>
+          </a:solidFill>
+          <a:prstDash val="solid"/>
+        </a:ln>
+      </a:lnStyleLst>
+      <a:effectStyleLst>
+        <a:effectStyle>
+          <a:effectLst>
+            <a:outerShdw blurRad="40000" dist="20000" dir="5400000" rotWithShape="0">
+              <a:srgbClr val="000000">
+                <a:alpha val="38000"/>
+              </a:srgbClr>
+            </a:outerShdw>
+          </a:effectLst>
+        </a:effectStyle>
+        <a:effectStyle>
+          <a:effectLst>
+            <a:outerShdw blurRad="40000" dist="23000" dir="5400000" rotWithShape="0">
+              <a:srgbClr val="000000">
+                <a:alpha val="35000"/>
+              </a:srgbClr>
+            </a:outerShdw>
+          </a:effectLst>
+        </a:effectStyle>
+        <a:effectStyle>
+          <a:effectLst>
+            <a:outerShdw blurRad="40000" dist="23000" dir="5400000" rotWithShape="0">
+              <a:srgbClr val="000000">
+                <a:alpha val="35000"/>
+              </a:srgbClr>
+            </a:outerShdw>
+          </a:effectLst>
+          <a:scene3d>
+            <a:camera prst="orthographicFront">
+              <a:rot lat="0" lon="0" rev="0"/>
+            </a:camera>
+            <a:lightRig rig="threePt" dir="t">
+              <a:rot lat="0" lon="0" rev="1200000"/>
+            </a:lightRig>
+          </a:scene3d>
+          <a:sp3d>
+            <a:bevelT w="63500" h="25400"/>
+          </a:sp3d>
+        </a:effectStyle>
+      </a:effectStyleLst>
+      <a:bgFillStyleLst>
+        <a:solidFill>
+          <a:schemeClr val="phClr"/>
+        </a:solidFill>
+        <a:gradFill rotWithShape="1">
+          <a:gsLst>
+            <a:gs pos="0">
+              <a:schemeClr val="phClr">
+                <a:tint val="40000"/>
+                <a:satMod val="350000"/>
+              </a:schemeClr>
+            </a:gs>
+            <a:gs pos="40000">
+              <a:schemeClr val="phClr">
+                <a:tint val="45000"/>
+                <a:shade val="99000"/>
+                <a:satMod val="350000"/>
+              </a:schemeClr>
+            </a:gs>
+            <a:gs pos="100000">
+              <a:schemeClr val="phClr">
+                <a:shade val="20000"/>
+                <a:satMod val="255000"/>
+              </a:schemeClr>
+            </a:gs>
+          </a:gsLst>
+          <a:path path="circle">
+            <a:fillToRect l="50000" t="-80000" r="50000" b="180000"/>
+          </a:path>
+        </a:gradFill>
+        <a:gradFill rotWithShape="1">
+          <a:gsLst>
+            <a:gs pos="0">
+              <a:schemeClr val="phClr">
+                <a:tint val="80000"/>
+                <a:satMod val="300000"/>
+              </a:schemeClr>
+            </a:gs>
+            <a:gs pos="100000">
+              <a:schemeClr val="phClr">
+                <a:shade val="30000"/>
+                <a:satMod val="200000"/>
+              </a:schemeClr>
+            </a:gs>
+          </a:gsLst>
+          <a:path path="circle">
+            <a:fillToRect l="50000" t="50000" r="50000" b="50000"/>
+          </a:path>
+        </a:gradFill>
+      </a:bgFillStyleLst>
+    </a:fmtScheme>
+  </a:themeElements>
+  <a:objectDefaults/>
+  <a:extraClrSchemeLst/>
+</a:theme>
 </file>